--- a/files/teaching-resources/monmouthcollege-econ-300/ECON300-LEC09.pptx
+++ b/files/teaching-resources/monmouthcollege-econ-300/ECON300-LEC09.pptx
@@ -223,7 +223,7 @@
           <a:p>
             <a:fld id="{0E0A6441-4E79-42FF-805B-86C90BDFD38D}" type="datetimeFigureOut">
               <a:rPr lang="en-US" smtClean="0"/>
-              <a:t>9/16/2023</a:t>
+              <a:t>9/17/2023</a:t>
             </a:fld>
             <a:endParaRPr lang="en-US" dirty="0"/>
           </a:p>
@@ -4681,6 +4681,232 @@
   <p:clrMapOvr>
     <a:masterClrMapping/>
   </p:clrMapOvr>
+  <p:timing>
+    <p:tnLst>
+      <p:par>
+        <p:cTn id="1" dur="indefinite" restart="never" nodeType="tmRoot">
+          <p:childTnLst>
+            <p:seq concurrent="1" nextAc="seek">
+              <p:cTn id="2" dur="indefinite" nodeType="mainSeq">
+                <p:childTnLst>
+                  <p:par>
+                    <p:cTn id="3" fill="hold">
+                      <p:stCondLst>
+                        <p:cond delay="indefinite"/>
+                      </p:stCondLst>
+                      <p:childTnLst>
+                        <p:par>
+                          <p:cTn id="4" fill="hold">
+                            <p:stCondLst>
+                              <p:cond delay="0"/>
+                            </p:stCondLst>
+                            <p:childTnLst>
+                              <p:par>
+                                <p:cTn id="5" presetID="10" presetClass="entr" presetSubtype="0" fill="hold" grpId="0" nodeType="clickEffect">
+                                  <p:stCondLst>
+                                    <p:cond delay="0"/>
+                                  </p:stCondLst>
+                                  <p:childTnLst>
+                                    <p:set>
+                                      <p:cBhvr>
+                                        <p:cTn id="6" dur="1" fill="hold">
+                                          <p:stCondLst>
+                                            <p:cond delay="0"/>
+                                          </p:stCondLst>
+                                        </p:cTn>
+                                        <p:tgtEl>
+                                          <p:spTgt spid="3">
+                                            <p:txEl>
+                                              <p:pRg st="0" end="0"/>
+                                            </p:txEl>
+                                          </p:spTgt>
+                                        </p:tgtEl>
+                                        <p:attrNameLst>
+                                          <p:attrName>style.visibility</p:attrName>
+                                        </p:attrNameLst>
+                                      </p:cBhvr>
+                                      <p:to>
+                                        <p:strVal val="visible"/>
+                                      </p:to>
+                                    </p:set>
+                                    <p:animEffect transition="in" filter="fade">
+                                      <p:cBhvr>
+                                        <p:cTn id="7" dur="500"/>
+                                        <p:tgtEl>
+                                          <p:spTgt spid="3">
+                                            <p:txEl>
+                                              <p:pRg st="0" end="0"/>
+                                            </p:txEl>
+                                          </p:spTgt>
+                                        </p:tgtEl>
+                                      </p:cBhvr>
+                                    </p:animEffect>
+                                  </p:childTnLst>
+                                </p:cTn>
+                              </p:par>
+                              <p:par>
+                                <p:cTn id="8" presetID="10" presetClass="entr" presetSubtype="0" fill="hold" nodeType="withEffect">
+                                  <p:stCondLst>
+                                    <p:cond delay="0"/>
+                                  </p:stCondLst>
+                                  <p:childTnLst>
+                                    <p:set>
+                                      <p:cBhvr>
+                                        <p:cTn id="9" dur="1" fill="hold">
+                                          <p:stCondLst>
+                                            <p:cond delay="0"/>
+                                          </p:stCondLst>
+                                        </p:cTn>
+                                        <p:tgtEl>
+                                          <p:spTgt spid="15"/>
+                                        </p:tgtEl>
+                                        <p:attrNameLst>
+                                          <p:attrName>style.visibility</p:attrName>
+                                        </p:attrNameLst>
+                                      </p:cBhvr>
+                                      <p:to>
+                                        <p:strVal val="visible"/>
+                                      </p:to>
+                                    </p:set>
+                                    <p:animEffect transition="in" filter="fade">
+                                      <p:cBhvr>
+                                        <p:cTn id="10" dur="500"/>
+                                        <p:tgtEl>
+                                          <p:spTgt spid="15"/>
+                                        </p:tgtEl>
+                                      </p:cBhvr>
+                                    </p:animEffect>
+                                  </p:childTnLst>
+                                </p:cTn>
+                              </p:par>
+                            </p:childTnLst>
+                          </p:cTn>
+                        </p:par>
+                      </p:childTnLst>
+                    </p:cTn>
+                  </p:par>
+                  <p:par>
+                    <p:cTn id="11" fill="hold">
+                      <p:stCondLst>
+                        <p:cond delay="indefinite"/>
+                      </p:stCondLst>
+                      <p:childTnLst>
+                        <p:par>
+                          <p:cTn id="12" fill="hold">
+                            <p:stCondLst>
+                              <p:cond delay="0"/>
+                            </p:stCondLst>
+                            <p:childTnLst>
+                              <p:par>
+                                <p:cTn id="13" presetID="10" presetClass="entr" presetSubtype="0" fill="hold" grpId="0" nodeType="clickEffect">
+                                  <p:stCondLst>
+                                    <p:cond delay="0"/>
+                                  </p:stCondLst>
+                                  <p:childTnLst>
+                                    <p:set>
+                                      <p:cBhvr>
+                                        <p:cTn id="14" dur="1" fill="hold">
+                                          <p:stCondLst>
+                                            <p:cond delay="0"/>
+                                          </p:stCondLst>
+                                        </p:cTn>
+                                        <p:tgtEl>
+                                          <p:spTgt spid="5">
+                                            <p:txEl>
+                                              <p:pRg st="0" end="0"/>
+                                            </p:txEl>
+                                          </p:spTgt>
+                                        </p:tgtEl>
+                                        <p:attrNameLst>
+                                          <p:attrName>style.visibility</p:attrName>
+                                        </p:attrNameLst>
+                                      </p:cBhvr>
+                                      <p:to>
+                                        <p:strVal val="visible"/>
+                                      </p:to>
+                                    </p:set>
+                                    <p:animEffect transition="in" filter="fade">
+                                      <p:cBhvr>
+                                        <p:cTn id="15" dur="500"/>
+                                        <p:tgtEl>
+                                          <p:spTgt spid="5">
+                                            <p:txEl>
+                                              <p:pRg st="0" end="0"/>
+                                            </p:txEl>
+                                          </p:spTgt>
+                                        </p:tgtEl>
+                                      </p:cBhvr>
+                                    </p:animEffect>
+                                  </p:childTnLst>
+                                </p:cTn>
+                              </p:par>
+                              <p:par>
+                                <p:cTn id="16" presetID="10" presetClass="entr" presetSubtype="0" fill="hold" nodeType="withEffect">
+                                  <p:stCondLst>
+                                    <p:cond delay="0"/>
+                                  </p:stCondLst>
+                                  <p:childTnLst>
+                                    <p:set>
+                                      <p:cBhvr>
+                                        <p:cTn id="17" dur="1" fill="hold">
+                                          <p:stCondLst>
+                                            <p:cond delay="0"/>
+                                          </p:stCondLst>
+                                        </p:cTn>
+                                        <p:tgtEl>
+                                          <p:spTgt spid="17"/>
+                                        </p:tgtEl>
+                                        <p:attrNameLst>
+                                          <p:attrName>style.visibility</p:attrName>
+                                        </p:attrNameLst>
+                                      </p:cBhvr>
+                                      <p:to>
+                                        <p:strVal val="visible"/>
+                                      </p:to>
+                                    </p:set>
+                                    <p:animEffect transition="in" filter="fade">
+                                      <p:cBhvr>
+                                        <p:cTn id="18" dur="500"/>
+                                        <p:tgtEl>
+                                          <p:spTgt spid="17"/>
+                                        </p:tgtEl>
+                                      </p:cBhvr>
+                                    </p:animEffect>
+                                  </p:childTnLst>
+                                </p:cTn>
+                              </p:par>
+                            </p:childTnLst>
+                          </p:cTn>
+                        </p:par>
+                      </p:childTnLst>
+                    </p:cTn>
+                  </p:par>
+                </p:childTnLst>
+              </p:cTn>
+              <p:prevCondLst>
+                <p:cond evt="onPrev" delay="0">
+                  <p:tgtEl>
+                    <p:sldTgt/>
+                  </p:tgtEl>
+                </p:cond>
+              </p:prevCondLst>
+              <p:nextCondLst>
+                <p:cond evt="onNext" delay="0">
+                  <p:tgtEl>
+                    <p:sldTgt/>
+                  </p:tgtEl>
+                </p:cond>
+              </p:nextCondLst>
+            </p:seq>
+          </p:childTnLst>
+        </p:cTn>
+      </p:par>
+    </p:tnLst>
+    <p:bldLst>
+      <p:bldP spid="3" grpId="0" build="p"/>
+      <p:bldP spid="5" grpId="0" build="p"/>
+    </p:bldLst>
+  </p:timing>
 </p:sld>
 </file>
 
@@ -5129,7 +5355,11 @@
                                           </p:stCondLst>
                                         </p:cTn>
                                         <p:tgtEl>
-                                          <p:spTgt spid="10"/>
+                                          <p:spTgt spid="4">
+                                            <p:txEl>
+                                              <p:pRg st="0" end="0"/>
+                                            </p:txEl>
+                                          </p:spTgt>
                                         </p:tgtEl>
                                         <p:attrNameLst>
                                           <p:attrName>style.visibility</p:attrName>
@@ -5143,7 +5373,168 @@
                                       <p:cBhvr>
                                         <p:cTn id="7" dur="500"/>
                                         <p:tgtEl>
+                                          <p:spTgt spid="4">
+                                            <p:txEl>
+                                              <p:pRg st="0" end="0"/>
+                                            </p:txEl>
+                                          </p:spTgt>
+                                        </p:tgtEl>
+                                      </p:cBhvr>
+                                    </p:animEffect>
+                                  </p:childTnLst>
+                                </p:cTn>
+                              </p:par>
+                            </p:childTnLst>
+                          </p:cTn>
+                        </p:par>
+                      </p:childTnLst>
+                    </p:cTn>
+                  </p:par>
+                  <p:par>
+                    <p:cTn id="8" fill="hold">
+                      <p:stCondLst>
+                        <p:cond delay="indefinite"/>
+                      </p:stCondLst>
+                      <p:childTnLst>
+                        <p:par>
+                          <p:cTn id="9" fill="hold">
+                            <p:stCondLst>
+                              <p:cond delay="0"/>
+                            </p:stCondLst>
+                            <p:childTnLst>
+                              <p:par>
+                                <p:cTn id="10" presetID="10" presetClass="entr" presetSubtype="0" fill="hold" nodeType="clickEffect">
+                                  <p:stCondLst>
+                                    <p:cond delay="0"/>
+                                  </p:stCondLst>
+                                  <p:childTnLst>
+                                    <p:set>
+                                      <p:cBhvr>
+                                        <p:cTn id="11" dur="1" fill="hold">
+                                          <p:stCondLst>
+                                            <p:cond delay="0"/>
+                                          </p:stCondLst>
+                                        </p:cTn>
+                                        <p:tgtEl>
+                                          <p:spTgt spid="4">
+                                            <p:txEl>
+                                              <p:pRg st="2" end="2"/>
+                                            </p:txEl>
+                                          </p:spTgt>
+                                        </p:tgtEl>
+                                        <p:attrNameLst>
+                                          <p:attrName>style.visibility</p:attrName>
+                                        </p:attrNameLst>
+                                      </p:cBhvr>
+                                      <p:to>
+                                        <p:strVal val="visible"/>
+                                      </p:to>
+                                    </p:set>
+                                    <p:animEffect transition="in" filter="fade">
+                                      <p:cBhvr>
+                                        <p:cTn id="12" dur="500"/>
+                                        <p:tgtEl>
+                                          <p:spTgt spid="4">
+                                            <p:txEl>
+                                              <p:pRg st="2" end="2"/>
+                                            </p:txEl>
+                                          </p:spTgt>
+                                        </p:tgtEl>
+                                      </p:cBhvr>
+                                    </p:animEffect>
+                                  </p:childTnLst>
+                                </p:cTn>
+                              </p:par>
+                            </p:childTnLst>
+                          </p:cTn>
+                        </p:par>
+                      </p:childTnLst>
+                    </p:cTn>
+                  </p:par>
+                  <p:par>
+                    <p:cTn id="13" fill="hold">
+                      <p:stCondLst>
+                        <p:cond delay="indefinite"/>
+                      </p:stCondLst>
+                      <p:childTnLst>
+                        <p:par>
+                          <p:cTn id="14" fill="hold">
+                            <p:stCondLst>
+                              <p:cond delay="0"/>
+                            </p:stCondLst>
+                            <p:childTnLst>
+                              <p:par>
+                                <p:cTn id="15" presetID="10" presetClass="entr" presetSubtype="0" fill="hold" nodeType="clickEffect">
+                                  <p:stCondLst>
+                                    <p:cond delay="0"/>
+                                  </p:stCondLst>
+                                  <p:childTnLst>
+                                    <p:set>
+                                      <p:cBhvr>
+                                        <p:cTn id="16" dur="1" fill="hold">
+                                          <p:stCondLst>
+                                            <p:cond delay="0"/>
+                                          </p:stCondLst>
+                                        </p:cTn>
+                                        <p:tgtEl>
                                           <p:spTgt spid="10"/>
+                                        </p:tgtEl>
+                                        <p:attrNameLst>
+                                          <p:attrName>style.visibility</p:attrName>
+                                        </p:attrNameLst>
+                                      </p:cBhvr>
+                                      <p:to>
+                                        <p:strVal val="visible"/>
+                                      </p:to>
+                                    </p:set>
+                                    <p:animEffect transition="in" filter="fade">
+                                      <p:cBhvr>
+                                        <p:cTn id="17" dur="500"/>
+                                        <p:tgtEl>
+                                          <p:spTgt spid="10"/>
+                                        </p:tgtEl>
+                                      </p:cBhvr>
+                                    </p:animEffect>
+                                  </p:childTnLst>
+                                </p:cTn>
+                              </p:par>
+                              <p:par>
+                                <p:cTn id="18" presetID="10" presetClass="entr" presetSubtype="0" fill="hold" nodeType="withEffect">
+                                  <p:stCondLst>
+                                    <p:cond delay="0"/>
+                                  </p:stCondLst>
+                                  <p:childTnLst>
+                                    <p:set>
+                                      <p:cBhvr>
+                                        <p:cTn id="19" dur="1" fill="hold">
+                                          <p:stCondLst>
+                                            <p:cond delay="0"/>
+                                          </p:stCondLst>
+                                        </p:cTn>
+                                        <p:tgtEl>
+                                          <p:spTgt spid="4">
+                                            <p:txEl>
+                                              <p:pRg st="4" end="4"/>
+                                            </p:txEl>
+                                          </p:spTgt>
+                                        </p:tgtEl>
+                                        <p:attrNameLst>
+                                          <p:attrName>style.visibility</p:attrName>
+                                        </p:attrNameLst>
+                                      </p:cBhvr>
+                                      <p:to>
+                                        <p:strVal val="visible"/>
+                                      </p:to>
+                                    </p:set>
+                                    <p:animEffect transition="in" filter="fade">
+                                      <p:cBhvr>
+                                        <p:cTn id="20" dur="500"/>
+                                        <p:tgtEl>
+                                          <p:spTgt spid="4">
+                                            <p:txEl>
+                                              <p:pRg st="4" end="4"/>
+                                            </p:txEl>
+                                          </p:spTgt>
                                         </p:tgtEl>
                                       </p:cBhvr>
                                     </p:animEffect>
@@ -5524,6 +5915,58 @@
           </a:p>
         </p:txBody>
       </p:sp>
+      <p:sp>
+        <p:nvSpPr>
+          <p:cNvPr id="7" name="Rectangle 6">
+            <a:extLst>
+              <a:ext uri="{FF2B5EF4-FFF2-40B4-BE49-F238E27FC236}">
+                <a16:creationId xmlns:a16="http://schemas.microsoft.com/office/drawing/2014/main" id="{8AC32FCE-8661-FA3D-18FD-4A9C841126CE}"/>
+              </a:ext>
+            </a:extLst>
+          </p:cNvPr>
+          <p:cNvSpPr/>
+          <p:nvPr/>
+        </p:nvSpPr>
+        <p:spPr>
+          <a:xfrm>
+            <a:off x="3562710" y="3372927"/>
+            <a:ext cx="1984076" cy="500334"/>
+          </a:xfrm>
+          <a:prstGeom prst="rect">
+            <a:avLst/>
+          </a:prstGeom>
+          <a:noFill/>
+          <a:ln w="57150">
+            <a:solidFill>
+              <a:srgbClr val="FF0000"/>
+            </a:solidFill>
+          </a:ln>
+        </p:spPr>
+        <p:style>
+          <a:lnRef idx="2">
+            <a:schemeClr val="accent1">
+              <a:shade val="15000"/>
+            </a:schemeClr>
+          </a:lnRef>
+          <a:fillRef idx="1">
+            <a:schemeClr val="accent1"/>
+          </a:fillRef>
+          <a:effectRef idx="0">
+            <a:schemeClr val="accent1"/>
+          </a:effectRef>
+          <a:fontRef idx="minor">
+            <a:schemeClr val="lt1"/>
+          </a:fontRef>
+        </p:style>
+        <p:txBody>
+          <a:bodyPr rtlCol="0" anchor="ctr"/>
+          <a:lstStyle/>
+          <a:p>
+            <a:pPr algn="ctr"/>
+            <a:endParaRPr lang="en-US"/>
+          </a:p>
+        </p:txBody>
+      </p:sp>
     </p:spTree>
     <p:extLst>
       <p:ext uri="{BB962C8B-B14F-4D97-AF65-F5344CB8AC3E}">
@@ -5534,6 +5977,300 @@
   <p:clrMapOvr>
     <a:masterClrMapping/>
   </p:clrMapOvr>
+  <p:timing>
+    <p:tnLst>
+      <p:par>
+        <p:cTn id="1" dur="indefinite" restart="never" nodeType="tmRoot">
+          <p:childTnLst>
+            <p:seq concurrent="1" nextAc="seek">
+              <p:cTn id="2" dur="indefinite" nodeType="mainSeq">
+                <p:childTnLst>
+                  <p:par>
+                    <p:cTn id="3" fill="hold">
+                      <p:stCondLst>
+                        <p:cond delay="indefinite"/>
+                      </p:stCondLst>
+                      <p:childTnLst>
+                        <p:par>
+                          <p:cTn id="4" fill="hold">
+                            <p:stCondLst>
+                              <p:cond delay="0"/>
+                            </p:stCondLst>
+                            <p:childTnLst>
+                              <p:par>
+                                <p:cTn id="5" presetID="10" presetClass="entr" presetSubtype="0" fill="hold" nodeType="clickEffect">
+                                  <p:stCondLst>
+                                    <p:cond delay="0"/>
+                                  </p:stCondLst>
+                                  <p:childTnLst>
+                                    <p:set>
+                                      <p:cBhvr>
+                                        <p:cTn id="6" dur="1" fill="hold">
+                                          <p:stCondLst>
+                                            <p:cond delay="0"/>
+                                          </p:stCondLst>
+                                        </p:cTn>
+                                        <p:tgtEl>
+                                          <p:spTgt spid="3">
+                                            <p:txEl>
+                                              <p:pRg st="0" end="0"/>
+                                            </p:txEl>
+                                          </p:spTgt>
+                                        </p:tgtEl>
+                                        <p:attrNameLst>
+                                          <p:attrName>style.visibility</p:attrName>
+                                        </p:attrNameLst>
+                                      </p:cBhvr>
+                                      <p:to>
+                                        <p:strVal val="visible"/>
+                                      </p:to>
+                                    </p:set>
+                                    <p:animEffect transition="in" filter="fade">
+                                      <p:cBhvr>
+                                        <p:cTn id="7" dur="500"/>
+                                        <p:tgtEl>
+                                          <p:spTgt spid="3">
+                                            <p:txEl>
+                                              <p:pRg st="0" end="0"/>
+                                            </p:txEl>
+                                          </p:spTgt>
+                                        </p:tgtEl>
+                                      </p:cBhvr>
+                                    </p:animEffect>
+                                  </p:childTnLst>
+                                </p:cTn>
+                              </p:par>
+                            </p:childTnLst>
+                          </p:cTn>
+                        </p:par>
+                      </p:childTnLst>
+                    </p:cTn>
+                  </p:par>
+                  <p:par>
+                    <p:cTn id="8" fill="hold">
+                      <p:stCondLst>
+                        <p:cond delay="indefinite"/>
+                      </p:stCondLst>
+                      <p:childTnLst>
+                        <p:par>
+                          <p:cTn id="9" fill="hold">
+                            <p:stCondLst>
+                              <p:cond delay="0"/>
+                            </p:stCondLst>
+                            <p:childTnLst>
+                              <p:par>
+                                <p:cTn id="10" presetID="10" presetClass="entr" presetSubtype="0" fill="hold" nodeType="clickEffect">
+                                  <p:stCondLst>
+                                    <p:cond delay="0"/>
+                                  </p:stCondLst>
+                                  <p:childTnLst>
+                                    <p:set>
+                                      <p:cBhvr>
+                                        <p:cTn id="11" dur="1" fill="hold">
+                                          <p:stCondLst>
+                                            <p:cond delay="0"/>
+                                          </p:stCondLst>
+                                        </p:cTn>
+                                        <p:tgtEl>
+                                          <p:spTgt spid="3">
+                                            <p:txEl>
+                                              <p:pRg st="2" end="2"/>
+                                            </p:txEl>
+                                          </p:spTgt>
+                                        </p:tgtEl>
+                                        <p:attrNameLst>
+                                          <p:attrName>style.visibility</p:attrName>
+                                        </p:attrNameLst>
+                                      </p:cBhvr>
+                                      <p:to>
+                                        <p:strVal val="visible"/>
+                                      </p:to>
+                                    </p:set>
+                                    <p:animEffect transition="in" filter="fade">
+                                      <p:cBhvr>
+                                        <p:cTn id="12" dur="500"/>
+                                        <p:tgtEl>
+                                          <p:spTgt spid="3">
+                                            <p:txEl>
+                                              <p:pRg st="2" end="2"/>
+                                            </p:txEl>
+                                          </p:spTgt>
+                                        </p:tgtEl>
+                                      </p:cBhvr>
+                                    </p:animEffect>
+                                  </p:childTnLst>
+                                </p:cTn>
+                              </p:par>
+                              <p:par>
+                                <p:cTn id="13" presetID="10" presetClass="entr" presetSubtype="0" fill="hold" nodeType="withEffect">
+                                  <p:stCondLst>
+                                    <p:cond delay="0"/>
+                                  </p:stCondLst>
+                                  <p:childTnLst>
+                                    <p:set>
+                                      <p:cBhvr>
+                                        <p:cTn id="14" dur="1" fill="hold">
+                                          <p:stCondLst>
+                                            <p:cond delay="0"/>
+                                          </p:stCondLst>
+                                        </p:cTn>
+                                        <p:tgtEl>
+                                          <p:spTgt spid="3">
+                                            <p:txEl>
+                                              <p:pRg st="4" end="4"/>
+                                            </p:txEl>
+                                          </p:spTgt>
+                                        </p:tgtEl>
+                                        <p:attrNameLst>
+                                          <p:attrName>style.visibility</p:attrName>
+                                        </p:attrNameLst>
+                                      </p:cBhvr>
+                                      <p:to>
+                                        <p:strVal val="visible"/>
+                                      </p:to>
+                                    </p:set>
+                                    <p:animEffect transition="in" filter="fade">
+                                      <p:cBhvr>
+                                        <p:cTn id="15" dur="500"/>
+                                        <p:tgtEl>
+                                          <p:spTgt spid="3">
+                                            <p:txEl>
+                                              <p:pRg st="4" end="4"/>
+                                            </p:txEl>
+                                          </p:spTgt>
+                                        </p:tgtEl>
+                                      </p:cBhvr>
+                                    </p:animEffect>
+                                  </p:childTnLst>
+                                </p:cTn>
+                              </p:par>
+                              <p:par>
+                                <p:cTn id="16" presetID="10" presetClass="entr" presetSubtype="0" fill="hold" grpId="0" nodeType="withEffect">
+                                  <p:stCondLst>
+                                    <p:cond delay="0"/>
+                                  </p:stCondLst>
+                                  <p:childTnLst>
+                                    <p:set>
+                                      <p:cBhvr>
+                                        <p:cTn id="17" dur="1" fill="hold">
+                                          <p:stCondLst>
+                                            <p:cond delay="0"/>
+                                          </p:stCondLst>
+                                        </p:cTn>
+                                        <p:tgtEl>
+                                          <p:spTgt spid="7"/>
+                                        </p:tgtEl>
+                                        <p:attrNameLst>
+                                          <p:attrName>style.visibility</p:attrName>
+                                        </p:attrNameLst>
+                                      </p:cBhvr>
+                                      <p:to>
+                                        <p:strVal val="visible"/>
+                                      </p:to>
+                                    </p:set>
+                                    <p:animEffect transition="in" filter="fade">
+                                      <p:cBhvr>
+                                        <p:cTn id="18" dur="500"/>
+                                        <p:tgtEl>
+                                          <p:spTgt spid="7"/>
+                                        </p:tgtEl>
+                                      </p:cBhvr>
+                                    </p:animEffect>
+                                  </p:childTnLst>
+                                </p:cTn>
+                              </p:par>
+                            </p:childTnLst>
+                          </p:cTn>
+                        </p:par>
+                      </p:childTnLst>
+                    </p:cTn>
+                  </p:par>
+                  <p:par>
+                    <p:cTn id="19" fill="hold">
+                      <p:stCondLst>
+                        <p:cond delay="indefinite"/>
+                      </p:stCondLst>
+                      <p:childTnLst>
+                        <p:par>
+                          <p:cTn id="20" fill="hold">
+                            <p:stCondLst>
+                              <p:cond delay="0"/>
+                            </p:stCondLst>
+                            <p:childTnLst>
+                              <p:par>
+                                <p:cTn id="21" presetID="10" presetClass="entr" presetSubtype="0" fill="hold" nodeType="clickEffect">
+                                  <p:stCondLst>
+                                    <p:cond delay="0"/>
+                                  </p:stCondLst>
+                                  <p:childTnLst>
+                                    <p:set>
+                                      <p:cBhvr>
+                                        <p:cTn id="22" dur="1" fill="hold">
+                                          <p:stCondLst>
+                                            <p:cond delay="0"/>
+                                          </p:stCondLst>
+                                        </p:cTn>
+                                        <p:tgtEl>
+                                          <p:spTgt spid="3">
+                                            <p:txEl>
+                                              <p:pRg st="6" end="6"/>
+                                            </p:txEl>
+                                          </p:spTgt>
+                                        </p:tgtEl>
+                                        <p:attrNameLst>
+                                          <p:attrName>style.visibility</p:attrName>
+                                        </p:attrNameLst>
+                                      </p:cBhvr>
+                                      <p:to>
+                                        <p:strVal val="visible"/>
+                                      </p:to>
+                                    </p:set>
+                                    <p:animEffect transition="in" filter="fade">
+                                      <p:cBhvr>
+                                        <p:cTn id="23" dur="500"/>
+                                        <p:tgtEl>
+                                          <p:spTgt spid="3">
+                                            <p:txEl>
+                                              <p:pRg st="6" end="6"/>
+                                            </p:txEl>
+                                          </p:spTgt>
+                                        </p:tgtEl>
+                                      </p:cBhvr>
+                                    </p:animEffect>
+                                  </p:childTnLst>
+                                </p:cTn>
+                              </p:par>
+                            </p:childTnLst>
+                          </p:cTn>
+                        </p:par>
+                      </p:childTnLst>
+                    </p:cTn>
+                  </p:par>
+                </p:childTnLst>
+              </p:cTn>
+              <p:prevCondLst>
+                <p:cond evt="onPrev" delay="0">
+                  <p:tgtEl>
+                    <p:sldTgt/>
+                  </p:tgtEl>
+                </p:cond>
+              </p:prevCondLst>
+              <p:nextCondLst>
+                <p:cond evt="onNext" delay="0">
+                  <p:tgtEl>
+                    <p:sldTgt/>
+                  </p:tgtEl>
+                </p:cond>
+              </p:nextCondLst>
+            </p:seq>
+          </p:childTnLst>
+        </p:cTn>
+      </p:par>
+    </p:tnLst>
+    <p:bldLst>
+      <p:bldP spid="7" grpId="0" animBg="1"/>
+    </p:bldLst>
+  </p:timing>
 </p:sld>
 </file>
 
@@ -6403,6 +7140,329 @@
   <p:clrMapOvr>
     <a:masterClrMapping/>
   </p:clrMapOvr>
+  <p:timing>
+    <p:tnLst>
+      <p:par>
+        <p:cTn id="1" dur="indefinite" restart="never" nodeType="tmRoot">
+          <p:childTnLst>
+            <p:seq concurrent="1" nextAc="seek">
+              <p:cTn id="2" dur="indefinite" nodeType="mainSeq">
+                <p:childTnLst>
+                  <p:par>
+                    <p:cTn id="3" fill="hold">
+                      <p:stCondLst>
+                        <p:cond delay="indefinite"/>
+                      </p:stCondLst>
+                      <p:childTnLst>
+                        <p:par>
+                          <p:cTn id="4" fill="hold">
+                            <p:stCondLst>
+                              <p:cond delay="0"/>
+                            </p:stCondLst>
+                            <p:childTnLst>
+                              <p:par>
+                                <p:cTn id="5" presetID="1" presetClass="entr" presetSubtype="0" fill="hold" nodeType="clickEffect">
+                                  <p:stCondLst>
+                                    <p:cond delay="0"/>
+                                  </p:stCondLst>
+                                  <p:childTnLst>
+                                    <p:set>
+                                      <p:cBhvr>
+                                        <p:cTn id="6" dur="1" fill="hold">
+                                          <p:stCondLst>
+                                            <p:cond delay="0"/>
+                                          </p:stCondLst>
+                                        </p:cTn>
+                                        <p:tgtEl>
+                                          <p:spTgt spid="3">
+                                            <p:txEl>
+                                              <p:pRg st="0" end="0"/>
+                                            </p:txEl>
+                                          </p:spTgt>
+                                        </p:tgtEl>
+                                        <p:attrNameLst>
+                                          <p:attrName>style.visibility</p:attrName>
+                                        </p:attrNameLst>
+                                      </p:cBhvr>
+                                      <p:to>
+                                        <p:strVal val="visible"/>
+                                      </p:to>
+                                    </p:set>
+                                  </p:childTnLst>
+                                </p:cTn>
+                              </p:par>
+                            </p:childTnLst>
+                          </p:cTn>
+                        </p:par>
+                      </p:childTnLst>
+                    </p:cTn>
+                  </p:par>
+                  <p:par>
+                    <p:cTn id="7" fill="hold">
+                      <p:stCondLst>
+                        <p:cond delay="indefinite"/>
+                      </p:stCondLst>
+                      <p:childTnLst>
+                        <p:par>
+                          <p:cTn id="8" fill="hold">
+                            <p:stCondLst>
+                              <p:cond delay="0"/>
+                            </p:stCondLst>
+                            <p:childTnLst>
+                              <p:par>
+                                <p:cTn id="9" presetID="10" presetClass="entr" presetSubtype="0" fill="hold" nodeType="clickEffect">
+                                  <p:stCondLst>
+                                    <p:cond delay="0"/>
+                                  </p:stCondLst>
+                                  <p:childTnLst>
+                                    <p:set>
+                                      <p:cBhvr>
+                                        <p:cTn id="10" dur="1" fill="hold">
+                                          <p:stCondLst>
+                                            <p:cond delay="0"/>
+                                          </p:stCondLst>
+                                        </p:cTn>
+                                        <p:tgtEl>
+                                          <p:spTgt spid="3">
+                                            <p:txEl>
+                                              <p:pRg st="2" end="2"/>
+                                            </p:txEl>
+                                          </p:spTgt>
+                                        </p:tgtEl>
+                                        <p:attrNameLst>
+                                          <p:attrName>style.visibility</p:attrName>
+                                        </p:attrNameLst>
+                                      </p:cBhvr>
+                                      <p:to>
+                                        <p:strVal val="visible"/>
+                                      </p:to>
+                                    </p:set>
+                                    <p:animEffect transition="in" filter="fade">
+                                      <p:cBhvr>
+                                        <p:cTn id="11" dur="500"/>
+                                        <p:tgtEl>
+                                          <p:spTgt spid="3">
+                                            <p:txEl>
+                                              <p:pRg st="2" end="2"/>
+                                            </p:txEl>
+                                          </p:spTgt>
+                                        </p:tgtEl>
+                                      </p:cBhvr>
+                                    </p:animEffect>
+                                  </p:childTnLst>
+                                </p:cTn>
+                              </p:par>
+                            </p:childTnLst>
+                          </p:cTn>
+                        </p:par>
+                      </p:childTnLst>
+                    </p:cTn>
+                  </p:par>
+                  <p:par>
+                    <p:cTn id="12" fill="hold">
+                      <p:stCondLst>
+                        <p:cond delay="indefinite"/>
+                      </p:stCondLst>
+                      <p:childTnLst>
+                        <p:par>
+                          <p:cTn id="13" fill="hold">
+                            <p:stCondLst>
+                              <p:cond delay="0"/>
+                            </p:stCondLst>
+                            <p:childTnLst>
+                              <p:par>
+                                <p:cTn id="14" presetID="10" presetClass="entr" presetSubtype="0" fill="hold" nodeType="clickEffect">
+                                  <p:stCondLst>
+                                    <p:cond delay="0"/>
+                                  </p:stCondLst>
+                                  <p:childTnLst>
+                                    <p:set>
+                                      <p:cBhvr>
+                                        <p:cTn id="15" dur="1" fill="hold">
+                                          <p:stCondLst>
+                                            <p:cond delay="0"/>
+                                          </p:stCondLst>
+                                        </p:cTn>
+                                        <p:tgtEl>
+                                          <p:spTgt spid="3">
+                                            <p:txEl>
+                                              <p:pRg st="4" end="4"/>
+                                            </p:txEl>
+                                          </p:spTgt>
+                                        </p:tgtEl>
+                                        <p:attrNameLst>
+                                          <p:attrName>style.visibility</p:attrName>
+                                        </p:attrNameLst>
+                                      </p:cBhvr>
+                                      <p:to>
+                                        <p:strVal val="visible"/>
+                                      </p:to>
+                                    </p:set>
+                                    <p:animEffect transition="in" filter="fade">
+                                      <p:cBhvr>
+                                        <p:cTn id="16" dur="500"/>
+                                        <p:tgtEl>
+                                          <p:spTgt spid="3">
+                                            <p:txEl>
+                                              <p:pRg st="4" end="4"/>
+                                            </p:txEl>
+                                          </p:spTgt>
+                                        </p:tgtEl>
+                                      </p:cBhvr>
+                                    </p:animEffect>
+                                  </p:childTnLst>
+                                </p:cTn>
+                              </p:par>
+                            </p:childTnLst>
+                          </p:cTn>
+                        </p:par>
+                      </p:childTnLst>
+                    </p:cTn>
+                  </p:par>
+                  <p:par>
+                    <p:cTn id="17" fill="hold">
+                      <p:stCondLst>
+                        <p:cond delay="indefinite"/>
+                      </p:stCondLst>
+                      <p:childTnLst>
+                        <p:par>
+                          <p:cTn id="18" fill="hold">
+                            <p:stCondLst>
+                              <p:cond delay="0"/>
+                            </p:stCondLst>
+                            <p:childTnLst>
+                              <p:par>
+                                <p:cTn id="19" presetID="10" presetClass="entr" presetSubtype="0" fill="hold" nodeType="clickEffect">
+                                  <p:stCondLst>
+                                    <p:cond delay="0"/>
+                                  </p:stCondLst>
+                                  <p:childTnLst>
+                                    <p:set>
+                                      <p:cBhvr>
+                                        <p:cTn id="20" dur="1" fill="hold">
+                                          <p:stCondLst>
+                                            <p:cond delay="0"/>
+                                          </p:stCondLst>
+                                        </p:cTn>
+                                        <p:tgtEl>
+                                          <p:spTgt spid="3">
+                                            <p:txEl>
+                                              <p:pRg st="6" end="6"/>
+                                            </p:txEl>
+                                          </p:spTgt>
+                                        </p:tgtEl>
+                                        <p:attrNameLst>
+                                          <p:attrName>style.visibility</p:attrName>
+                                        </p:attrNameLst>
+                                      </p:cBhvr>
+                                      <p:to>
+                                        <p:strVal val="visible"/>
+                                      </p:to>
+                                    </p:set>
+                                    <p:animEffect transition="in" filter="fade">
+                                      <p:cBhvr>
+                                        <p:cTn id="21" dur="500"/>
+                                        <p:tgtEl>
+                                          <p:spTgt spid="3">
+                                            <p:txEl>
+                                              <p:pRg st="6" end="6"/>
+                                            </p:txEl>
+                                          </p:spTgt>
+                                        </p:tgtEl>
+                                      </p:cBhvr>
+                                    </p:animEffect>
+                                  </p:childTnLst>
+                                </p:cTn>
+                              </p:par>
+                            </p:childTnLst>
+                          </p:cTn>
+                        </p:par>
+                      </p:childTnLst>
+                    </p:cTn>
+                  </p:par>
+                  <p:par>
+                    <p:cTn id="22" fill="hold">
+                      <p:stCondLst>
+                        <p:cond delay="indefinite"/>
+                      </p:stCondLst>
+                      <p:childTnLst>
+                        <p:par>
+                          <p:cTn id="23" fill="hold">
+                            <p:stCondLst>
+                              <p:cond delay="0"/>
+                            </p:stCondLst>
+                            <p:childTnLst>
+                              <p:par>
+                                <p:cTn id="24" presetID="10" presetClass="entr" presetSubtype="0" fill="hold" nodeType="clickEffect">
+                                  <p:stCondLst>
+                                    <p:cond delay="0"/>
+                                  </p:stCondLst>
+                                  <p:childTnLst>
+                                    <p:set>
+                                      <p:cBhvr>
+                                        <p:cTn id="25" dur="1" fill="hold">
+                                          <p:stCondLst>
+                                            <p:cond delay="0"/>
+                                          </p:stCondLst>
+                                        </p:cTn>
+                                        <p:tgtEl>
+                                          <p:spTgt spid="3">
+                                            <p:txEl>
+                                              <p:pRg st="8" end="8"/>
+                                            </p:txEl>
+                                          </p:spTgt>
+                                        </p:tgtEl>
+                                        <p:attrNameLst>
+                                          <p:attrName>style.visibility</p:attrName>
+                                        </p:attrNameLst>
+                                      </p:cBhvr>
+                                      <p:to>
+                                        <p:strVal val="visible"/>
+                                      </p:to>
+                                    </p:set>
+                                    <p:animEffect transition="in" filter="fade">
+                                      <p:cBhvr>
+                                        <p:cTn id="26" dur="500"/>
+                                        <p:tgtEl>
+                                          <p:spTgt spid="3">
+                                            <p:txEl>
+                                              <p:pRg st="8" end="8"/>
+                                            </p:txEl>
+                                          </p:spTgt>
+                                        </p:tgtEl>
+                                      </p:cBhvr>
+                                    </p:animEffect>
+                                  </p:childTnLst>
+                                </p:cTn>
+                              </p:par>
+                            </p:childTnLst>
+                          </p:cTn>
+                        </p:par>
+                      </p:childTnLst>
+                    </p:cTn>
+                  </p:par>
+                </p:childTnLst>
+              </p:cTn>
+              <p:prevCondLst>
+                <p:cond evt="onPrev" delay="0">
+                  <p:tgtEl>
+                    <p:sldTgt/>
+                  </p:tgtEl>
+                </p:cond>
+              </p:prevCondLst>
+              <p:nextCondLst>
+                <p:cond evt="onNext" delay="0">
+                  <p:tgtEl>
+                    <p:sldTgt/>
+                  </p:tgtEl>
+                </p:cond>
+              </p:nextCondLst>
+            </p:seq>
+          </p:childTnLst>
+        </p:cTn>
+      </p:par>
+    </p:tnLst>
+  </p:timing>
 </p:sld>
 </file>
 
@@ -6785,6 +7845,341 @@
   <p:clrMapOvr>
     <a:masterClrMapping/>
   </p:clrMapOvr>
+  <p:timing>
+    <p:tnLst>
+      <p:par>
+        <p:cTn id="1" dur="indefinite" restart="never" nodeType="tmRoot">
+          <p:childTnLst>
+            <p:seq concurrent="1" nextAc="seek">
+              <p:cTn id="2" dur="indefinite" nodeType="mainSeq">
+                <p:childTnLst>
+                  <p:par>
+                    <p:cTn id="3" fill="hold">
+                      <p:stCondLst>
+                        <p:cond delay="indefinite"/>
+                      </p:stCondLst>
+                      <p:childTnLst>
+                        <p:par>
+                          <p:cTn id="4" fill="hold">
+                            <p:stCondLst>
+                              <p:cond delay="0"/>
+                            </p:stCondLst>
+                            <p:childTnLst>
+                              <p:par>
+                                <p:cTn id="5" presetID="10" presetClass="entr" presetSubtype="0" fill="hold" nodeType="clickEffect">
+                                  <p:stCondLst>
+                                    <p:cond delay="0"/>
+                                  </p:stCondLst>
+                                  <p:childTnLst>
+                                    <p:set>
+                                      <p:cBhvr>
+                                        <p:cTn id="6" dur="1" fill="hold">
+                                          <p:stCondLst>
+                                            <p:cond delay="0"/>
+                                          </p:stCondLst>
+                                        </p:cTn>
+                                        <p:tgtEl>
+                                          <p:spTgt spid="3">
+                                            <p:txEl>
+                                              <p:pRg st="0" end="0"/>
+                                            </p:txEl>
+                                          </p:spTgt>
+                                        </p:tgtEl>
+                                        <p:attrNameLst>
+                                          <p:attrName>style.visibility</p:attrName>
+                                        </p:attrNameLst>
+                                      </p:cBhvr>
+                                      <p:to>
+                                        <p:strVal val="visible"/>
+                                      </p:to>
+                                    </p:set>
+                                    <p:animEffect transition="in" filter="fade">
+                                      <p:cBhvr>
+                                        <p:cTn id="7" dur="500"/>
+                                        <p:tgtEl>
+                                          <p:spTgt spid="3">
+                                            <p:txEl>
+                                              <p:pRg st="0" end="0"/>
+                                            </p:txEl>
+                                          </p:spTgt>
+                                        </p:tgtEl>
+                                      </p:cBhvr>
+                                    </p:animEffect>
+                                  </p:childTnLst>
+                                </p:cTn>
+                              </p:par>
+                            </p:childTnLst>
+                          </p:cTn>
+                        </p:par>
+                      </p:childTnLst>
+                    </p:cTn>
+                  </p:par>
+                  <p:par>
+                    <p:cTn id="8" fill="hold">
+                      <p:stCondLst>
+                        <p:cond delay="indefinite"/>
+                      </p:stCondLst>
+                      <p:childTnLst>
+                        <p:par>
+                          <p:cTn id="9" fill="hold">
+                            <p:stCondLst>
+                              <p:cond delay="0"/>
+                            </p:stCondLst>
+                            <p:childTnLst>
+                              <p:par>
+                                <p:cTn id="10" presetID="10" presetClass="entr" presetSubtype="0" fill="hold" nodeType="clickEffect">
+                                  <p:stCondLst>
+                                    <p:cond delay="0"/>
+                                  </p:stCondLst>
+                                  <p:childTnLst>
+                                    <p:set>
+                                      <p:cBhvr>
+                                        <p:cTn id="11" dur="1" fill="hold">
+                                          <p:stCondLst>
+                                            <p:cond delay="0"/>
+                                          </p:stCondLst>
+                                        </p:cTn>
+                                        <p:tgtEl>
+                                          <p:spTgt spid="3">
+                                            <p:txEl>
+                                              <p:pRg st="2" end="2"/>
+                                            </p:txEl>
+                                          </p:spTgt>
+                                        </p:tgtEl>
+                                        <p:attrNameLst>
+                                          <p:attrName>style.visibility</p:attrName>
+                                        </p:attrNameLst>
+                                      </p:cBhvr>
+                                      <p:to>
+                                        <p:strVal val="visible"/>
+                                      </p:to>
+                                    </p:set>
+                                    <p:animEffect transition="in" filter="fade">
+                                      <p:cBhvr>
+                                        <p:cTn id="12" dur="500"/>
+                                        <p:tgtEl>
+                                          <p:spTgt spid="3">
+                                            <p:txEl>
+                                              <p:pRg st="2" end="2"/>
+                                            </p:txEl>
+                                          </p:spTgt>
+                                        </p:tgtEl>
+                                      </p:cBhvr>
+                                    </p:animEffect>
+                                  </p:childTnLst>
+                                </p:cTn>
+                              </p:par>
+                            </p:childTnLst>
+                          </p:cTn>
+                        </p:par>
+                      </p:childTnLst>
+                    </p:cTn>
+                  </p:par>
+                  <p:par>
+                    <p:cTn id="13" fill="hold">
+                      <p:stCondLst>
+                        <p:cond delay="indefinite"/>
+                      </p:stCondLst>
+                      <p:childTnLst>
+                        <p:par>
+                          <p:cTn id="14" fill="hold">
+                            <p:stCondLst>
+                              <p:cond delay="0"/>
+                            </p:stCondLst>
+                            <p:childTnLst>
+                              <p:par>
+                                <p:cTn id="15" presetID="10" presetClass="entr" presetSubtype="0" fill="hold" nodeType="clickEffect">
+                                  <p:stCondLst>
+                                    <p:cond delay="0"/>
+                                  </p:stCondLst>
+                                  <p:childTnLst>
+                                    <p:set>
+                                      <p:cBhvr>
+                                        <p:cTn id="16" dur="1" fill="hold">
+                                          <p:stCondLst>
+                                            <p:cond delay="0"/>
+                                          </p:stCondLst>
+                                        </p:cTn>
+                                        <p:tgtEl>
+                                          <p:spTgt spid="3">
+                                            <p:txEl>
+                                              <p:pRg st="4" end="4"/>
+                                            </p:txEl>
+                                          </p:spTgt>
+                                        </p:tgtEl>
+                                        <p:attrNameLst>
+                                          <p:attrName>style.visibility</p:attrName>
+                                        </p:attrNameLst>
+                                      </p:cBhvr>
+                                      <p:to>
+                                        <p:strVal val="visible"/>
+                                      </p:to>
+                                    </p:set>
+                                    <p:animEffect transition="in" filter="fade">
+                                      <p:cBhvr>
+                                        <p:cTn id="17" dur="500"/>
+                                        <p:tgtEl>
+                                          <p:spTgt spid="3">
+                                            <p:txEl>
+                                              <p:pRg st="4" end="4"/>
+                                            </p:txEl>
+                                          </p:spTgt>
+                                        </p:tgtEl>
+                                      </p:cBhvr>
+                                    </p:animEffect>
+                                  </p:childTnLst>
+                                </p:cTn>
+                              </p:par>
+                            </p:childTnLst>
+                          </p:cTn>
+                        </p:par>
+                      </p:childTnLst>
+                    </p:cTn>
+                  </p:par>
+                  <p:par>
+                    <p:cTn id="18" fill="hold">
+                      <p:stCondLst>
+                        <p:cond delay="indefinite"/>
+                      </p:stCondLst>
+                      <p:childTnLst>
+                        <p:par>
+                          <p:cTn id="19" fill="hold">
+                            <p:stCondLst>
+                              <p:cond delay="0"/>
+                            </p:stCondLst>
+                            <p:childTnLst>
+                              <p:par>
+                                <p:cTn id="20" presetID="10" presetClass="entr" presetSubtype="0" fill="hold" nodeType="clickEffect">
+                                  <p:stCondLst>
+                                    <p:cond delay="0"/>
+                                  </p:stCondLst>
+                                  <p:childTnLst>
+                                    <p:set>
+                                      <p:cBhvr>
+                                        <p:cTn id="21" dur="1" fill="hold">
+                                          <p:stCondLst>
+                                            <p:cond delay="0"/>
+                                          </p:stCondLst>
+                                        </p:cTn>
+                                        <p:tgtEl>
+                                          <p:spTgt spid="3">
+                                            <p:txEl>
+                                              <p:pRg st="6" end="6"/>
+                                            </p:txEl>
+                                          </p:spTgt>
+                                        </p:tgtEl>
+                                        <p:attrNameLst>
+                                          <p:attrName>style.visibility</p:attrName>
+                                        </p:attrNameLst>
+                                      </p:cBhvr>
+                                      <p:to>
+                                        <p:strVal val="visible"/>
+                                      </p:to>
+                                    </p:set>
+                                    <p:animEffect transition="in" filter="fade">
+                                      <p:cBhvr>
+                                        <p:cTn id="22" dur="500"/>
+                                        <p:tgtEl>
+                                          <p:spTgt spid="3">
+                                            <p:txEl>
+                                              <p:pRg st="6" end="6"/>
+                                            </p:txEl>
+                                          </p:spTgt>
+                                        </p:tgtEl>
+                                      </p:cBhvr>
+                                    </p:animEffect>
+                                  </p:childTnLst>
+                                </p:cTn>
+                              </p:par>
+                            </p:childTnLst>
+                          </p:cTn>
+                        </p:par>
+                      </p:childTnLst>
+                    </p:cTn>
+                  </p:par>
+                  <p:par>
+                    <p:cTn id="23" fill="hold">
+                      <p:stCondLst>
+                        <p:cond delay="indefinite"/>
+                      </p:stCondLst>
+                      <p:childTnLst>
+                        <p:par>
+                          <p:cTn id="24" fill="hold">
+                            <p:stCondLst>
+                              <p:cond delay="0"/>
+                            </p:stCondLst>
+                            <p:childTnLst>
+                              <p:par>
+                                <p:cTn id="25" presetID="10" presetClass="entr" presetSubtype="0" fill="hold" nodeType="clickEffect">
+                                  <p:stCondLst>
+                                    <p:cond delay="0"/>
+                                  </p:stCondLst>
+                                  <p:childTnLst>
+                                    <p:set>
+                                      <p:cBhvr>
+                                        <p:cTn id="26" dur="1" fill="hold">
+                                          <p:stCondLst>
+                                            <p:cond delay="0"/>
+                                          </p:stCondLst>
+                                        </p:cTn>
+                                        <p:tgtEl>
+                                          <p:spTgt spid="3">
+                                            <p:txEl>
+                                              <p:pRg st="8" end="8"/>
+                                            </p:txEl>
+                                          </p:spTgt>
+                                        </p:tgtEl>
+                                        <p:attrNameLst>
+                                          <p:attrName>style.visibility</p:attrName>
+                                        </p:attrNameLst>
+                                      </p:cBhvr>
+                                      <p:to>
+                                        <p:strVal val="visible"/>
+                                      </p:to>
+                                    </p:set>
+                                    <p:animEffect transition="in" filter="fade">
+                                      <p:cBhvr>
+                                        <p:cTn id="27" dur="500"/>
+                                        <p:tgtEl>
+                                          <p:spTgt spid="3">
+                                            <p:txEl>
+                                              <p:pRg st="8" end="8"/>
+                                            </p:txEl>
+                                          </p:spTgt>
+                                        </p:tgtEl>
+                                      </p:cBhvr>
+                                    </p:animEffect>
+                                  </p:childTnLst>
+                                </p:cTn>
+                              </p:par>
+                            </p:childTnLst>
+                          </p:cTn>
+                        </p:par>
+                      </p:childTnLst>
+                    </p:cTn>
+                  </p:par>
+                </p:childTnLst>
+              </p:cTn>
+              <p:prevCondLst>
+                <p:cond evt="onPrev" delay="0">
+                  <p:tgtEl>
+                    <p:sldTgt/>
+                  </p:tgtEl>
+                </p:cond>
+              </p:prevCondLst>
+              <p:nextCondLst>
+                <p:cond evt="onNext" delay="0">
+                  <p:tgtEl>
+                    <p:sldTgt/>
+                  </p:tgtEl>
+                </p:cond>
+              </p:nextCondLst>
+            </p:seq>
+          </p:childTnLst>
+        </p:cTn>
+      </p:par>
+    </p:tnLst>
+  </p:timing>
 </p:sld>
 </file>
 
@@ -7619,7 +9014,7 @@
                             </p:stCondLst>
                             <p:childTnLst>
                               <p:par>
-                                <p:cTn id="5" presetID="10" presetClass="entr" presetSubtype="0" fill="hold" grpId="0" nodeType="clickEffect">
+                                <p:cTn id="5" presetID="10" presetClass="entr" presetSubtype="0" fill="hold" nodeType="clickEffect">
                                   <p:stCondLst>
                                     <p:cond delay="0"/>
                                   </p:stCondLst>
@@ -7627,6 +9022,214 @@
                                     <p:set>
                                       <p:cBhvr>
                                         <p:cTn id="6" dur="1" fill="hold">
+                                          <p:stCondLst>
+                                            <p:cond delay="0"/>
+                                          </p:stCondLst>
+                                        </p:cTn>
+                                        <p:tgtEl>
+                                          <p:spTgt spid="3">
+                                            <p:txEl>
+                                              <p:pRg st="0" end="0"/>
+                                            </p:txEl>
+                                          </p:spTgt>
+                                        </p:tgtEl>
+                                        <p:attrNameLst>
+                                          <p:attrName>style.visibility</p:attrName>
+                                        </p:attrNameLst>
+                                      </p:cBhvr>
+                                      <p:to>
+                                        <p:strVal val="visible"/>
+                                      </p:to>
+                                    </p:set>
+                                    <p:animEffect transition="in" filter="fade">
+                                      <p:cBhvr>
+                                        <p:cTn id="7" dur="500"/>
+                                        <p:tgtEl>
+                                          <p:spTgt spid="3">
+                                            <p:txEl>
+                                              <p:pRg st="0" end="0"/>
+                                            </p:txEl>
+                                          </p:spTgt>
+                                        </p:tgtEl>
+                                      </p:cBhvr>
+                                    </p:animEffect>
+                                  </p:childTnLst>
+                                </p:cTn>
+                              </p:par>
+                            </p:childTnLst>
+                          </p:cTn>
+                        </p:par>
+                      </p:childTnLst>
+                    </p:cTn>
+                  </p:par>
+                  <p:par>
+                    <p:cTn id="8" fill="hold">
+                      <p:stCondLst>
+                        <p:cond delay="indefinite"/>
+                      </p:stCondLst>
+                      <p:childTnLst>
+                        <p:par>
+                          <p:cTn id="9" fill="hold">
+                            <p:stCondLst>
+                              <p:cond delay="0"/>
+                            </p:stCondLst>
+                            <p:childTnLst>
+                              <p:par>
+                                <p:cTn id="10" presetID="10" presetClass="entr" presetSubtype="0" fill="hold" nodeType="clickEffect">
+                                  <p:stCondLst>
+                                    <p:cond delay="0"/>
+                                  </p:stCondLst>
+                                  <p:childTnLst>
+                                    <p:set>
+                                      <p:cBhvr>
+                                        <p:cTn id="11" dur="1" fill="hold">
+                                          <p:stCondLst>
+                                            <p:cond delay="0"/>
+                                          </p:stCondLst>
+                                        </p:cTn>
+                                        <p:tgtEl>
+                                          <p:spTgt spid="3">
+                                            <p:txEl>
+                                              <p:pRg st="2" end="2"/>
+                                            </p:txEl>
+                                          </p:spTgt>
+                                        </p:tgtEl>
+                                        <p:attrNameLst>
+                                          <p:attrName>style.visibility</p:attrName>
+                                        </p:attrNameLst>
+                                      </p:cBhvr>
+                                      <p:to>
+                                        <p:strVal val="visible"/>
+                                      </p:to>
+                                    </p:set>
+                                    <p:animEffect transition="in" filter="fade">
+                                      <p:cBhvr>
+                                        <p:cTn id="12" dur="500"/>
+                                        <p:tgtEl>
+                                          <p:spTgt spid="3">
+                                            <p:txEl>
+                                              <p:pRg st="2" end="2"/>
+                                            </p:txEl>
+                                          </p:spTgt>
+                                        </p:tgtEl>
+                                      </p:cBhvr>
+                                    </p:animEffect>
+                                  </p:childTnLst>
+                                </p:cTn>
+                              </p:par>
+                              <p:par>
+                                <p:cTn id="13" presetID="10" presetClass="entr" presetSubtype="0" fill="hold" nodeType="withEffect">
+                                  <p:stCondLst>
+                                    <p:cond delay="0"/>
+                                  </p:stCondLst>
+                                  <p:childTnLst>
+                                    <p:set>
+                                      <p:cBhvr>
+                                        <p:cTn id="14" dur="1" fill="hold">
+                                          <p:stCondLst>
+                                            <p:cond delay="0"/>
+                                          </p:stCondLst>
+                                        </p:cTn>
+                                        <p:tgtEl>
+                                          <p:spTgt spid="3">
+                                            <p:txEl>
+                                              <p:pRg st="4" end="4"/>
+                                            </p:txEl>
+                                          </p:spTgt>
+                                        </p:tgtEl>
+                                        <p:attrNameLst>
+                                          <p:attrName>style.visibility</p:attrName>
+                                        </p:attrNameLst>
+                                      </p:cBhvr>
+                                      <p:to>
+                                        <p:strVal val="visible"/>
+                                      </p:to>
+                                    </p:set>
+                                    <p:animEffect transition="in" filter="fade">
+                                      <p:cBhvr>
+                                        <p:cTn id="15" dur="500"/>
+                                        <p:tgtEl>
+                                          <p:spTgt spid="3">
+                                            <p:txEl>
+                                              <p:pRg st="4" end="4"/>
+                                            </p:txEl>
+                                          </p:spTgt>
+                                        </p:tgtEl>
+                                      </p:cBhvr>
+                                    </p:animEffect>
+                                  </p:childTnLst>
+                                </p:cTn>
+                              </p:par>
+                            </p:childTnLst>
+                          </p:cTn>
+                        </p:par>
+                      </p:childTnLst>
+                    </p:cTn>
+                  </p:par>
+                  <p:par>
+                    <p:cTn id="16" fill="hold">
+                      <p:stCondLst>
+                        <p:cond delay="indefinite"/>
+                      </p:stCondLst>
+                      <p:childTnLst>
+                        <p:par>
+                          <p:cTn id="17" fill="hold">
+                            <p:stCondLst>
+                              <p:cond delay="0"/>
+                            </p:stCondLst>
+                            <p:childTnLst>
+                              <p:par>
+                                <p:cTn id="18" presetID="10" presetClass="entr" presetSubtype="0" fill="hold" nodeType="clickEffect">
+                                  <p:stCondLst>
+                                    <p:cond delay="0"/>
+                                  </p:stCondLst>
+                                  <p:childTnLst>
+                                    <p:set>
+                                      <p:cBhvr>
+                                        <p:cTn id="19" dur="1" fill="hold">
+                                          <p:stCondLst>
+                                            <p:cond delay="0"/>
+                                          </p:stCondLst>
+                                        </p:cTn>
+                                        <p:tgtEl>
+                                          <p:spTgt spid="3">
+                                            <p:txEl>
+                                              <p:pRg st="6" end="6"/>
+                                            </p:txEl>
+                                          </p:spTgt>
+                                        </p:tgtEl>
+                                        <p:attrNameLst>
+                                          <p:attrName>style.visibility</p:attrName>
+                                        </p:attrNameLst>
+                                      </p:cBhvr>
+                                      <p:to>
+                                        <p:strVal val="visible"/>
+                                      </p:to>
+                                    </p:set>
+                                    <p:animEffect transition="in" filter="fade">
+                                      <p:cBhvr>
+                                        <p:cTn id="20" dur="500"/>
+                                        <p:tgtEl>
+                                          <p:spTgt spid="3">
+                                            <p:txEl>
+                                              <p:pRg st="6" end="6"/>
+                                            </p:txEl>
+                                          </p:spTgt>
+                                        </p:tgtEl>
+                                      </p:cBhvr>
+                                    </p:animEffect>
+                                  </p:childTnLst>
+                                </p:cTn>
+                              </p:par>
+                              <p:par>
+                                <p:cTn id="21" presetID="10" presetClass="entr" presetSubtype="0" fill="hold" grpId="0" nodeType="withEffect">
+                                  <p:stCondLst>
+                                    <p:cond delay="0"/>
+                                  </p:stCondLst>
+                                  <p:childTnLst>
+                                    <p:set>
+                                      <p:cBhvr>
+                                        <p:cTn id="22" dur="1" fill="hold">
                                           <p:stCondLst>
                                             <p:cond delay="0"/>
                                           </p:stCondLst>
@@ -7644,9 +9247,52 @@
                                     </p:set>
                                     <p:animEffect transition="in" filter="fade">
                                       <p:cBhvr>
-                                        <p:cTn id="7" dur="500"/>
+                                        <p:cTn id="23" dur="500"/>
                                         <p:tgtEl>
                                           <p:spTgt spid="7"/>
+                                        </p:tgtEl>
+                                      </p:cBhvr>
+                                    </p:animEffect>
+                                  </p:childTnLst>
+                                </p:cTn>
+                              </p:par>
+                              <p:par>
+                                <p:cTn id="24" presetID="10" presetClass="entr" presetSubtype="0" fill="hold" nodeType="withEffect">
+                                  <p:stCondLst>
+                                    <p:cond delay="0"/>
+                                  </p:stCondLst>
+                                  <p:childTnLst>
+                                    <p:set>
+                                      <p:cBhvr>
+                                        <p:cTn id="25" dur="1" fill="hold">
+                                          <p:stCondLst>
+                                            <p:cond delay="0"/>
+                                          </p:stCondLst>
+                                        </p:cTn>
+                                        <p:tgtEl>
+                                          <p:spTgt spid="3">
+                                            <p:txEl>
+                                              <p:pRg st="8" end="8"/>
+                                            </p:txEl>
+                                          </p:spTgt>
+                                        </p:tgtEl>
+                                        <p:attrNameLst>
+                                          <p:attrName>style.visibility</p:attrName>
+                                        </p:attrNameLst>
+                                      </p:cBhvr>
+                                      <p:to>
+                                        <p:strVal val="visible"/>
+                                      </p:to>
+                                    </p:set>
+                                    <p:animEffect transition="in" filter="fade">
+                                      <p:cBhvr>
+                                        <p:cTn id="26" dur="500"/>
+                                        <p:tgtEl>
+                                          <p:spTgt spid="3">
+                                            <p:txEl>
+                                              <p:pRg st="8" end="8"/>
+                                            </p:txEl>
+                                          </p:spTgt>
                                         </p:tgtEl>
                                       </p:cBhvr>
                                     </p:animEffect>
@@ -8570,7 +10216,7 @@
                             </p:stCondLst>
                             <p:childTnLst>
                               <p:par>
-                                <p:cTn id="5" presetID="10" presetClass="entr" presetSubtype="0" fill="hold" grpId="0" nodeType="clickEffect">
+                                <p:cTn id="5" presetID="10" presetClass="entr" presetSubtype="0" fill="hold" nodeType="clickEffect">
                                   <p:stCondLst>
                                     <p:cond delay="0"/>
                                   </p:stCondLst>
@@ -8578,6 +10224,257 @@
                                     <p:set>
                                       <p:cBhvr>
                                         <p:cTn id="6" dur="1" fill="hold">
+                                          <p:stCondLst>
+                                            <p:cond delay="0"/>
+                                          </p:stCondLst>
+                                        </p:cTn>
+                                        <p:tgtEl>
+                                          <p:spTgt spid="3">
+                                            <p:txEl>
+                                              <p:pRg st="0" end="0"/>
+                                            </p:txEl>
+                                          </p:spTgt>
+                                        </p:tgtEl>
+                                        <p:attrNameLst>
+                                          <p:attrName>style.visibility</p:attrName>
+                                        </p:attrNameLst>
+                                      </p:cBhvr>
+                                      <p:to>
+                                        <p:strVal val="visible"/>
+                                      </p:to>
+                                    </p:set>
+                                    <p:animEffect transition="in" filter="fade">
+                                      <p:cBhvr>
+                                        <p:cTn id="7" dur="500"/>
+                                        <p:tgtEl>
+                                          <p:spTgt spid="3">
+                                            <p:txEl>
+                                              <p:pRg st="0" end="0"/>
+                                            </p:txEl>
+                                          </p:spTgt>
+                                        </p:tgtEl>
+                                      </p:cBhvr>
+                                    </p:animEffect>
+                                  </p:childTnLst>
+                                </p:cTn>
+                              </p:par>
+                            </p:childTnLst>
+                          </p:cTn>
+                        </p:par>
+                      </p:childTnLst>
+                    </p:cTn>
+                  </p:par>
+                  <p:par>
+                    <p:cTn id="8" fill="hold">
+                      <p:stCondLst>
+                        <p:cond delay="indefinite"/>
+                      </p:stCondLst>
+                      <p:childTnLst>
+                        <p:par>
+                          <p:cTn id="9" fill="hold">
+                            <p:stCondLst>
+                              <p:cond delay="0"/>
+                            </p:stCondLst>
+                            <p:childTnLst>
+                              <p:par>
+                                <p:cTn id="10" presetID="10" presetClass="entr" presetSubtype="0" fill="hold" nodeType="clickEffect">
+                                  <p:stCondLst>
+                                    <p:cond delay="0"/>
+                                  </p:stCondLst>
+                                  <p:childTnLst>
+                                    <p:set>
+                                      <p:cBhvr>
+                                        <p:cTn id="11" dur="1" fill="hold">
+                                          <p:stCondLst>
+                                            <p:cond delay="0"/>
+                                          </p:stCondLst>
+                                        </p:cTn>
+                                        <p:tgtEl>
+                                          <p:spTgt spid="3">
+                                            <p:txEl>
+                                              <p:pRg st="2" end="2"/>
+                                            </p:txEl>
+                                          </p:spTgt>
+                                        </p:tgtEl>
+                                        <p:attrNameLst>
+                                          <p:attrName>style.visibility</p:attrName>
+                                        </p:attrNameLst>
+                                      </p:cBhvr>
+                                      <p:to>
+                                        <p:strVal val="visible"/>
+                                      </p:to>
+                                    </p:set>
+                                    <p:animEffect transition="in" filter="fade">
+                                      <p:cBhvr>
+                                        <p:cTn id="12" dur="500"/>
+                                        <p:tgtEl>
+                                          <p:spTgt spid="3">
+                                            <p:txEl>
+                                              <p:pRg st="2" end="2"/>
+                                            </p:txEl>
+                                          </p:spTgt>
+                                        </p:tgtEl>
+                                      </p:cBhvr>
+                                    </p:animEffect>
+                                  </p:childTnLst>
+                                </p:cTn>
+                              </p:par>
+                              <p:par>
+                                <p:cTn id="13" presetID="10" presetClass="entr" presetSubtype="0" fill="hold" nodeType="withEffect">
+                                  <p:stCondLst>
+                                    <p:cond delay="0"/>
+                                  </p:stCondLst>
+                                  <p:childTnLst>
+                                    <p:set>
+                                      <p:cBhvr>
+                                        <p:cTn id="14" dur="1" fill="hold">
+                                          <p:stCondLst>
+                                            <p:cond delay="0"/>
+                                          </p:stCondLst>
+                                        </p:cTn>
+                                        <p:tgtEl>
+                                          <p:spTgt spid="3">
+                                            <p:txEl>
+                                              <p:pRg st="4" end="4"/>
+                                            </p:txEl>
+                                          </p:spTgt>
+                                        </p:tgtEl>
+                                        <p:attrNameLst>
+                                          <p:attrName>style.visibility</p:attrName>
+                                        </p:attrNameLst>
+                                      </p:cBhvr>
+                                      <p:to>
+                                        <p:strVal val="visible"/>
+                                      </p:to>
+                                    </p:set>
+                                    <p:animEffect transition="in" filter="fade">
+                                      <p:cBhvr>
+                                        <p:cTn id="15" dur="500"/>
+                                        <p:tgtEl>
+                                          <p:spTgt spid="3">
+                                            <p:txEl>
+                                              <p:pRg st="4" end="4"/>
+                                            </p:txEl>
+                                          </p:spTgt>
+                                        </p:tgtEl>
+                                      </p:cBhvr>
+                                    </p:animEffect>
+                                  </p:childTnLst>
+                                </p:cTn>
+                              </p:par>
+                            </p:childTnLst>
+                          </p:cTn>
+                        </p:par>
+                      </p:childTnLst>
+                    </p:cTn>
+                  </p:par>
+                  <p:par>
+                    <p:cTn id="16" fill="hold">
+                      <p:stCondLst>
+                        <p:cond delay="indefinite"/>
+                      </p:stCondLst>
+                      <p:childTnLst>
+                        <p:par>
+                          <p:cTn id="17" fill="hold">
+                            <p:stCondLst>
+                              <p:cond delay="0"/>
+                            </p:stCondLst>
+                            <p:childTnLst>
+                              <p:par>
+                                <p:cTn id="18" presetID="10" presetClass="entr" presetSubtype="0" fill="hold" nodeType="clickEffect">
+                                  <p:stCondLst>
+                                    <p:cond delay="0"/>
+                                  </p:stCondLst>
+                                  <p:childTnLst>
+                                    <p:set>
+                                      <p:cBhvr>
+                                        <p:cTn id="19" dur="1" fill="hold">
+                                          <p:stCondLst>
+                                            <p:cond delay="0"/>
+                                          </p:stCondLst>
+                                        </p:cTn>
+                                        <p:tgtEl>
+                                          <p:spTgt spid="3">
+                                            <p:txEl>
+                                              <p:pRg st="6" end="6"/>
+                                            </p:txEl>
+                                          </p:spTgt>
+                                        </p:tgtEl>
+                                        <p:attrNameLst>
+                                          <p:attrName>style.visibility</p:attrName>
+                                        </p:attrNameLst>
+                                      </p:cBhvr>
+                                      <p:to>
+                                        <p:strVal val="visible"/>
+                                      </p:to>
+                                    </p:set>
+                                    <p:animEffect transition="in" filter="fade">
+                                      <p:cBhvr>
+                                        <p:cTn id="20" dur="500"/>
+                                        <p:tgtEl>
+                                          <p:spTgt spid="3">
+                                            <p:txEl>
+                                              <p:pRg st="6" end="6"/>
+                                            </p:txEl>
+                                          </p:spTgt>
+                                        </p:tgtEl>
+                                      </p:cBhvr>
+                                    </p:animEffect>
+                                  </p:childTnLst>
+                                </p:cTn>
+                              </p:par>
+                              <p:par>
+                                <p:cTn id="21" presetID="10" presetClass="entr" presetSubtype="0" fill="hold" nodeType="withEffect">
+                                  <p:stCondLst>
+                                    <p:cond delay="0"/>
+                                  </p:stCondLst>
+                                  <p:childTnLst>
+                                    <p:set>
+                                      <p:cBhvr>
+                                        <p:cTn id="22" dur="1" fill="hold">
+                                          <p:stCondLst>
+                                            <p:cond delay="0"/>
+                                          </p:stCondLst>
+                                        </p:cTn>
+                                        <p:tgtEl>
+                                          <p:spTgt spid="3">
+                                            <p:txEl>
+                                              <p:pRg st="8" end="8"/>
+                                            </p:txEl>
+                                          </p:spTgt>
+                                        </p:tgtEl>
+                                        <p:attrNameLst>
+                                          <p:attrName>style.visibility</p:attrName>
+                                        </p:attrNameLst>
+                                      </p:cBhvr>
+                                      <p:to>
+                                        <p:strVal val="visible"/>
+                                      </p:to>
+                                    </p:set>
+                                    <p:animEffect transition="in" filter="fade">
+                                      <p:cBhvr>
+                                        <p:cTn id="23" dur="500"/>
+                                        <p:tgtEl>
+                                          <p:spTgt spid="3">
+                                            <p:txEl>
+                                              <p:pRg st="8" end="8"/>
+                                            </p:txEl>
+                                          </p:spTgt>
+                                        </p:tgtEl>
+                                      </p:cBhvr>
+                                    </p:animEffect>
+                                  </p:childTnLst>
+                                </p:cTn>
+                              </p:par>
+                              <p:par>
+                                <p:cTn id="24" presetID="10" presetClass="entr" presetSubtype="0" fill="hold" grpId="0" nodeType="withEffect">
+                                  <p:stCondLst>
+                                    <p:cond delay="0"/>
+                                  </p:stCondLst>
+                                  <p:childTnLst>
+                                    <p:set>
+                                      <p:cBhvr>
+                                        <p:cTn id="25" dur="1" fill="hold">
                                           <p:stCondLst>
                                             <p:cond delay="0"/>
                                           </p:stCondLst>
@@ -8595,7 +10492,7 @@
                                     </p:set>
                                     <p:animEffect transition="in" filter="fade">
                                       <p:cBhvr>
-                                        <p:cTn id="7" dur="500"/>
+                                        <p:cTn id="26" dur="500"/>
                                         <p:tgtEl>
                                           <p:spTgt spid="7"/>
                                         </p:tgtEl>
@@ -9242,7 +11139,7 @@
                             </p:stCondLst>
                             <p:childTnLst>
                               <p:par>
-                                <p:cTn id="5" presetID="10" presetClass="entr" presetSubtype="0" fill="hold" grpId="0" nodeType="clickEffect">
+                                <p:cTn id="5" presetID="10" presetClass="entr" presetSubtype="0" fill="hold" nodeType="clickEffect">
                                   <p:stCondLst>
                                     <p:cond delay="0"/>
                                   </p:stCondLst>
@@ -9250,6 +11147,178 @@
                                     <p:set>
                                       <p:cBhvr>
                                         <p:cTn id="6" dur="1" fill="hold">
+                                          <p:stCondLst>
+                                            <p:cond delay="0"/>
+                                          </p:stCondLst>
+                                        </p:cTn>
+                                        <p:tgtEl>
+                                          <p:spTgt spid="3">
+                                            <p:txEl>
+                                              <p:pRg st="0" end="0"/>
+                                            </p:txEl>
+                                          </p:spTgt>
+                                        </p:tgtEl>
+                                        <p:attrNameLst>
+                                          <p:attrName>style.visibility</p:attrName>
+                                        </p:attrNameLst>
+                                      </p:cBhvr>
+                                      <p:to>
+                                        <p:strVal val="visible"/>
+                                      </p:to>
+                                    </p:set>
+                                    <p:animEffect transition="in" filter="fade">
+                                      <p:cBhvr>
+                                        <p:cTn id="7" dur="500"/>
+                                        <p:tgtEl>
+                                          <p:spTgt spid="3">
+                                            <p:txEl>
+                                              <p:pRg st="0" end="0"/>
+                                            </p:txEl>
+                                          </p:spTgt>
+                                        </p:tgtEl>
+                                      </p:cBhvr>
+                                    </p:animEffect>
+                                  </p:childTnLst>
+                                </p:cTn>
+                              </p:par>
+                              <p:par>
+                                <p:cTn id="8" presetID="10" presetClass="entr" presetSubtype="0" fill="hold" nodeType="withEffect">
+                                  <p:stCondLst>
+                                    <p:cond delay="0"/>
+                                  </p:stCondLst>
+                                  <p:childTnLst>
+                                    <p:set>
+                                      <p:cBhvr>
+                                        <p:cTn id="9" dur="1" fill="hold">
+                                          <p:stCondLst>
+                                            <p:cond delay="0"/>
+                                          </p:stCondLst>
+                                        </p:cTn>
+                                        <p:tgtEl>
+                                          <p:spTgt spid="3">
+                                            <p:txEl>
+                                              <p:pRg st="2" end="2"/>
+                                            </p:txEl>
+                                          </p:spTgt>
+                                        </p:tgtEl>
+                                        <p:attrNameLst>
+                                          <p:attrName>style.visibility</p:attrName>
+                                        </p:attrNameLst>
+                                      </p:cBhvr>
+                                      <p:to>
+                                        <p:strVal val="visible"/>
+                                      </p:to>
+                                    </p:set>
+                                    <p:animEffect transition="in" filter="fade">
+                                      <p:cBhvr>
+                                        <p:cTn id="10" dur="500"/>
+                                        <p:tgtEl>
+                                          <p:spTgt spid="3">
+                                            <p:txEl>
+                                              <p:pRg st="2" end="2"/>
+                                            </p:txEl>
+                                          </p:spTgt>
+                                        </p:tgtEl>
+                                      </p:cBhvr>
+                                    </p:animEffect>
+                                  </p:childTnLst>
+                                </p:cTn>
+                              </p:par>
+                              <p:par>
+                                <p:cTn id="11" presetID="10" presetClass="entr" presetSubtype="0" fill="hold" nodeType="withEffect">
+                                  <p:stCondLst>
+                                    <p:cond delay="0"/>
+                                  </p:stCondLst>
+                                  <p:childTnLst>
+                                    <p:set>
+                                      <p:cBhvr>
+                                        <p:cTn id="12" dur="1" fill="hold">
+                                          <p:stCondLst>
+                                            <p:cond delay="0"/>
+                                          </p:stCondLst>
+                                        </p:cTn>
+                                        <p:tgtEl>
+                                          <p:spTgt spid="3">
+                                            <p:txEl>
+                                              <p:pRg st="4" end="4"/>
+                                            </p:txEl>
+                                          </p:spTgt>
+                                        </p:tgtEl>
+                                        <p:attrNameLst>
+                                          <p:attrName>style.visibility</p:attrName>
+                                        </p:attrNameLst>
+                                      </p:cBhvr>
+                                      <p:to>
+                                        <p:strVal val="visible"/>
+                                      </p:to>
+                                    </p:set>
+                                    <p:animEffect transition="in" filter="fade">
+                                      <p:cBhvr>
+                                        <p:cTn id="13" dur="500"/>
+                                        <p:tgtEl>
+                                          <p:spTgt spid="3">
+                                            <p:txEl>
+                                              <p:pRg st="4" end="4"/>
+                                            </p:txEl>
+                                          </p:spTgt>
+                                        </p:tgtEl>
+                                      </p:cBhvr>
+                                    </p:animEffect>
+                                  </p:childTnLst>
+                                </p:cTn>
+                              </p:par>
+                              <p:par>
+                                <p:cTn id="14" presetID="10" presetClass="entr" presetSubtype="0" fill="hold" nodeType="withEffect">
+                                  <p:stCondLst>
+                                    <p:cond delay="0"/>
+                                  </p:stCondLst>
+                                  <p:childTnLst>
+                                    <p:set>
+                                      <p:cBhvr>
+                                        <p:cTn id="15" dur="1" fill="hold">
+                                          <p:stCondLst>
+                                            <p:cond delay="0"/>
+                                          </p:stCondLst>
+                                        </p:cTn>
+                                        <p:tgtEl>
+                                          <p:spTgt spid="3">
+                                            <p:txEl>
+                                              <p:pRg st="6" end="6"/>
+                                            </p:txEl>
+                                          </p:spTgt>
+                                        </p:tgtEl>
+                                        <p:attrNameLst>
+                                          <p:attrName>style.visibility</p:attrName>
+                                        </p:attrNameLst>
+                                      </p:cBhvr>
+                                      <p:to>
+                                        <p:strVal val="visible"/>
+                                      </p:to>
+                                    </p:set>
+                                    <p:animEffect transition="in" filter="fade">
+                                      <p:cBhvr>
+                                        <p:cTn id="16" dur="500"/>
+                                        <p:tgtEl>
+                                          <p:spTgt spid="3">
+                                            <p:txEl>
+                                              <p:pRg st="6" end="6"/>
+                                            </p:txEl>
+                                          </p:spTgt>
+                                        </p:tgtEl>
+                                      </p:cBhvr>
+                                    </p:animEffect>
+                                  </p:childTnLst>
+                                </p:cTn>
+                              </p:par>
+                              <p:par>
+                                <p:cTn id="17" presetID="10" presetClass="entr" presetSubtype="0" fill="hold" grpId="0" nodeType="withEffect">
+                                  <p:stCondLst>
+                                    <p:cond delay="0"/>
+                                  </p:stCondLst>
+                                  <p:childTnLst>
+                                    <p:set>
+                                      <p:cBhvr>
+                                        <p:cTn id="18" dur="1" fill="hold">
                                           <p:stCondLst>
                                             <p:cond delay="0"/>
                                           </p:stCondLst>
@@ -9267,7 +11336,7 @@
                                     </p:set>
                                     <p:animEffect transition="in" filter="fade">
                                       <p:cBhvr>
-                                        <p:cTn id="7" dur="500"/>
+                                        <p:cTn id="19" dur="500"/>
                                         <p:tgtEl>
                                           <p:spTgt spid="8"/>
                                         </p:tgtEl>
@@ -9283,26 +11352,26 @@
                     </p:cTn>
                   </p:par>
                   <p:par>
-                    <p:cTn id="8" fill="hold">
+                    <p:cTn id="20" fill="hold">
                       <p:stCondLst>
                         <p:cond delay="indefinite"/>
                       </p:stCondLst>
                       <p:childTnLst>
                         <p:par>
-                          <p:cTn id="9" fill="hold">
+                          <p:cTn id="21" fill="hold">
                             <p:stCondLst>
                               <p:cond delay="0"/>
                             </p:stCondLst>
                             <p:childTnLst>
                               <p:par>
-                                <p:cTn id="10" presetID="10" presetClass="entr" presetSubtype="0" fill="hold" nodeType="clickEffect">
+                                <p:cTn id="22" presetID="10" presetClass="entr" presetSubtype="0" fill="hold" nodeType="clickEffect">
                                   <p:stCondLst>
                                     <p:cond delay="0"/>
                                   </p:stCondLst>
                                   <p:childTnLst>
                                     <p:set>
                                       <p:cBhvr>
-                                        <p:cTn id="11" dur="1" fill="hold">
+                                        <p:cTn id="23" dur="1" fill="hold">
                                           <p:stCondLst>
                                             <p:cond delay="0"/>
                                           </p:stCondLst>
@@ -9324,7 +11393,7 @@
                                     </p:set>
                                     <p:animEffect transition="in" filter="fade">
                                       <p:cBhvr>
-                                        <p:cTn id="12" dur="500"/>
+                                        <p:cTn id="24" dur="500"/>
                                         <p:tgtEl>
                                           <p:spTgt spid="3">
                                             <p:txEl>
@@ -9338,14 +11407,14 @@
                                 </p:cTn>
                               </p:par>
                               <p:par>
-                                <p:cTn id="13" presetID="10" presetClass="entr" presetSubtype="0" fill="hold" nodeType="withEffect">
+                                <p:cTn id="25" presetID="10" presetClass="entr" presetSubtype="0" fill="hold" nodeType="withEffect">
                                   <p:stCondLst>
                                     <p:cond delay="0"/>
                                   </p:stCondLst>
                                   <p:childTnLst>
                                     <p:set>
                                       <p:cBhvr>
-                                        <p:cTn id="14" dur="1" fill="hold">
+                                        <p:cTn id="26" dur="1" fill="hold">
                                           <p:stCondLst>
                                             <p:cond delay="0"/>
                                           </p:stCondLst>
@@ -9367,7 +11436,7 @@
                                     </p:set>
                                     <p:animEffect transition="in" filter="fade">
                                       <p:cBhvr>
-                                        <p:cTn id="15" dur="500"/>
+                                        <p:cTn id="27" dur="500"/>
                                         <p:tgtEl>
                                           <p:spTgt spid="3">
                                             <p:txEl>
@@ -9380,33 +11449,15 @@
                                   </p:childTnLst>
                                 </p:cTn>
                               </p:par>
-                            </p:childTnLst>
-                          </p:cTn>
-                        </p:par>
-                      </p:childTnLst>
-                    </p:cTn>
-                  </p:par>
-                  <p:par>
-                    <p:cTn id="16" fill="hold">
-                      <p:stCondLst>
-                        <p:cond delay="indefinite"/>
-                      </p:stCondLst>
-                      <p:childTnLst>
-                        <p:par>
-                          <p:cTn id="17" fill="hold">
-                            <p:stCondLst>
-                              <p:cond delay="0"/>
-                            </p:stCondLst>
-                            <p:childTnLst>
                               <p:par>
-                                <p:cTn id="18" presetID="10" presetClass="entr" presetSubtype="0" fill="hold" grpId="0" nodeType="clickEffect">
+                                <p:cTn id="28" presetID="10" presetClass="entr" presetSubtype="0" fill="hold" grpId="0" nodeType="withEffect">
                                   <p:stCondLst>
                                     <p:cond delay="0"/>
                                   </p:stCondLst>
                                   <p:childTnLst>
                                     <p:set>
                                       <p:cBhvr>
-                                        <p:cTn id="19" dur="1" fill="hold">
+                                        <p:cTn id="29" dur="1" fill="hold">
                                           <p:stCondLst>
                                             <p:cond delay="0"/>
                                           </p:stCondLst>
@@ -9424,7 +11475,7 @@
                                     </p:set>
                                     <p:animEffect transition="in" filter="fade">
                                       <p:cBhvr>
-                                        <p:cTn id="20" dur="500"/>
+                                        <p:cTn id="30" dur="500"/>
                                         <p:tgtEl>
                                           <p:spTgt spid="7"/>
                                         </p:tgtEl>
@@ -10441,7 +12492,7 @@
                             </p:stCondLst>
                             <p:childTnLst>
                               <p:par>
-                                <p:cTn id="5" presetID="10" presetClass="entr" presetSubtype="0" fill="hold" grpId="0" nodeType="clickEffect">
+                                <p:cTn id="5" presetID="10" presetClass="entr" presetSubtype="0" fill="hold" nodeType="clickEffect">
                                   <p:stCondLst>
                                     <p:cond delay="0"/>
                                   </p:stCondLst>
@@ -10449,6 +12500,293 @@
                                     <p:set>
                                       <p:cBhvr>
                                         <p:cTn id="6" dur="1" fill="hold">
+                                          <p:stCondLst>
+                                            <p:cond delay="0"/>
+                                          </p:stCondLst>
+                                        </p:cTn>
+                                        <p:tgtEl>
+                                          <p:spTgt spid="3">
+                                            <p:txEl>
+                                              <p:pRg st="0" end="0"/>
+                                            </p:txEl>
+                                          </p:spTgt>
+                                        </p:tgtEl>
+                                        <p:attrNameLst>
+                                          <p:attrName>style.visibility</p:attrName>
+                                        </p:attrNameLst>
+                                      </p:cBhvr>
+                                      <p:to>
+                                        <p:strVal val="visible"/>
+                                      </p:to>
+                                    </p:set>
+                                    <p:animEffect transition="in" filter="fade">
+                                      <p:cBhvr>
+                                        <p:cTn id="7" dur="500"/>
+                                        <p:tgtEl>
+                                          <p:spTgt spid="3">
+                                            <p:txEl>
+                                              <p:pRg st="0" end="0"/>
+                                            </p:txEl>
+                                          </p:spTgt>
+                                        </p:tgtEl>
+                                      </p:cBhvr>
+                                    </p:animEffect>
+                                  </p:childTnLst>
+                                </p:cTn>
+                              </p:par>
+                            </p:childTnLst>
+                          </p:cTn>
+                        </p:par>
+                      </p:childTnLst>
+                    </p:cTn>
+                  </p:par>
+                  <p:par>
+                    <p:cTn id="8" fill="hold">
+                      <p:stCondLst>
+                        <p:cond delay="indefinite"/>
+                      </p:stCondLst>
+                      <p:childTnLst>
+                        <p:par>
+                          <p:cTn id="9" fill="hold">
+                            <p:stCondLst>
+                              <p:cond delay="0"/>
+                            </p:stCondLst>
+                            <p:childTnLst>
+                              <p:par>
+                                <p:cTn id="10" presetID="10" presetClass="entr" presetSubtype="0" fill="hold" nodeType="clickEffect">
+                                  <p:stCondLst>
+                                    <p:cond delay="0"/>
+                                  </p:stCondLst>
+                                  <p:childTnLst>
+                                    <p:set>
+                                      <p:cBhvr>
+                                        <p:cTn id="11" dur="1" fill="hold">
+                                          <p:stCondLst>
+                                            <p:cond delay="0"/>
+                                          </p:stCondLst>
+                                        </p:cTn>
+                                        <p:tgtEl>
+                                          <p:spTgt spid="3">
+                                            <p:txEl>
+                                              <p:pRg st="2" end="2"/>
+                                            </p:txEl>
+                                          </p:spTgt>
+                                        </p:tgtEl>
+                                        <p:attrNameLst>
+                                          <p:attrName>style.visibility</p:attrName>
+                                        </p:attrNameLst>
+                                      </p:cBhvr>
+                                      <p:to>
+                                        <p:strVal val="visible"/>
+                                      </p:to>
+                                    </p:set>
+                                    <p:animEffect transition="in" filter="fade">
+                                      <p:cBhvr>
+                                        <p:cTn id="12" dur="500"/>
+                                        <p:tgtEl>
+                                          <p:spTgt spid="3">
+                                            <p:txEl>
+                                              <p:pRg st="2" end="2"/>
+                                            </p:txEl>
+                                          </p:spTgt>
+                                        </p:tgtEl>
+                                      </p:cBhvr>
+                                    </p:animEffect>
+                                  </p:childTnLst>
+                                </p:cTn>
+                              </p:par>
+                            </p:childTnLst>
+                          </p:cTn>
+                        </p:par>
+                      </p:childTnLst>
+                    </p:cTn>
+                  </p:par>
+                  <p:par>
+                    <p:cTn id="13" fill="hold">
+                      <p:stCondLst>
+                        <p:cond delay="indefinite"/>
+                      </p:stCondLst>
+                      <p:childTnLst>
+                        <p:par>
+                          <p:cTn id="14" fill="hold">
+                            <p:stCondLst>
+                              <p:cond delay="0"/>
+                            </p:stCondLst>
+                            <p:childTnLst>
+                              <p:par>
+                                <p:cTn id="15" presetID="10" presetClass="entr" presetSubtype="0" fill="hold" nodeType="clickEffect">
+                                  <p:stCondLst>
+                                    <p:cond delay="0"/>
+                                  </p:stCondLst>
+                                  <p:childTnLst>
+                                    <p:set>
+                                      <p:cBhvr>
+                                        <p:cTn id="16" dur="1" fill="hold">
+                                          <p:stCondLst>
+                                            <p:cond delay="0"/>
+                                          </p:stCondLst>
+                                        </p:cTn>
+                                        <p:tgtEl>
+                                          <p:spTgt spid="3">
+                                            <p:txEl>
+                                              <p:pRg st="4" end="4"/>
+                                            </p:txEl>
+                                          </p:spTgt>
+                                        </p:tgtEl>
+                                        <p:attrNameLst>
+                                          <p:attrName>style.visibility</p:attrName>
+                                        </p:attrNameLst>
+                                      </p:cBhvr>
+                                      <p:to>
+                                        <p:strVal val="visible"/>
+                                      </p:to>
+                                    </p:set>
+                                    <p:animEffect transition="in" filter="fade">
+                                      <p:cBhvr>
+                                        <p:cTn id="17" dur="500"/>
+                                        <p:tgtEl>
+                                          <p:spTgt spid="3">
+                                            <p:txEl>
+                                              <p:pRg st="4" end="4"/>
+                                            </p:txEl>
+                                          </p:spTgt>
+                                        </p:tgtEl>
+                                      </p:cBhvr>
+                                    </p:animEffect>
+                                  </p:childTnLst>
+                                </p:cTn>
+                              </p:par>
+                            </p:childTnLst>
+                          </p:cTn>
+                        </p:par>
+                      </p:childTnLst>
+                    </p:cTn>
+                  </p:par>
+                  <p:par>
+                    <p:cTn id="18" fill="hold">
+                      <p:stCondLst>
+                        <p:cond delay="indefinite"/>
+                      </p:stCondLst>
+                      <p:childTnLst>
+                        <p:par>
+                          <p:cTn id="19" fill="hold">
+                            <p:stCondLst>
+                              <p:cond delay="0"/>
+                            </p:stCondLst>
+                            <p:childTnLst>
+                              <p:par>
+                                <p:cTn id="20" presetID="10" presetClass="entr" presetSubtype="0" fill="hold" nodeType="clickEffect">
+                                  <p:stCondLst>
+                                    <p:cond delay="0"/>
+                                  </p:stCondLst>
+                                  <p:childTnLst>
+                                    <p:set>
+                                      <p:cBhvr>
+                                        <p:cTn id="21" dur="1" fill="hold">
+                                          <p:stCondLst>
+                                            <p:cond delay="0"/>
+                                          </p:stCondLst>
+                                        </p:cTn>
+                                        <p:tgtEl>
+                                          <p:spTgt spid="3">
+                                            <p:txEl>
+                                              <p:pRg st="6" end="6"/>
+                                            </p:txEl>
+                                          </p:spTgt>
+                                        </p:tgtEl>
+                                        <p:attrNameLst>
+                                          <p:attrName>style.visibility</p:attrName>
+                                        </p:attrNameLst>
+                                      </p:cBhvr>
+                                      <p:to>
+                                        <p:strVal val="visible"/>
+                                      </p:to>
+                                    </p:set>
+                                    <p:animEffect transition="in" filter="fade">
+                                      <p:cBhvr>
+                                        <p:cTn id="22" dur="500"/>
+                                        <p:tgtEl>
+                                          <p:spTgt spid="3">
+                                            <p:txEl>
+                                              <p:pRg st="6" end="6"/>
+                                            </p:txEl>
+                                          </p:spTgt>
+                                        </p:tgtEl>
+                                      </p:cBhvr>
+                                    </p:animEffect>
+                                  </p:childTnLst>
+                                </p:cTn>
+                              </p:par>
+                            </p:childTnLst>
+                          </p:cTn>
+                        </p:par>
+                      </p:childTnLst>
+                    </p:cTn>
+                  </p:par>
+                  <p:par>
+                    <p:cTn id="23" fill="hold">
+                      <p:stCondLst>
+                        <p:cond delay="indefinite"/>
+                      </p:stCondLst>
+                      <p:childTnLst>
+                        <p:par>
+                          <p:cTn id="24" fill="hold">
+                            <p:stCondLst>
+                              <p:cond delay="0"/>
+                            </p:stCondLst>
+                            <p:childTnLst>
+                              <p:par>
+                                <p:cTn id="25" presetID="10" presetClass="entr" presetSubtype="0" fill="hold" nodeType="clickEffect">
+                                  <p:stCondLst>
+                                    <p:cond delay="0"/>
+                                  </p:stCondLst>
+                                  <p:childTnLst>
+                                    <p:set>
+                                      <p:cBhvr>
+                                        <p:cTn id="26" dur="1" fill="hold">
+                                          <p:stCondLst>
+                                            <p:cond delay="0"/>
+                                          </p:stCondLst>
+                                        </p:cTn>
+                                        <p:tgtEl>
+                                          <p:spTgt spid="3">
+                                            <p:txEl>
+                                              <p:pRg st="8" end="8"/>
+                                            </p:txEl>
+                                          </p:spTgt>
+                                        </p:tgtEl>
+                                        <p:attrNameLst>
+                                          <p:attrName>style.visibility</p:attrName>
+                                        </p:attrNameLst>
+                                      </p:cBhvr>
+                                      <p:to>
+                                        <p:strVal val="visible"/>
+                                      </p:to>
+                                    </p:set>
+                                    <p:animEffect transition="in" filter="fade">
+                                      <p:cBhvr>
+                                        <p:cTn id="27" dur="500"/>
+                                        <p:tgtEl>
+                                          <p:spTgt spid="3">
+                                            <p:txEl>
+                                              <p:pRg st="8" end="8"/>
+                                            </p:txEl>
+                                          </p:spTgt>
+                                        </p:tgtEl>
+                                      </p:cBhvr>
+                                    </p:animEffect>
+                                  </p:childTnLst>
+                                </p:cTn>
+                              </p:par>
+                              <p:par>
+                                <p:cTn id="28" presetID="10" presetClass="entr" presetSubtype="0" fill="hold" grpId="0" nodeType="withEffect">
+                                  <p:stCondLst>
+                                    <p:cond delay="0"/>
+                                  </p:stCondLst>
+                                  <p:childTnLst>
+                                    <p:set>
+                                      <p:cBhvr>
+                                        <p:cTn id="29" dur="1" fill="hold">
                                           <p:stCondLst>
                                             <p:cond delay="0"/>
                                           </p:stCondLst>
@@ -10466,7 +12804,7 @@
                                     </p:set>
                                     <p:animEffect transition="in" filter="fade">
                                       <p:cBhvr>
-                                        <p:cTn id="7" dur="500"/>
+                                        <p:cTn id="30" dur="500"/>
                                         <p:tgtEl>
                                           <p:spTgt spid="7"/>
                                         </p:tgtEl>
@@ -11430,7 +13768,7 @@
                             </p:stCondLst>
                             <p:childTnLst>
                               <p:par>
-                                <p:cTn id="5" presetID="10" presetClass="entr" presetSubtype="0" fill="hold" grpId="0" nodeType="clickEffect">
+                                <p:cTn id="5" presetID="10" presetClass="entr" presetSubtype="0" fill="hold" nodeType="clickEffect">
                                   <p:stCondLst>
                                     <p:cond delay="0"/>
                                   </p:stCondLst>
@@ -11438,6 +13776,354 @@
                                     <p:set>
                                       <p:cBhvr>
                                         <p:cTn id="6" dur="1" fill="hold">
+                                          <p:stCondLst>
+                                            <p:cond delay="0"/>
+                                          </p:stCondLst>
+                                        </p:cTn>
+                                        <p:tgtEl>
+                                          <p:spTgt spid="3">
+                                            <p:txEl>
+                                              <p:pRg st="0" end="0"/>
+                                            </p:txEl>
+                                          </p:spTgt>
+                                        </p:tgtEl>
+                                        <p:attrNameLst>
+                                          <p:attrName>style.visibility</p:attrName>
+                                        </p:attrNameLst>
+                                      </p:cBhvr>
+                                      <p:to>
+                                        <p:strVal val="visible"/>
+                                      </p:to>
+                                    </p:set>
+                                    <p:animEffect transition="in" filter="fade">
+                                      <p:cBhvr>
+                                        <p:cTn id="7" dur="500"/>
+                                        <p:tgtEl>
+                                          <p:spTgt spid="3">
+                                            <p:txEl>
+                                              <p:pRg st="0" end="0"/>
+                                            </p:txEl>
+                                          </p:spTgt>
+                                        </p:tgtEl>
+                                      </p:cBhvr>
+                                    </p:animEffect>
+                                  </p:childTnLst>
+                                </p:cTn>
+                              </p:par>
+                            </p:childTnLst>
+                          </p:cTn>
+                        </p:par>
+                      </p:childTnLst>
+                    </p:cTn>
+                  </p:par>
+                  <p:par>
+                    <p:cTn id="8" fill="hold">
+                      <p:stCondLst>
+                        <p:cond delay="indefinite"/>
+                      </p:stCondLst>
+                      <p:childTnLst>
+                        <p:par>
+                          <p:cTn id="9" fill="hold">
+                            <p:stCondLst>
+                              <p:cond delay="0"/>
+                            </p:stCondLst>
+                            <p:childTnLst>
+                              <p:par>
+                                <p:cTn id="10" presetID="10" presetClass="entr" presetSubtype="0" fill="hold" nodeType="clickEffect">
+                                  <p:stCondLst>
+                                    <p:cond delay="0"/>
+                                  </p:stCondLst>
+                                  <p:childTnLst>
+                                    <p:set>
+                                      <p:cBhvr>
+                                        <p:cTn id="11" dur="1" fill="hold">
+                                          <p:stCondLst>
+                                            <p:cond delay="0"/>
+                                          </p:stCondLst>
+                                        </p:cTn>
+                                        <p:tgtEl>
+                                          <p:spTgt spid="3">
+                                            <p:txEl>
+                                              <p:pRg st="2" end="2"/>
+                                            </p:txEl>
+                                          </p:spTgt>
+                                        </p:tgtEl>
+                                        <p:attrNameLst>
+                                          <p:attrName>style.visibility</p:attrName>
+                                        </p:attrNameLst>
+                                      </p:cBhvr>
+                                      <p:to>
+                                        <p:strVal val="visible"/>
+                                      </p:to>
+                                    </p:set>
+                                    <p:animEffect transition="in" filter="fade">
+                                      <p:cBhvr>
+                                        <p:cTn id="12" dur="500"/>
+                                        <p:tgtEl>
+                                          <p:spTgt spid="3">
+                                            <p:txEl>
+                                              <p:pRg st="2" end="2"/>
+                                            </p:txEl>
+                                          </p:spTgt>
+                                        </p:tgtEl>
+                                      </p:cBhvr>
+                                    </p:animEffect>
+                                  </p:childTnLst>
+                                </p:cTn>
+                              </p:par>
+                            </p:childTnLst>
+                          </p:cTn>
+                        </p:par>
+                      </p:childTnLst>
+                    </p:cTn>
+                  </p:par>
+                  <p:par>
+                    <p:cTn id="13" fill="hold">
+                      <p:stCondLst>
+                        <p:cond delay="indefinite"/>
+                      </p:stCondLst>
+                      <p:childTnLst>
+                        <p:par>
+                          <p:cTn id="14" fill="hold">
+                            <p:stCondLst>
+                              <p:cond delay="0"/>
+                            </p:stCondLst>
+                            <p:childTnLst>
+                              <p:par>
+                                <p:cTn id="15" presetID="10" presetClass="entr" presetSubtype="0" fill="hold" nodeType="clickEffect">
+                                  <p:stCondLst>
+                                    <p:cond delay="0"/>
+                                  </p:stCondLst>
+                                  <p:childTnLst>
+                                    <p:set>
+                                      <p:cBhvr>
+                                        <p:cTn id="16" dur="1" fill="hold">
+                                          <p:stCondLst>
+                                            <p:cond delay="0"/>
+                                          </p:stCondLst>
+                                        </p:cTn>
+                                        <p:tgtEl>
+                                          <p:spTgt spid="3">
+                                            <p:txEl>
+                                              <p:pRg st="4" end="4"/>
+                                            </p:txEl>
+                                          </p:spTgt>
+                                        </p:tgtEl>
+                                        <p:attrNameLst>
+                                          <p:attrName>style.visibility</p:attrName>
+                                        </p:attrNameLst>
+                                      </p:cBhvr>
+                                      <p:to>
+                                        <p:strVal val="visible"/>
+                                      </p:to>
+                                    </p:set>
+                                    <p:animEffect transition="in" filter="fade">
+                                      <p:cBhvr>
+                                        <p:cTn id="17" dur="500"/>
+                                        <p:tgtEl>
+                                          <p:spTgt spid="3">
+                                            <p:txEl>
+                                              <p:pRg st="4" end="4"/>
+                                            </p:txEl>
+                                          </p:spTgt>
+                                        </p:tgtEl>
+                                      </p:cBhvr>
+                                    </p:animEffect>
+                                  </p:childTnLst>
+                                </p:cTn>
+                              </p:par>
+                            </p:childTnLst>
+                          </p:cTn>
+                        </p:par>
+                      </p:childTnLst>
+                    </p:cTn>
+                  </p:par>
+                  <p:par>
+                    <p:cTn id="18" fill="hold">
+                      <p:stCondLst>
+                        <p:cond delay="indefinite"/>
+                      </p:stCondLst>
+                      <p:childTnLst>
+                        <p:par>
+                          <p:cTn id="19" fill="hold">
+                            <p:stCondLst>
+                              <p:cond delay="0"/>
+                            </p:stCondLst>
+                            <p:childTnLst>
+                              <p:par>
+                                <p:cTn id="20" presetID="10" presetClass="entr" presetSubtype="0" fill="hold" nodeType="clickEffect">
+                                  <p:stCondLst>
+                                    <p:cond delay="0"/>
+                                  </p:stCondLst>
+                                  <p:childTnLst>
+                                    <p:set>
+                                      <p:cBhvr>
+                                        <p:cTn id="21" dur="1" fill="hold">
+                                          <p:stCondLst>
+                                            <p:cond delay="0"/>
+                                          </p:stCondLst>
+                                        </p:cTn>
+                                        <p:tgtEl>
+                                          <p:spTgt spid="3">
+                                            <p:txEl>
+                                              <p:pRg st="6" end="6"/>
+                                            </p:txEl>
+                                          </p:spTgt>
+                                        </p:tgtEl>
+                                        <p:attrNameLst>
+                                          <p:attrName>style.visibility</p:attrName>
+                                        </p:attrNameLst>
+                                      </p:cBhvr>
+                                      <p:to>
+                                        <p:strVal val="visible"/>
+                                      </p:to>
+                                    </p:set>
+                                    <p:animEffect transition="in" filter="fade">
+                                      <p:cBhvr>
+                                        <p:cTn id="22" dur="500"/>
+                                        <p:tgtEl>
+                                          <p:spTgt spid="3">
+                                            <p:txEl>
+                                              <p:pRg st="6" end="6"/>
+                                            </p:txEl>
+                                          </p:spTgt>
+                                        </p:tgtEl>
+                                      </p:cBhvr>
+                                    </p:animEffect>
+                                  </p:childTnLst>
+                                </p:cTn>
+                              </p:par>
+                            </p:childTnLst>
+                          </p:cTn>
+                        </p:par>
+                      </p:childTnLst>
+                    </p:cTn>
+                  </p:par>
+                  <p:par>
+                    <p:cTn id="23" fill="hold">
+                      <p:stCondLst>
+                        <p:cond delay="indefinite"/>
+                      </p:stCondLst>
+                      <p:childTnLst>
+                        <p:par>
+                          <p:cTn id="24" fill="hold">
+                            <p:stCondLst>
+                              <p:cond delay="0"/>
+                            </p:stCondLst>
+                            <p:childTnLst>
+                              <p:par>
+                                <p:cTn id="25" presetID="10" presetClass="entr" presetSubtype="0" fill="hold" nodeType="clickEffect">
+                                  <p:stCondLst>
+                                    <p:cond delay="0"/>
+                                  </p:stCondLst>
+                                  <p:childTnLst>
+                                    <p:set>
+                                      <p:cBhvr>
+                                        <p:cTn id="26" dur="1" fill="hold">
+                                          <p:stCondLst>
+                                            <p:cond delay="0"/>
+                                          </p:stCondLst>
+                                        </p:cTn>
+                                        <p:tgtEl>
+                                          <p:spTgt spid="3">
+                                            <p:txEl>
+                                              <p:pRg st="8" end="8"/>
+                                            </p:txEl>
+                                          </p:spTgt>
+                                        </p:tgtEl>
+                                        <p:attrNameLst>
+                                          <p:attrName>style.visibility</p:attrName>
+                                        </p:attrNameLst>
+                                      </p:cBhvr>
+                                      <p:to>
+                                        <p:strVal val="visible"/>
+                                      </p:to>
+                                    </p:set>
+                                    <p:animEffect transition="in" filter="fade">
+                                      <p:cBhvr>
+                                        <p:cTn id="27" dur="500"/>
+                                        <p:tgtEl>
+                                          <p:spTgt spid="3">
+                                            <p:txEl>
+                                              <p:pRg st="8" end="8"/>
+                                            </p:txEl>
+                                          </p:spTgt>
+                                        </p:tgtEl>
+                                      </p:cBhvr>
+                                    </p:animEffect>
+                                  </p:childTnLst>
+                                </p:cTn>
+                              </p:par>
+                            </p:childTnLst>
+                          </p:cTn>
+                        </p:par>
+                      </p:childTnLst>
+                    </p:cTn>
+                  </p:par>
+                  <p:par>
+                    <p:cTn id="28" fill="hold">
+                      <p:stCondLst>
+                        <p:cond delay="indefinite"/>
+                      </p:stCondLst>
+                      <p:childTnLst>
+                        <p:par>
+                          <p:cTn id="29" fill="hold">
+                            <p:stCondLst>
+                              <p:cond delay="0"/>
+                            </p:stCondLst>
+                            <p:childTnLst>
+                              <p:par>
+                                <p:cTn id="30" presetID="10" presetClass="entr" presetSubtype="0" fill="hold" nodeType="clickEffect">
+                                  <p:stCondLst>
+                                    <p:cond delay="0"/>
+                                  </p:stCondLst>
+                                  <p:childTnLst>
+                                    <p:set>
+                                      <p:cBhvr>
+                                        <p:cTn id="31" dur="1" fill="hold">
+                                          <p:stCondLst>
+                                            <p:cond delay="0"/>
+                                          </p:stCondLst>
+                                        </p:cTn>
+                                        <p:tgtEl>
+                                          <p:spTgt spid="3">
+                                            <p:txEl>
+                                              <p:pRg st="10" end="10"/>
+                                            </p:txEl>
+                                          </p:spTgt>
+                                        </p:tgtEl>
+                                        <p:attrNameLst>
+                                          <p:attrName>style.visibility</p:attrName>
+                                        </p:attrNameLst>
+                                      </p:cBhvr>
+                                      <p:to>
+                                        <p:strVal val="visible"/>
+                                      </p:to>
+                                    </p:set>
+                                    <p:animEffect transition="in" filter="fade">
+                                      <p:cBhvr>
+                                        <p:cTn id="32" dur="500"/>
+                                        <p:tgtEl>
+                                          <p:spTgt spid="3">
+                                            <p:txEl>
+                                              <p:pRg st="10" end="10"/>
+                                            </p:txEl>
+                                          </p:spTgt>
+                                        </p:tgtEl>
+                                      </p:cBhvr>
+                                    </p:animEffect>
+                                  </p:childTnLst>
+                                </p:cTn>
+                              </p:par>
+                              <p:par>
+                                <p:cTn id="33" presetID="10" presetClass="entr" presetSubtype="0" fill="hold" grpId="0" nodeType="withEffect">
+                                  <p:stCondLst>
+                                    <p:cond delay="0"/>
+                                  </p:stCondLst>
+                                  <p:childTnLst>
+                                    <p:set>
+                                      <p:cBhvr>
+                                        <p:cTn id="34" dur="1" fill="hold">
                                           <p:stCondLst>
                                             <p:cond delay="0"/>
                                           </p:stCondLst>
@@ -11455,7 +14141,7 @@
                                     </p:set>
                                     <p:animEffect transition="in" filter="fade">
                                       <p:cBhvr>
-                                        <p:cTn id="7" dur="500"/>
+                                        <p:cTn id="35" dur="500"/>
                                         <p:tgtEl>
                                           <p:spTgt spid="7"/>
                                         </p:tgtEl>
@@ -12108,7 +14794,7 @@
                             </p:stCondLst>
                             <p:childTnLst>
                               <p:par>
-                                <p:cTn id="5" presetID="10" presetClass="entr" presetSubtype="0" fill="hold" grpId="0" nodeType="clickEffect">
+                                <p:cTn id="5" presetID="10" presetClass="entr" presetSubtype="0" fill="hold" nodeType="clickEffect">
                                   <p:stCondLst>
                                     <p:cond delay="0"/>
                                   </p:stCondLst>
@@ -12116,6 +14802,92 @@
                                     <p:set>
                                       <p:cBhvr>
                                         <p:cTn id="6" dur="1" fill="hold">
+                                          <p:stCondLst>
+                                            <p:cond delay="0"/>
+                                          </p:stCondLst>
+                                        </p:cTn>
+                                        <p:tgtEl>
+                                          <p:spTgt spid="3">
+                                            <p:txEl>
+                                              <p:pRg st="0" end="0"/>
+                                            </p:txEl>
+                                          </p:spTgt>
+                                        </p:tgtEl>
+                                        <p:attrNameLst>
+                                          <p:attrName>style.visibility</p:attrName>
+                                        </p:attrNameLst>
+                                      </p:cBhvr>
+                                      <p:to>
+                                        <p:strVal val="visible"/>
+                                      </p:to>
+                                    </p:set>
+                                    <p:animEffect transition="in" filter="fade">
+                                      <p:cBhvr>
+                                        <p:cTn id="7" dur="500"/>
+                                        <p:tgtEl>
+                                          <p:spTgt spid="3">
+                                            <p:txEl>
+                                              <p:pRg st="0" end="0"/>
+                                            </p:txEl>
+                                          </p:spTgt>
+                                        </p:tgtEl>
+                                      </p:cBhvr>
+                                    </p:animEffect>
+                                  </p:childTnLst>
+                                </p:cTn>
+                              </p:par>
+                              <p:par>
+                                <p:cTn id="8" presetID="10" presetClass="entr" presetSubtype="0" fill="hold" nodeType="withEffect">
+                                  <p:stCondLst>
+                                    <p:cond delay="0"/>
+                                  </p:stCondLst>
+                                  <p:childTnLst>
+                                    <p:set>
+                                      <p:cBhvr>
+                                        <p:cTn id="9" dur="1" fill="hold">
+                                          <p:stCondLst>
+                                            <p:cond delay="0"/>
+                                          </p:stCondLst>
+                                        </p:cTn>
+                                        <p:tgtEl>
+                                          <p:spTgt spid="3">
+                                            <p:txEl>
+                                              <p:pRg st="2" end="2"/>
+                                            </p:txEl>
+                                          </p:spTgt>
+                                        </p:tgtEl>
+                                        <p:attrNameLst>
+                                          <p:attrName>style.visibility</p:attrName>
+                                        </p:attrNameLst>
+                                      </p:cBhvr>
+                                      <p:to>
+                                        <p:strVal val="visible"/>
+                                      </p:to>
+                                    </p:set>
+                                    <p:animEffect transition="in" filter="fade">
+                                      <p:cBhvr>
+                                        <p:cTn id="10" dur="500"/>
+                                        <p:tgtEl>
+                                          <p:spTgt spid="3">
+                                            <p:txEl>
+                                              <p:pRg st="2" end="2"/>
+                                            </p:txEl>
+                                          </p:spTgt>
+                                        </p:tgtEl>
+                                      </p:cBhvr>
+                                    </p:animEffect>
+                                  </p:childTnLst>
+                                </p:cTn>
+                              </p:par>
+                              <p:par>
+                                <p:cTn id="11" presetID="10" presetClass="entr" presetSubtype="0" fill="hold" grpId="0" nodeType="withEffect">
+                                  <p:stCondLst>
+                                    <p:cond delay="0"/>
+                                  </p:stCondLst>
+                                  <p:childTnLst>
+                                    <p:set>
+                                      <p:cBhvr>
+                                        <p:cTn id="12" dur="1" fill="hold">
                                           <p:stCondLst>
                                             <p:cond delay="0"/>
                                           </p:stCondLst>
@@ -12133,7 +14905,7 @@
                                     </p:set>
                                     <p:animEffect transition="in" filter="fade">
                                       <p:cBhvr>
-                                        <p:cTn id="7" dur="500"/>
+                                        <p:cTn id="13" dur="500"/>
                                         <p:tgtEl>
                                           <p:spTgt spid="7"/>
                                         </p:tgtEl>
@@ -12149,26 +14921,112 @@
                     </p:cTn>
                   </p:par>
                   <p:par>
-                    <p:cTn id="8" fill="hold">
+                    <p:cTn id="14" fill="hold">
                       <p:stCondLst>
                         <p:cond delay="indefinite"/>
                       </p:stCondLst>
                       <p:childTnLst>
                         <p:par>
-                          <p:cTn id="9" fill="hold">
+                          <p:cTn id="15" fill="hold">
                             <p:stCondLst>
                               <p:cond delay="0"/>
                             </p:stCondLst>
                             <p:childTnLst>
                               <p:par>
-                                <p:cTn id="10" presetID="10" presetClass="entr" presetSubtype="0" fill="hold" grpId="0" nodeType="clickEffect">
+                                <p:cTn id="16" presetID="10" presetClass="entr" presetSubtype="0" fill="hold" nodeType="clickEffect">
                                   <p:stCondLst>
                                     <p:cond delay="0"/>
                                   </p:stCondLst>
                                   <p:childTnLst>
                                     <p:set>
                                       <p:cBhvr>
-                                        <p:cTn id="11" dur="1" fill="hold">
+                                        <p:cTn id="17" dur="1" fill="hold">
+                                          <p:stCondLst>
+                                            <p:cond delay="0"/>
+                                          </p:stCondLst>
+                                        </p:cTn>
+                                        <p:tgtEl>
+                                          <p:spTgt spid="3">
+                                            <p:txEl>
+                                              <p:pRg st="4" end="4"/>
+                                            </p:txEl>
+                                          </p:spTgt>
+                                        </p:tgtEl>
+                                        <p:attrNameLst>
+                                          <p:attrName>style.visibility</p:attrName>
+                                        </p:attrNameLst>
+                                      </p:cBhvr>
+                                      <p:to>
+                                        <p:strVal val="visible"/>
+                                      </p:to>
+                                    </p:set>
+                                    <p:animEffect transition="in" filter="fade">
+                                      <p:cBhvr>
+                                        <p:cTn id="18" dur="500"/>
+                                        <p:tgtEl>
+                                          <p:spTgt spid="3">
+                                            <p:txEl>
+                                              <p:pRg st="4" end="4"/>
+                                            </p:txEl>
+                                          </p:spTgt>
+                                        </p:tgtEl>
+                                      </p:cBhvr>
+                                    </p:animEffect>
+                                  </p:childTnLst>
+                                </p:cTn>
+                              </p:par>
+                              <p:par>
+                                <p:cTn id="19" presetID="10" presetClass="entr" presetSubtype="0" fill="hold" nodeType="withEffect">
+                                  <p:stCondLst>
+                                    <p:cond delay="0"/>
+                                  </p:stCondLst>
+                                  <p:childTnLst>
+                                    <p:set>
+                                      <p:cBhvr>
+                                        <p:cTn id="20" dur="1" fill="hold">
+                                          <p:stCondLst>
+                                            <p:cond delay="0"/>
+                                          </p:stCondLst>
+                                        </p:cTn>
+                                        <p:tgtEl>
+                                          <p:spTgt spid="3">
+                                            <p:txEl>
+                                              <p:pRg st="6" end="6"/>
+                                            </p:txEl>
+                                          </p:spTgt>
+                                        </p:tgtEl>
+                                        <p:attrNameLst>
+                                          <p:attrName>style.visibility</p:attrName>
+                                        </p:attrNameLst>
+                                      </p:cBhvr>
+                                      <p:to>
+                                        <p:strVal val="visible"/>
+                                      </p:to>
+                                    </p:set>
+                                    <p:animEffect transition="in" filter="fade">
+                                      <p:cBhvr>
+                                        <p:cTn id="21" dur="500"/>
+                                        <p:tgtEl>
+                                          <p:spTgt spid="3">
+                                            <p:txEl>
+                                              <p:pRg st="6" end="6"/>
+                                            </p:txEl>
+                                          </p:spTgt>
+                                        </p:tgtEl>
+                                      </p:cBhvr>
+                                    </p:animEffect>
+                                  </p:childTnLst>
+                                </p:cTn>
+                              </p:par>
+                              <p:par>
+                                <p:cTn id="22" presetID="10" presetClass="entr" presetSubtype="0" fill="hold" grpId="0" nodeType="withEffect">
+                                  <p:stCondLst>
+                                    <p:cond delay="0"/>
+                                  </p:stCondLst>
+                                  <p:childTnLst>
+                                    <p:set>
+                                      <p:cBhvr>
+                                        <p:cTn id="23" dur="1" fill="hold">
                                           <p:stCondLst>
                                             <p:cond delay="0"/>
                                           </p:stCondLst>
@@ -12186,7 +15044,7 @@
                                     </p:set>
                                     <p:animEffect transition="in" filter="fade">
                                       <p:cBhvr>
-                                        <p:cTn id="12" dur="500"/>
+                                        <p:cTn id="24" dur="500"/>
                                         <p:tgtEl>
                                           <p:spTgt spid="8"/>
                                         </p:tgtEl>
@@ -12310,8 +15168,8 @@
           </a:xfrm>
         </p:spPr>
       </p:pic>
-      <mc:AlternateContent xmlns:mc="http://schemas.openxmlformats.org/markup-compatibility/2006" xmlns:a14="http://schemas.microsoft.com/office/drawing/2010/main">
-        <mc:Choice Requires="a14">
+      <mc:AlternateContent xmlns:mc="http://schemas.openxmlformats.org/markup-compatibility/2006">
+        <mc:Choice xmlns:a14="http://schemas.microsoft.com/office/drawing/2010/main" Requires="a14">
           <p:sp>
             <p:nvSpPr>
               <p:cNvPr id="4" name="Content Placeholder 3">
@@ -12337,12 +15195,23 @@
               <a:p>
                 <a:r>
                   <a:rPr lang="en-US" dirty="0"/>
-                  <a:t>By equalizing the slopes, we find the optimal ratio of goods </a:t>
+                  <a:t>By equalizing the slopes, we find the </a:t>
+                </a:r>
+                <a:r>
+                  <a:rPr lang="en-US" dirty="0">
+                    <a:solidFill>
+                      <a:srgbClr val="FFC000"/>
+                    </a:solidFill>
+                  </a:rPr>
+                  <a:t>optimal ratio of goods </a:t>
                 </a:r>
                 <a14:m>
                   <m:oMath xmlns:m="http://schemas.openxmlformats.org/officeDocument/2006/math">
                     <m:r>
                       <a:rPr lang="en-US" i="1" dirty="0" smtClean="0">
+                        <a:solidFill>
+                          <a:srgbClr val="FFC000"/>
+                        </a:solidFill>
                         <a:latin typeface="Cambria Math" panose="02040503050406030204" pitchFamily="18" charset="0"/>
                       </a:rPr>
                       <m:t>𝑥</m:t>
@@ -12350,13 +15219,20 @@
                   </m:oMath>
                 </a14:m>
                 <a:r>
-                  <a:rPr lang="en-US" dirty="0"/>
+                  <a:rPr lang="en-US" dirty="0">
+                    <a:solidFill>
+                      <a:srgbClr val="FFC000"/>
+                    </a:solidFill>
+                  </a:rPr>
                   <a:t> and </a:t>
                 </a:r>
                 <a14:m>
                   <m:oMath xmlns:m="http://schemas.openxmlformats.org/officeDocument/2006/math">
                     <m:r>
                       <a:rPr lang="en-US" i="1" dirty="0" smtClean="0">
+                        <a:solidFill>
+                          <a:srgbClr val="FFC000"/>
+                        </a:solidFill>
                         <a:latin typeface="Cambria Math" panose="02040503050406030204" pitchFamily="18" charset="0"/>
                       </a:rPr>
                       <m:t>𝑦</m:t>
@@ -12364,8 +15240,16 @@
                   </m:oMath>
                 </a14:m>
                 <a:r>
+                  <a:rPr lang="en-US" dirty="0">
+                    <a:solidFill>
+                      <a:srgbClr val="FFC000"/>
+                    </a:solidFill>
+                  </a:rPr>
+                  <a:t> </a:t>
+                </a:r>
+                <a:r>
                   <a:rPr lang="en-US" dirty="0"/>
-                  <a:t> that the consumer should purchase.</a:t>
+                  <a:t>that the consumer should purchase.</a:t>
                 </a:r>
               </a:p>
               <a:p>
@@ -12391,7 +15275,7 @@
             </p:txBody>
           </p:sp>
         </mc:Choice>
-        <mc:Fallback xmlns="">
+        <mc:Fallback>
           <p:sp>
             <p:nvSpPr>
               <p:cNvPr id="4" name="Content Placeholder 3">
@@ -12412,7 +15296,7 @@
               <a:blipFill>
                 <a:blip r:embed="rId3"/>
                 <a:stretch>
-                  <a:fillRect l="-2038" t="-1821" r="-1881"/>
+                  <a:fillRect l="-2038" t="-1821" r="-3762"/>
                 </a:stretch>
               </a:blipFill>
             </p:spPr>
@@ -14315,7 +17199,7 @@
                             </p:stCondLst>
                             <p:childTnLst>
                               <p:par>
-                                <p:cTn id="5" presetID="1" presetClass="entr" presetSubtype="0" fill="hold" grpId="0" nodeType="clickEffect">
+                                <p:cTn id="5" presetID="10" presetClass="entr" presetSubtype="0" fill="hold" nodeType="clickEffect">
                                   <p:stCondLst>
                                     <p:cond delay="0"/>
                                   </p:stCondLst>
@@ -14323,6 +17207,171 @@
                                     <p:set>
                                       <p:cBhvr>
                                         <p:cTn id="6" dur="1" fill="hold">
+                                          <p:stCondLst>
+                                            <p:cond delay="0"/>
+                                          </p:stCondLst>
+                                        </p:cTn>
+                                        <p:tgtEl>
+                                          <p:spTgt spid="3">
+                                            <p:txEl>
+                                              <p:pRg st="2" end="2"/>
+                                            </p:txEl>
+                                          </p:spTgt>
+                                        </p:tgtEl>
+                                        <p:attrNameLst>
+                                          <p:attrName>style.visibility</p:attrName>
+                                        </p:attrNameLst>
+                                      </p:cBhvr>
+                                      <p:to>
+                                        <p:strVal val="visible"/>
+                                      </p:to>
+                                    </p:set>
+                                    <p:animEffect transition="in" filter="fade">
+                                      <p:cBhvr>
+                                        <p:cTn id="7" dur="500"/>
+                                        <p:tgtEl>
+                                          <p:spTgt spid="3">
+                                            <p:txEl>
+                                              <p:pRg st="2" end="2"/>
+                                            </p:txEl>
+                                          </p:spTgt>
+                                        </p:tgtEl>
+                                      </p:cBhvr>
+                                    </p:animEffect>
+                                  </p:childTnLst>
+                                </p:cTn>
+                              </p:par>
+                            </p:childTnLst>
+                          </p:cTn>
+                        </p:par>
+                      </p:childTnLst>
+                    </p:cTn>
+                  </p:par>
+                  <p:par>
+                    <p:cTn id="8" fill="hold">
+                      <p:stCondLst>
+                        <p:cond delay="indefinite"/>
+                      </p:stCondLst>
+                      <p:childTnLst>
+                        <p:par>
+                          <p:cTn id="9" fill="hold">
+                            <p:stCondLst>
+                              <p:cond delay="0"/>
+                            </p:stCondLst>
+                            <p:childTnLst>
+                              <p:par>
+                                <p:cTn id="10" presetID="10" presetClass="entr" presetSubtype="0" fill="hold" nodeType="clickEffect">
+                                  <p:stCondLst>
+                                    <p:cond delay="0"/>
+                                  </p:stCondLst>
+                                  <p:childTnLst>
+                                    <p:set>
+                                      <p:cBhvr>
+                                        <p:cTn id="11" dur="1" fill="hold">
+                                          <p:stCondLst>
+                                            <p:cond delay="0"/>
+                                          </p:stCondLst>
+                                        </p:cTn>
+                                        <p:tgtEl>
+                                          <p:spTgt spid="3">
+                                            <p:txEl>
+                                              <p:pRg st="4" end="4"/>
+                                            </p:txEl>
+                                          </p:spTgt>
+                                        </p:tgtEl>
+                                        <p:attrNameLst>
+                                          <p:attrName>style.visibility</p:attrName>
+                                        </p:attrNameLst>
+                                      </p:cBhvr>
+                                      <p:to>
+                                        <p:strVal val="visible"/>
+                                      </p:to>
+                                    </p:set>
+                                    <p:animEffect transition="in" filter="fade">
+                                      <p:cBhvr>
+                                        <p:cTn id="12" dur="500"/>
+                                        <p:tgtEl>
+                                          <p:spTgt spid="3">
+                                            <p:txEl>
+                                              <p:pRg st="4" end="4"/>
+                                            </p:txEl>
+                                          </p:spTgt>
+                                        </p:tgtEl>
+                                      </p:cBhvr>
+                                    </p:animEffect>
+                                  </p:childTnLst>
+                                </p:cTn>
+                              </p:par>
+                            </p:childTnLst>
+                          </p:cTn>
+                        </p:par>
+                      </p:childTnLst>
+                    </p:cTn>
+                  </p:par>
+                  <p:par>
+                    <p:cTn id="13" fill="hold">
+                      <p:stCondLst>
+                        <p:cond delay="indefinite"/>
+                      </p:stCondLst>
+                      <p:childTnLst>
+                        <p:par>
+                          <p:cTn id="14" fill="hold">
+                            <p:stCondLst>
+                              <p:cond delay="0"/>
+                            </p:stCondLst>
+                            <p:childTnLst>
+                              <p:par>
+                                <p:cTn id="15" presetID="10" presetClass="entr" presetSubtype="0" fill="hold" nodeType="clickEffect">
+                                  <p:stCondLst>
+                                    <p:cond delay="0"/>
+                                  </p:stCondLst>
+                                  <p:childTnLst>
+                                    <p:set>
+                                      <p:cBhvr>
+                                        <p:cTn id="16" dur="1" fill="hold">
+                                          <p:stCondLst>
+                                            <p:cond delay="0"/>
+                                          </p:stCondLst>
+                                        </p:cTn>
+                                        <p:tgtEl>
+                                          <p:spTgt spid="3">
+                                            <p:txEl>
+                                              <p:pRg st="6" end="6"/>
+                                            </p:txEl>
+                                          </p:spTgt>
+                                        </p:tgtEl>
+                                        <p:attrNameLst>
+                                          <p:attrName>style.visibility</p:attrName>
+                                        </p:attrNameLst>
+                                      </p:cBhvr>
+                                      <p:to>
+                                        <p:strVal val="visible"/>
+                                      </p:to>
+                                    </p:set>
+                                    <p:animEffect transition="in" filter="fade">
+                                      <p:cBhvr>
+                                        <p:cTn id="17" dur="500"/>
+                                        <p:tgtEl>
+                                          <p:spTgt spid="3">
+                                            <p:txEl>
+                                              <p:pRg st="6" end="6"/>
+                                            </p:txEl>
+                                          </p:spTgt>
+                                        </p:tgtEl>
+                                      </p:cBhvr>
+                                    </p:animEffect>
+                                  </p:childTnLst>
+                                </p:cTn>
+                              </p:par>
+                              <p:par>
+                                <p:cTn id="18" presetID="1" presetClass="entr" presetSubtype="0" fill="hold" grpId="0" nodeType="withEffect">
+                                  <p:stCondLst>
+                                    <p:cond delay="0"/>
+                                  </p:stCondLst>
+                                  <p:childTnLst>
+                                    <p:set>
+                                      <p:cBhvr>
+                                        <p:cTn id="19" dur="1" fill="hold">
                                           <p:stCondLst>
                                             <p:cond delay="0"/>
                                           </p:stCondLst>
@@ -14796,6 +17845,58 @@
           </a:p>
         </p:txBody>
       </p:sp>
+      <p:sp>
+        <p:nvSpPr>
+          <p:cNvPr id="7" name="Rectangle 6">
+            <a:extLst>
+              <a:ext uri="{FF2B5EF4-FFF2-40B4-BE49-F238E27FC236}">
+                <a16:creationId xmlns:a16="http://schemas.microsoft.com/office/drawing/2014/main" id="{9647D5B8-F51C-D846-EEF8-0F7CC5E465B2}"/>
+              </a:ext>
+            </a:extLst>
+          </p:cNvPr>
+          <p:cNvSpPr/>
+          <p:nvPr/>
+        </p:nvSpPr>
+        <p:spPr>
+          <a:xfrm>
+            <a:off x="3648973" y="2285999"/>
+            <a:ext cx="1846053" cy="1052423"/>
+          </a:xfrm>
+          <a:prstGeom prst="rect">
+            <a:avLst/>
+          </a:prstGeom>
+          <a:noFill/>
+          <a:ln w="57150">
+            <a:solidFill>
+              <a:srgbClr val="FF0000"/>
+            </a:solidFill>
+          </a:ln>
+        </p:spPr>
+        <p:style>
+          <a:lnRef idx="2">
+            <a:schemeClr val="accent1">
+              <a:shade val="15000"/>
+            </a:schemeClr>
+          </a:lnRef>
+          <a:fillRef idx="1">
+            <a:schemeClr val="accent1"/>
+          </a:fillRef>
+          <a:effectRef idx="0">
+            <a:schemeClr val="accent1"/>
+          </a:effectRef>
+          <a:fontRef idx="minor">
+            <a:schemeClr val="lt1"/>
+          </a:fontRef>
+        </p:style>
+        <p:txBody>
+          <a:bodyPr rtlCol="0" anchor="ctr"/>
+          <a:lstStyle/>
+          <a:p>
+            <a:pPr algn="ctr"/>
+            <a:endParaRPr lang="en-US"/>
+          </a:p>
+        </p:txBody>
+      </p:sp>
     </p:spTree>
     <p:extLst>
       <p:ext uri="{BB962C8B-B14F-4D97-AF65-F5344CB8AC3E}">
@@ -14806,6 +17907,292 @@
   <p:clrMapOvr>
     <a:masterClrMapping/>
   </p:clrMapOvr>
+  <p:timing>
+    <p:tnLst>
+      <p:par>
+        <p:cTn id="1" dur="indefinite" restart="never" nodeType="tmRoot">
+          <p:childTnLst>
+            <p:seq concurrent="1" nextAc="seek">
+              <p:cTn id="2" dur="indefinite" nodeType="mainSeq">
+                <p:childTnLst>
+                  <p:par>
+                    <p:cTn id="3" fill="hold">
+                      <p:stCondLst>
+                        <p:cond delay="indefinite"/>
+                      </p:stCondLst>
+                      <p:childTnLst>
+                        <p:par>
+                          <p:cTn id="4" fill="hold">
+                            <p:stCondLst>
+                              <p:cond delay="0"/>
+                            </p:stCondLst>
+                            <p:childTnLst>
+                              <p:par>
+                                <p:cTn id="5" presetID="10" presetClass="entr" presetSubtype="0" fill="hold" nodeType="clickEffect">
+                                  <p:stCondLst>
+                                    <p:cond delay="0"/>
+                                  </p:stCondLst>
+                                  <p:childTnLst>
+                                    <p:set>
+                                      <p:cBhvr>
+                                        <p:cTn id="6" dur="1" fill="hold">
+                                          <p:stCondLst>
+                                            <p:cond delay="0"/>
+                                          </p:stCondLst>
+                                        </p:cTn>
+                                        <p:tgtEl>
+                                          <p:spTgt spid="3">
+                                            <p:txEl>
+                                              <p:pRg st="0" end="0"/>
+                                            </p:txEl>
+                                          </p:spTgt>
+                                        </p:tgtEl>
+                                        <p:attrNameLst>
+                                          <p:attrName>style.visibility</p:attrName>
+                                        </p:attrNameLst>
+                                      </p:cBhvr>
+                                      <p:to>
+                                        <p:strVal val="visible"/>
+                                      </p:to>
+                                    </p:set>
+                                    <p:animEffect transition="in" filter="fade">
+                                      <p:cBhvr>
+                                        <p:cTn id="7" dur="500"/>
+                                        <p:tgtEl>
+                                          <p:spTgt spid="3">
+                                            <p:txEl>
+                                              <p:pRg st="0" end="0"/>
+                                            </p:txEl>
+                                          </p:spTgt>
+                                        </p:tgtEl>
+                                      </p:cBhvr>
+                                    </p:animEffect>
+                                  </p:childTnLst>
+                                </p:cTn>
+                              </p:par>
+                              <p:par>
+                                <p:cTn id="8" presetID="10" presetClass="entr" presetSubtype="0" fill="hold" nodeType="withEffect">
+                                  <p:stCondLst>
+                                    <p:cond delay="0"/>
+                                  </p:stCondLst>
+                                  <p:childTnLst>
+                                    <p:set>
+                                      <p:cBhvr>
+                                        <p:cTn id="9" dur="1" fill="hold">
+                                          <p:stCondLst>
+                                            <p:cond delay="0"/>
+                                          </p:stCondLst>
+                                        </p:cTn>
+                                        <p:tgtEl>
+                                          <p:spTgt spid="3">
+                                            <p:txEl>
+                                              <p:pRg st="2" end="2"/>
+                                            </p:txEl>
+                                          </p:spTgt>
+                                        </p:tgtEl>
+                                        <p:attrNameLst>
+                                          <p:attrName>style.visibility</p:attrName>
+                                        </p:attrNameLst>
+                                      </p:cBhvr>
+                                      <p:to>
+                                        <p:strVal val="visible"/>
+                                      </p:to>
+                                    </p:set>
+                                    <p:animEffect transition="in" filter="fade">
+                                      <p:cBhvr>
+                                        <p:cTn id="10" dur="500"/>
+                                        <p:tgtEl>
+                                          <p:spTgt spid="3">
+                                            <p:txEl>
+                                              <p:pRg st="2" end="2"/>
+                                            </p:txEl>
+                                          </p:spTgt>
+                                        </p:tgtEl>
+                                      </p:cBhvr>
+                                    </p:animEffect>
+                                  </p:childTnLst>
+                                </p:cTn>
+                              </p:par>
+                              <p:par>
+                                <p:cTn id="11" presetID="1" presetClass="entr" presetSubtype="0" fill="hold" grpId="0" nodeType="withEffect">
+                                  <p:stCondLst>
+                                    <p:cond delay="0"/>
+                                  </p:stCondLst>
+                                  <p:childTnLst>
+                                    <p:set>
+                                      <p:cBhvr>
+                                        <p:cTn id="12" dur="1" fill="hold">
+                                          <p:stCondLst>
+                                            <p:cond delay="0"/>
+                                          </p:stCondLst>
+                                        </p:cTn>
+                                        <p:tgtEl>
+                                          <p:spTgt spid="7"/>
+                                        </p:tgtEl>
+                                        <p:attrNameLst>
+                                          <p:attrName>style.visibility</p:attrName>
+                                        </p:attrNameLst>
+                                      </p:cBhvr>
+                                      <p:to>
+                                        <p:strVal val="visible"/>
+                                      </p:to>
+                                    </p:set>
+                                  </p:childTnLst>
+                                </p:cTn>
+                              </p:par>
+                            </p:childTnLst>
+                          </p:cTn>
+                        </p:par>
+                      </p:childTnLst>
+                    </p:cTn>
+                  </p:par>
+                  <p:par>
+                    <p:cTn id="13" fill="hold">
+                      <p:stCondLst>
+                        <p:cond delay="indefinite"/>
+                      </p:stCondLst>
+                      <p:childTnLst>
+                        <p:par>
+                          <p:cTn id="14" fill="hold">
+                            <p:stCondLst>
+                              <p:cond delay="0"/>
+                            </p:stCondLst>
+                            <p:childTnLst>
+                              <p:par>
+                                <p:cTn id="15" presetID="10" presetClass="entr" presetSubtype="0" fill="hold" nodeType="clickEffect">
+                                  <p:stCondLst>
+                                    <p:cond delay="0"/>
+                                  </p:stCondLst>
+                                  <p:childTnLst>
+                                    <p:set>
+                                      <p:cBhvr>
+                                        <p:cTn id="16" dur="1" fill="hold">
+                                          <p:stCondLst>
+                                            <p:cond delay="0"/>
+                                          </p:stCondLst>
+                                        </p:cTn>
+                                        <p:tgtEl>
+                                          <p:spTgt spid="3">
+                                            <p:txEl>
+                                              <p:pRg st="4" end="4"/>
+                                            </p:txEl>
+                                          </p:spTgt>
+                                        </p:tgtEl>
+                                        <p:attrNameLst>
+                                          <p:attrName>style.visibility</p:attrName>
+                                        </p:attrNameLst>
+                                      </p:cBhvr>
+                                      <p:to>
+                                        <p:strVal val="visible"/>
+                                      </p:to>
+                                    </p:set>
+                                    <p:animEffect transition="in" filter="fade">
+                                      <p:cBhvr>
+                                        <p:cTn id="17" dur="500"/>
+                                        <p:tgtEl>
+                                          <p:spTgt spid="3">
+                                            <p:txEl>
+                                              <p:pRg st="4" end="4"/>
+                                            </p:txEl>
+                                          </p:spTgt>
+                                        </p:tgtEl>
+                                      </p:cBhvr>
+                                    </p:animEffect>
+                                  </p:childTnLst>
+                                </p:cTn>
+                              </p:par>
+                            </p:childTnLst>
+                          </p:cTn>
+                        </p:par>
+                      </p:childTnLst>
+                    </p:cTn>
+                  </p:par>
+                  <p:par>
+                    <p:cTn id="18" fill="hold">
+                      <p:stCondLst>
+                        <p:cond delay="indefinite"/>
+                      </p:stCondLst>
+                      <p:childTnLst>
+                        <p:par>
+                          <p:cTn id="19" fill="hold">
+                            <p:stCondLst>
+                              <p:cond delay="0"/>
+                            </p:stCondLst>
+                            <p:childTnLst>
+                              <p:par>
+                                <p:cTn id="20" presetID="10" presetClass="entr" presetSubtype="0" fill="hold" nodeType="clickEffect">
+                                  <p:stCondLst>
+                                    <p:cond delay="0"/>
+                                  </p:stCondLst>
+                                  <p:childTnLst>
+                                    <p:set>
+                                      <p:cBhvr>
+                                        <p:cTn id="21" dur="1" fill="hold">
+                                          <p:stCondLst>
+                                            <p:cond delay="0"/>
+                                          </p:stCondLst>
+                                        </p:cTn>
+                                        <p:tgtEl>
+                                          <p:spTgt spid="3">
+                                            <p:txEl>
+                                              <p:pRg st="6" end="6"/>
+                                            </p:txEl>
+                                          </p:spTgt>
+                                        </p:tgtEl>
+                                        <p:attrNameLst>
+                                          <p:attrName>style.visibility</p:attrName>
+                                        </p:attrNameLst>
+                                      </p:cBhvr>
+                                      <p:to>
+                                        <p:strVal val="visible"/>
+                                      </p:to>
+                                    </p:set>
+                                    <p:animEffect transition="in" filter="fade">
+                                      <p:cBhvr>
+                                        <p:cTn id="22" dur="500"/>
+                                        <p:tgtEl>
+                                          <p:spTgt spid="3">
+                                            <p:txEl>
+                                              <p:pRg st="6" end="6"/>
+                                            </p:txEl>
+                                          </p:spTgt>
+                                        </p:tgtEl>
+                                      </p:cBhvr>
+                                    </p:animEffect>
+                                  </p:childTnLst>
+                                </p:cTn>
+                              </p:par>
+                            </p:childTnLst>
+                          </p:cTn>
+                        </p:par>
+                      </p:childTnLst>
+                    </p:cTn>
+                  </p:par>
+                </p:childTnLst>
+              </p:cTn>
+              <p:prevCondLst>
+                <p:cond evt="onPrev" delay="0">
+                  <p:tgtEl>
+                    <p:sldTgt/>
+                  </p:tgtEl>
+                </p:cond>
+              </p:prevCondLst>
+              <p:nextCondLst>
+                <p:cond evt="onNext" delay="0">
+                  <p:tgtEl>
+                    <p:sldTgt/>
+                  </p:tgtEl>
+                </p:cond>
+              </p:nextCondLst>
+            </p:seq>
+          </p:childTnLst>
+        </p:cTn>
+      </p:par>
+    </p:tnLst>
+    <p:bldLst>
+      <p:bldP spid="7" grpId="0" animBg="1"/>
+    </p:bldLst>
+  </p:timing>
 </p:sld>
 </file>
 
@@ -15768,6 +19155,323 @@
   <p:clrMapOvr>
     <a:masterClrMapping/>
   </p:clrMapOvr>
+  <p:timing>
+    <p:tnLst>
+      <p:par>
+        <p:cTn id="1" dur="indefinite" restart="never" nodeType="tmRoot">
+          <p:childTnLst>
+            <p:seq concurrent="1" nextAc="seek">
+              <p:cTn id="2" dur="indefinite" nodeType="mainSeq">
+                <p:childTnLst>
+                  <p:par>
+                    <p:cTn id="3" fill="hold">
+                      <p:stCondLst>
+                        <p:cond delay="indefinite"/>
+                      </p:stCondLst>
+                      <p:childTnLst>
+                        <p:par>
+                          <p:cTn id="4" fill="hold">
+                            <p:stCondLst>
+                              <p:cond delay="0"/>
+                            </p:stCondLst>
+                            <p:childTnLst>
+                              <p:par>
+                                <p:cTn id="5" presetID="10" presetClass="entr" presetSubtype="0" fill="hold" nodeType="clickEffect">
+                                  <p:stCondLst>
+                                    <p:cond delay="0"/>
+                                  </p:stCondLst>
+                                  <p:childTnLst>
+                                    <p:set>
+                                      <p:cBhvr>
+                                        <p:cTn id="6" dur="1" fill="hold">
+                                          <p:stCondLst>
+                                            <p:cond delay="0"/>
+                                          </p:stCondLst>
+                                        </p:cTn>
+                                        <p:tgtEl>
+                                          <p:spTgt spid="3">
+                                            <p:txEl>
+                                              <p:pRg st="0" end="0"/>
+                                            </p:txEl>
+                                          </p:spTgt>
+                                        </p:tgtEl>
+                                        <p:attrNameLst>
+                                          <p:attrName>style.visibility</p:attrName>
+                                        </p:attrNameLst>
+                                      </p:cBhvr>
+                                      <p:to>
+                                        <p:strVal val="visible"/>
+                                      </p:to>
+                                    </p:set>
+                                    <p:animEffect transition="in" filter="fade">
+                                      <p:cBhvr>
+                                        <p:cTn id="7" dur="500"/>
+                                        <p:tgtEl>
+                                          <p:spTgt spid="3">
+                                            <p:txEl>
+                                              <p:pRg st="0" end="0"/>
+                                            </p:txEl>
+                                          </p:spTgt>
+                                        </p:tgtEl>
+                                      </p:cBhvr>
+                                    </p:animEffect>
+                                  </p:childTnLst>
+                                </p:cTn>
+                              </p:par>
+                              <p:par>
+                                <p:cTn id="8" presetID="10" presetClass="entr" presetSubtype="0" fill="hold" nodeType="withEffect">
+                                  <p:stCondLst>
+                                    <p:cond delay="0"/>
+                                  </p:stCondLst>
+                                  <p:childTnLst>
+                                    <p:set>
+                                      <p:cBhvr>
+                                        <p:cTn id="9" dur="1" fill="hold">
+                                          <p:stCondLst>
+                                            <p:cond delay="0"/>
+                                          </p:stCondLst>
+                                        </p:cTn>
+                                        <p:tgtEl>
+                                          <p:spTgt spid="3">
+                                            <p:txEl>
+                                              <p:pRg st="2" end="2"/>
+                                            </p:txEl>
+                                          </p:spTgt>
+                                        </p:tgtEl>
+                                        <p:attrNameLst>
+                                          <p:attrName>style.visibility</p:attrName>
+                                        </p:attrNameLst>
+                                      </p:cBhvr>
+                                      <p:to>
+                                        <p:strVal val="visible"/>
+                                      </p:to>
+                                    </p:set>
+                                    <p:animEffect transition="in" filter="fade">
+                                      <p:cBhvr>
+                                        <p:cTn id="10" dur="500"/>
+                                        <p:tgtEl>
+                                          <p:spTgt spid="3">
+                                            <p:txEl>
+                                              <p:pRg st="2" end="2"/>
+                                            </p:txEl>
+                                          </p:spTgt>
+                                        </p:tgtEl>
+                                      </p:cBhvr>
+                                    </p:animEffect>
+                                  </p:childTnLst>
+                                </p:cTn>
+                              </p:par>
+                            </p:childTnLst>
+                          </p:cTn>
+                        </p:par>
+                      </p:childTnLst>
+                    </p:cTn>
+                  </p:par>
+                  <p:par>
+                    <p:cTn id="11" fill="hold">
+                      <p:stCondLst>
+                        <p:cond delay="indefinite"/>
+                      </p:stCondLst>
+                      <p:childTnLst>
+                        <p:par>
+                          <p:cTn id="12" fill="hold">
+                            <p:stCondLst>
+                              <p:cond delay="0"/>
+                            </p:stCondLst>
+                            <p:childTnLst>
+                              <p:par>
+                                <p:cTn id="13" presetID="10" presetClass="entr" presetSubtype="0" fill="hold" nodeType="clickEffect">
+                                  <p:stCondLst>
+                                    <p:cond delay="0"/>
+                                  </p:stCondLst>
+                                  <p:childTnLst>
+                                    <p:set>
+                                      <p:cBhvr>
+                                        <p:cTn id="14" dur="1" fill="hold">
+                                          <p:stCondLst>
+                                            <p:cond delay="0"/>
+                                          </p:stCondLst>
+                                        </p:cTn>
+                                        <p:tgtEl>
+                                          <p:spTgt spid="3">
+                                            <p:txEl>
+                                              <p:pRg st="4" end="4"/>
+                                            </p:txEl>
+                                          </p:spTgt>
+                                        </p:tgtEl>
+                                        <p:attrNameLst>
+                                          <p:attrName>style.visibility</p:attrName>
+                                        </p:attrNameLst>
+                                      </p:cBhvr>
+                                      <p:to>
+                                        <p:strVal val="visible"/>
+                                      </p:to>
+                                    </p:set>
+                                    <p:animEffect transition="in" filter="fade">
+                                      <p:cBhvr>
+                                        <p:cTn id="15" dur="500"/>
+                                        <p:tgtEl>
+                                          <p:spTgt spid="3">
+                                            <p:txEl>
+                                              <p:pRg st="4" end="4"/>
+                                            </p:txEl>
+                                          </p:spTgt>
+                                        </p:tgtEl>
+                                      </p:cBhvr>
+                                    </p:animEffect>
+                                  </p:childTnLst>
+                                </p:cTn>
+                              </p:par>
+                            </p:childTnLst>
+                          </p:cTn>
+                        </p:par>
+                      </p:childTnLst>
+                    </p:cTn>
+                  </p:par>
+                  <p:par>
+                    <p:cTn id="16" fill="hold">
+                      <p:stCondLst>
+                        <p:cond delay="indefinite"/>
+                      </p:stCondLst>
+                      <p:childTnLst>
+                        <p:par>
+                          <p:cTn id="17" fill="hold">
+                            <p:stCondLst>
+                              <p:cond delay="0"/>
+                            </p:stCondLst>
+                            <p:childTnLst>
+                              <p:par>
+                                <p:cTn id="18" presetID="10" presetClass="entr" presetSubtype="0" fill="hold" nodeType="clickEffect">
+                                  <p:stCondLst>
+                                    <p:cond delay="0"/>
+                                  </p:stCondLst>
+                                  <p:childTnLst>
+                                    <p:set>
+                                      <p:cBhvr>
+                                        <p:cTn id="19" dur="1" fill="hold">
+                                          <p:stCondLst>
+                                            <p:cond delay="0"/>
+                                          </p:stCondLst>
+                                        </p:cTn>
+                                        <p:tgtEl>
+                                          <p:spTgt spid="3">
+                                            <p:txEl>
+                                              <p:pRg st="6" end="6"/>
+                                            </p:txEl>
+                                          </p:spTgt>
+                                        </p:tgtEl>
+                                        <p:attrNameLst>
+                                          <p:attrName>style.visibility</p:attrName>
+                                        </p:attrNameLst>
+                                      </p:cBhvr>
+                                      <p:to>
+                                        <p:strVal val="visible"/>
+                                      </p:to>
+                                    </p:set>
+                                    <p:animEffect transition="in" filter="fade">
+                                      <p:cBhvr>
+                                        <p:cTn id="20" dur="500"/>
+                                        <p:tgtEl>
+                                          <p:spTgt spid="3">
+                                            <p:txEl>
+                                              <p:pRg st="6" end="6"/>
+                                            </p:txEl>
+                                          </p:spTgt>
+                                        </p:tgtEl>
+                                      </p:cBhvr>
+                                    </p:animEffect>
+                                  </p:childTnLst>
+                                </p:cTn>
+                              </p:par>
+                            </p:childTnLst>
+                          </p:cTn>
+                        </p:par>
+                      </p:childTnLst>
+                    </p:cTn>
+                  </p:par>
+                  <p:par>
+                    <p:cTn id="21" fill="hold">
+                      <p:stCondLst>
+                        <p:cond delay="indefinite"/>
+                      </p:stCondLst>
+                      <p:childTnLst>
+                        <p:par>
+                          <p:cTn id="22" fill="hold">
+                            <p:stCondLst>
+                              <p:cond delay="0"/>
+                            </p:stCondLst>
+                            <p:childTnLst>
+                              <p:par>
+                                <p:cTn id="23" presetID="10" presetClass="entr" presetSubtype="0" fill="hold" nodeType="clickEffect">
+                                  <p:stCondLst>
+                                    <p:cond delay="0"/>
+                                  </p:stCondLst>
+                                  <p:childTnLst>
+                                    <p:set>
+                                      <p:cBhvr>
+                                        <p:cTn id="24" dur="1" fill="hold">
+                                          <p:stCondLst>
+                                            <p:cond delay="0"/>
+                                          </p:stCondLst>
+                                        </p:cTn>
+                                        <p:tgtEl>
+                                          <p:spTgt spid="3">
+                                            <p:txEl>
+                                              <p:pRg st="8" end="8"/>
+                                            </p:txEl>
+                                          </p:spTgt>
+                                        </p:tgtEl>
+                                        <p:attrNameLst>
+                                          <p:attrName>style.visibility</p:attrName>
+                                        </p:attrNameLst>
+                                      </p:cBhvr>
+                                      <p:to>
+                                        <p:strVal val="visible"/>
+                                      </p:to>
+                                    </p:set>
+                                    <p:animEffect transition="in" filter="fade">
+                                      <p:cBhvr>
+                                        <p:cTn id="25" dur="500"/>
+                                        <p:tgtEl>
+                                          <p:spTgt spid="3">
+                                            <p:txEl>
+                                              <p:pRg st="8" end="8"/>
+                                            </p:txEl>
+                                          </p:spTgt>
+                                        </p:tgtEl>
+                                      </p:cBhvr>
+                                    </p:animEffect>
+                                  </p:childTnLst>
+                                </p:cTn>
+                              </p:par>
+                            </p:childTnLst>
+                          </p:cTn>
+                        </p:par>
+                      </p:childTnLst>
+                    </p:cTn>
+                  </p:par>
+                </p:childTnLst>
+              </p:cTn>
+              <p:prevCondLst>
+                <p:cond evt="onPrev" delay="0">
+                  <p:tgtEl>
+                    <p:sldTgt/>
+                  </p:tgtEl>
+                </p:cond>
+              </p:prevCondLst>
+              <p:nextCondLst>
+                <p:cond evt="onNext" delay="0">
+                  <p:tgtEl>
+                    <p:sldTgt/>
+                  </p:tgtEl>
+                </p:cond>
+              </p:nextCondLst>
+            </p:seq>
+          </p:childTnLst>
+        </p:cTn>
+      </p:par>
+    </p:tnLst>
+  </p:timing>
 </p:sld>
 </file>
 
@@ -16730,6 +20434,323 @@
   <p:clrMapOvr>
     <a:masterClrMapping/>
   </p:clrMapOvr>
+  <p:timing>
+    <p:tnLst>
+      <p:par>
+        <p:cTn id="1" dur="indefinite" restart="never" nodeType="tmRoot">
+          <p:childTnLst>
+            <p:seq concurrent="1" nextAc="seek">
+              <p:cTn id="2" dur="indefinite" nodeType="mainSeq">
+                <p:childTnLst>
+                  <p:par>
+                    <p:cTn id="3" fill="hold">
+                      <p:stCondLst>
+                        <p:cond delay="indefinite"/>
+                      </p:stCondLst>
+                      <p:childTnLst>
+                        <p:par>
+                          <p:cTn id="4" fill="hold">
+                            <p:stCondLst>
+                              <p:cond delay="0"/>
+                            </p:stCondLst>
+                            <p:childTnLst>
+                              <p:par>
+                                <p:cTn id="5" presetID="10" presetClass="entr" presetSubtype="0" fill="hold" nodeType="clickEffect">
+                                  <p:stCondLst>
+                                    <p:cond delay="0"/>
+                                  </p:stCondLst>
+                                  <p:childTnLst>
+                                    <p:set>
+                                      <p:cBhvr>
+                                        <p:cTn id="6" dur="1" fill="hold">
+                                          <p:stCondLst>
+                                            <p:cond delay="0"/>
+                                          </p:stCondLst>
+                                        </p:cTn>
+                                        <p:tgtEl>
+                                          <p:spTgt spid="3">
+                                            <p:txEl>
+                                              <p:pRg st="0" end="0"/>
+                                            </p:txEl>
+                                          </p:spTgt>
+                                        </p:tgtEl>
+                                        <p:attrNameLst>
+                                          <p:attrName>style.visibility</p:attrName>
+                                        </p:attrNameLst>
+                                      </p:cBhvr>
+                                      <p:to>
+                                        <p:strVal val="visible"/>
+                                      </p:to>
+                                    </p:set>
+                                    <p:animEffect transition="in" filter="fade">
+                                      <p:cBhvr>
+                                        <p:cTn id="7" dur="500"/>
+                                        <p:tgtEl>
+                                          <p:spTgt spid="3">
+                                            <p:txEl>
+                                              <p:pRg st="0" end="0"/>
+                                            </p:txEl>
+                                          </p:spTgt>
+                                        </p:tgtEl>
+                                      </p:cBhvr>
+                                    </p:animEffect>
+                                  </p:childTnLst>
+                                </p:cTn>
+                              </p:par>
+                              <p:par>
+                                <p:cTn id="8" presetID="10" presetClass="entr" presetSubtype="0" fill="hold" nodeType="withEffect">
+                                  <p:stCondLst>
+                                    <p:cond delay="0"/>
+                                  </p:stCondLst>
+                                  <p:childTnLst>
+                                    <p:set>
+                                      <p:cBhvr>
+                                        <p:cTn id="9" dur="1" fill="hold">
+                                          <p:stCondLst>
+                                            <p:cond delay="0"/>
+                                          </p:stCondLst>
+                                        </p:cTn>
+                                        <p:tgtEl>
+                                          <p:spTgt spid="3">
+                                            <p:txEl>
+                                              <p:pRg st="2" end="2"/>
+                                            </p:txEl>
+                                          </p:spTgt>
+                                        </p:tgtEl>
+                                        <p:attrNameLst>
+                                          <p:attrName>style.visibility</p:attrName>
+                                        </p:attrNameLst>
+                                      </p:cBhvr>
+                                      <p:to>
+                                        <p:strVal val="visible"/>
+                                      </p:to>
+                                    </p:set>
+                                    <p:animEffect transition="in" filter="fade">
+                                      <p:cBhvr>
+                                        <p:cTn id="10" dur="500"/>
+                                        <p:tgtEl>
+                                          <p:spTgt spid="3">
+                                            <p:txEl>
+                                              <p:pRg st="2" end="2"/>
+                                            </p:txEl>
+                                          </p:spTgt>
+                                        </p:tgtEl>
+                                      </p:cBhvr>
+                                    </p:animEffect>
+                                  </p:childTnLst>
+                                </p:cTn>
+                              </p:par>
+                            </p:childTnLst>
+                          </p:cTn>
+                        </p:par>
+                      </p:childTnLst>
+                    </p:cTn>
+                  </p:par>
+                  <p:par>
+                    <p:cTn id="11" fill="hold">
+                      <p:stCondLst>
+                        <p:cond delay="indefinite"/>
+                      </p:stCondLst>
+                      <p:childTnLst>
+                        <p:par>
+                          <p:cTn id="12" fill="hold">
+                            <p:stCondLst>
+                              <p:cond delay="0"/>
+                            </p:stCondLst>
+                            <p:childTnLst>
+                              <p:par>
+                                <p:cTn id="13" presetID="10" presetClass="entr" presetSubtype="0" fill="hold" nodeType="clickEffect">
+                                  <p:stCondLst>
+                                    <p:cond delay="0"/>
+                                  </p:stCondLst>
+                                  <p:childTnLst>
+                                    <p:set>
+                                      <p:cBhvr>
+                                        <p:cTn id="14" dur="1" fill="hold">
+                                          <p:stCondLst>
+                                            <p:cond delay="0"/>
+                                          </p:stCondLst>
+                                        </p:cTn>
+                                        <p:tgtEl>
+                                          <p:spTgt spid="3">
+                                            <p:txEl>
+                                              <p:pRg st="4" end="4"/>
+                                            </p:txEl>
+                                          </p:spTgt>
+                                        </p:tgtEl>
+                                        <p:attrNameLst>
+                                          <p:attrName>style.visibility</p:attrName>
+                                        </p:attrNameLst>
+                                      </p:cBhvr>
+                                      <p:to>
+                                        <p:strVal val="visible"/>
+                                      </p:to>
+                                    </p:set>
+                                    <p:animEffect transition="in" filter="fade">
+                                      <p:cBhvr>
+                                        <p:cTn id="15" dur="500"/>
+                                        <p:tgtEl>
+                                          <p:spTgt spid="3">
+                                            <p:txEl>
+                                              <p:pRg st="4" end="4"/>
+                                            </p:txEl>
+                                          </p:spTgt>
+                                        </p:tgtEl>
+                                      </p:cBhvr>
+                                    </p:animEffect>
+                                  </p:childTnLst>
+                                </p:cTn>
+                              </p:par>
+                            </p:childTnLst>
+                          </p:cTn>
+                        </p:par>
+                      </p:childTnLst>
+                    </p:cTn>
+                  </p:par>
+                  <p:par>
+                    <p:cTn id="16" fill="hold">
+                      <p:stCondLst>
+                        <p:cond delay="indefinite"/>
+                      </p:stCondLst>
+                      <p:childTnLst>
+                        <p:par>
+                          <p:cTn id="17" fill="hold">
+                            <p:stCondLst>
+                              <p:cond delay="0"/>
+                            </p:stCondLst>
+                            <p:childTnLst>
+                              <p:par>
+                                <p:cTn id="18" presetID="10" presetClass="entr" presetSubtype="0" fill="hold" nodeType="clickEffect">
+                                  <p:stCondLst>
+                                    <p:cond delay="0"/>
+                                  </p:stCondLst>
+                                  <p:childTnLst>
+                                    <p:set>
+                                      <p:cBhvr>
+                                        <p:cTn id="19" dur="1" fill="hold">
+                                          <p:stCondLst>
+                                            <p:cond delay="0"/>
+                                          </p:stCondLst>
+                                        </p:cTn>
+                                        <p:tgtEl>
+                                          <p:spTgt spid="3">
+                                            <p:txEl>
+                                              <p:pRg st="6" end="6"/>
+                                            </p:txEl>
+                                          </p:spTgt>
+                                        </p:tgtEl>
+                                        <p:attrNameLst>
+                                          <p:attrName>style.visibility</p:attrName>
+                                        </p:attrNameLst>
+                                      </p:cBhvr>
+                                      <p:to>
+                                        <p:strVal val="visible"/>
+                                      </p:to>
+                                    </p:set>
+                                    <p:animEffect transition="in" filter="fade">
+                                      <p:cBhvr>
+                                        <p:cTn id="20" dur="500"/>
+                                        <p:tgtEl>
+                                          <p:spTgt spid="3">
+                                            <p:txEl>
+                                              <p:pRg st="6" end="6"/>
+                                            </p:txEl>
+                                          </p:spTgt>
+                                        </p:tgtEl>
+                                      </p:cBhvr>
+                                    </p:animEffect>
+                                  </p:childTnLst>
+                                </p:cTn>
+                              </p:par>
+                            </p:childTnLst>
+                          </p:cTn>
+                        </p:par>
+                      </p:childTnLst>
+                    </p:cTn>
+                  </p:par>
+                  <p:par>
+                    <p:cTn id="21" fill="hold">
+                      <p:stCondLst>
+                        <p:cond delay="indefinite"/>
+                      </p:stCondLst>
+                      <p:childTnLst>
+                        <p:par>
+                          <p:cTn id="22" fill="hold">
+                            <p:stCondLst>
+                              <p:cond delay="0"/>
+                            </p:stCondLst>
+                            <p:childTnLst>
+                              <p:par>
+                                <p:cTn id="23" presetID="10" presetClass="entr" presetSubtype="0" fill="hold" nodeType="clickEffect">
+                                  <p:stCondLst>
+                                    <p:cond delay="0"/>
+                                  </p:stCondLst>
+                                  <p:childTnLst>
+                                    <p:set>
+                                      <p:cBhvr>
+                                        <p:cTn id="24" dur="1" fill="hold">
+                                          <p:stCondLst>
+                                            <p:cond delay="0"/>
+                                          </p:stCondLst>
+                                        </p:cTn>
+                                        <p:tgtEl>
+                                          <p:spTgt spid="3">
+                                            <p:txEl>
+                                              <p:pRg st="8" end="8"/>
+                                            </p:txEl>
+                                          </p:spTgt>
+                                        </p:tgtEl>
+                                        <p:attrNameLst>
+                                          <p:attrName>style.visibility</p:attrName>
+                                        </p:attrNameLst>
+                                      </p:cBhvr>
+                                      <p:to>
+                                        <p:strVal val="visible"/>
+                                      </p:to>
+                                    </p:set>
+                                    <p:animEffect transition="in" filter="fade">
+                                      <p:cBhvr>
+                                        <p:cTn id="25" dur="500"/>
+                                        <p:tgtEl>
+                                          <p:spTgt spid="3">
+                                            <p:txEl>
+                                              <p:pRg st="8" end="8"/>
+                                            </p:txEl>
+                                          </p:spTgt>
+                                        </p:tgtEl>
+                                      </p:cBhvr>
+                                    </p:animEffect>
+                                  </p:childTnLst>
+                                </p:cTn>
+                              </p:par>
+                            </p:childTnLst>
+                          </p:cTn>
+                        </p:par>
+                      </p:childTnLst>
+                    </p:cTn>
+                  </p:par>
+                </p:childTnLst>
+              </p:cTn>
+              <p:prevCondLst>
+                <p:cond evt="onPrev" delay="0">
+                  <p:tgtEl>
+                    <p:sldTgt/>
+                  </p:tgtEl>
+                </p:cond>
+              </p:prevCondLst>
+              <p:nextCondLst>
+                <p:cond evt="onNext" delay="0">
+                  <p:tgtEl>
+                    <p:sldTgt/>
+                  </p:tgtEl>
+                </p:cond>
+              </p:nextCondLst>
+            </p:seq>
+          </p:childTnLst>
+        </p:cTn>
+      </p:par>
+    </p:tnLst>
+  </p:timing>
 </p:sld>
 </file>
 
@@ -16778,8 +20799,8 @@
           </a:p>
         </p:txBody>
       </p:sp>
-      <mc:AlternateContent xmlns:mc="http://schemas.openxmlformats.org/markup-compatibility/2006">
-        <mc:Choice xmlns:a14="http://schemas.microsoft.com/office/drawing/2010/main" Requires="a14">
+      <mc:AlternateContent xmlns:mc="http://schemas.openxmlformats.org/markup-compatibility/2006" xmlns:a14="http://schemas.microsoft.com/office/drawing/2010/main">
+        <mc:Choice Requires="a14">
           <p:sp>
             <p:nvSpPr>
               <p:cNvPr id="3" name="Content Placeholder 2">
@@ -17188,7 +21209,7 @@
             </p:txBody>
           </p:sp>
         </mc:Choice>
-        <mc:Fallback>
+        <mc:Fallback xmlns="">
           <p:sp>
             <p:nvSpPr>
               <p:cNvPr id="3" name="Content Placeholder 2">
@@ -18062,8 +22083,8 @@
           </a:p>
         </p:txBody>
       </p:sp>
-      <mc:AlternateContent xmlns:mc="http://schemas.openxmlformats.org/markup-compatibility/2006" xmlns:a14="http://schemas.microsoft.com/office/drawing/2010/main">
-        <mc:Choice Requires="a14">
+      <mc:AlternateContent xmlns:mc="http://schemas.openxmlformats.org/markup-compatibility/2006">
+        <mc:Choice xmlns:a14="http://schemas.microsoft.com/office/drawing/2010/main" Requires="a14">
           <p:sp>
             <p:nvSpPr>
               <p:cNvPr id="3" name="Content Placeholder 2">
@@ -18359,13 +22380,25 @@
               <a:p>
                 <a:r>
                   <a:rPr lang="en-US" dirty="0"/>
-                  <a:t>For this lecture slide, anything in purple will not be on the exam!</a:t>
+                  <a:t>For this lecture slide, anything in </a:t>
+                </a:r>
+                <a:r>
+                  <a:rPr lang="en-US" dirty="0">
+                    <a:solidFill>
+                      <a:srgbClr val="9C5BCD"/>
+                    </a:solidFill>
+                  </a:rPr>
+                  <a:t>purple</a:t>
+                </a:r>
+                <a:r>
+                  <a:rPr lang="en-US" dirty="0"/>
+                  <a:t> will not be on the exam!</a:t>
                 </a:r>
               </a:p>
             </p:txBody>
           </p:sp>
         </mc:Choice>
-        <mc:Fallback xmlns="">
+        <mc:Fallback>
           <p:sp>
             <p:nvSpPr>
               <p:cNvPr id="3" name="Content Placeholder 2">
@@ -18502,6 +22535,305 @@
   <p:clrMapOvr>
     <a:masterClrMapping/>
   </p:clrMapOvr>
+  <p:timing>
+    <p:tnLst>
+      <p:par>
+        <p:cTn id="1" dur="indefinite" restart="never" nodeType="tmRoot">
+          <p:childTnLst>
+            <p:seq concurrent="1" nextAc="seek">
+              <p:cTn id="2" dur="indefinite" nodeType="mainSeq">
+                <p:childTnLst>
+                  <p:par>
+                    <p:cTn id="3" fill="hold">
+                      <p:stCondLst>
+                        <p:cond delay="indefinite"/>
+                      </p:stCondLst>
+                      <p:childTnLst>
+                        <p:par>
+                          <p:cTn id="4" fill="hold">
+                            <p:stCondLst>
+                              <p:cond delay="0"/>
+                            </p:stCondLst>
+                            <p:childTnLst>
+                              <p:par>
+                                <p:cTn id="5" presetID="10" presetClass="entr" presetSubtype="0" fill="hold" nodeType="clickEffect">
+                                  <p:stCondLst>
+                                    <p:cond delay="0"/>
+                                  </p:stCondLst>
+                                  <p:childTnLst>
+                                    <p:set>
+                                      <p:cBhvr>
+                                        <p:cTn id="6" dur="1" fill="hold">
+                                          <p:stCondLst>
+                                            <p:cond delay="0"/>
+                                          </p:stCondLst>
+                                        </p:cTn>
+                                        <p:tgtEl>
+                                          <p:spTgt spid="3">
+                                            <p:txEl>
+                                              <p:pRg st="0" end="0"/>
+                                            </p:txEl>
+                                          </p:spTgt>
+                                        </p:tgtEl>
+                                        <p:attrNameLst>
+                                          <p:attrName>style.visibility</p:attrName>
+                                        </p:attrNameLst>
+                                      </p:cBhvr>
+                                      <p:to>
+                                        <p:strVal val="visible"/>
+                                      </p:to>
+                                    </p:set>
+                                    <p:animEffect transition="in" filter="fade">
+                                      <p:cBhvr>
+                                        <p:cTn id="7" dur="500"/>
+                                        <p:tgtEl>
+                                          <p:spTgt spid="3">
+                                            <p:txEl>
+                                              <p:pRg st="0" end="0"/>
+                                            </p:txEl>
+                                          </p:spTgt>
+                                        </p:tgtEl>
+                                      </p:cBhvr>
+                                    </p:animEffect>
+                                  </p:childTnLst>
+                                </p:cTn>
+                              </p:par>
+                              <p:par>
+                                <p:cTn id="8" presetID="10" presetClass="entr" presetSubtype="0" fill="hold" nodeType="withEffect">
+                                  <p:stCondLst>
+                                    <p:cond delay="0"/>
+                                  </p:stCondLst>
+                                  <p:childTnLst>
+                                    <p:set>
+                                      <p:cBhvr>
+                                        <p:cTn id="9" dur="1" fill="hold">
+                                          <p:stCondLst>
+                                            <p:cond delay="0"/>
+                                          </p:stCondLst>
+                                        </p:cTn>
+                                        <p:tgtEl>
+                                          <p:spTgt spid="3">
+                                            <p:txEl>
+                                              <p:pRg st="2" end="2"/>
+                                            </p:txEl>
+                                          </p:spTgt>
+                                        </p:tgtEl>
+                                        <p:attrNameLst>
+                                          <p:attrName>style.visibility</p:attrName>
+                                        </p:attrNameLst>
+                                      </p:cBhvr>
+                                      <p:to>
+                                        <p:strVal val="visible"/>
+                                      </p:to>
+                                    </p:set>
+                                    <p:animEffect transition="in" filter="fade">
+                                      <p:cBhvr>
+                                        <p:cTn id="10" dur="500"/>
+                                        <p:tgtEl>
+                                          <p:spTgt spid="3">
+                                            <p:txEl>
+                                              <p:pRg st="2" end="2"/>
+                                            </p:txEl>
+                                          </p:spTgt>
+                                        </p:tgtEl>
+                                      </p:cBhvr>
+                                    </p:animEffect>
+                                  </p:childTnLst>
+                                </p:cTn>
+                              </p:par>
+                              <p:par>
+                                <p:cTn id="11" presetID="10" presetClass="entr" presetSubtype="0" fill="hold" nodeType="withEffect">
+                                  <p:stCondLst>
+                                    <p:cond delay="0"/>
+                                  </p:stCondLst>
+                                  <p:childTnLst>
+                                    <p:set>
+                                      <p:cBhvr>
+                                        <p:cTn id="12" dur="1" fill="hold">
+                                          <p:stCondLst>
+                                            <p:cond delay="0"/>
+                                          </p:stCondLst>
+                                        </p:cTn>
+                                        <p:tgtEl>
+                                          <p:spTgt spid="3">
+                                            <p:txEl>
+                                              <p:pRg st="4" end="4"/>
+                                            </p:txEl>
+                                          </p:spTgt>
+                                        </p:tgtEl>
+                                        <p:attrNameLst>
+                                          <p:attrName>style.visibility</p:attrName>
+                                        </p:attrNameLst>
+                                      </p:cBhvr>
+                                      <p:to>
+                                        <p:strVal val="visible"/>
+                                      </p:to>
+                                    </p:set>
+                                    <p:animEffect transition="in" filter="fade">
+                                      <p:cBhvr>
+                                        <p:cTn id="13" dur="500"/>
+                                        <p:tgtEl>
+                                          <p:spTgt spid="3">
+                                            <p:txEl>
+                                              <p:pRg st="4" end="4"/>
+                                            </p:txEl>
+                                          </p:spTgt>
+                                        </p:tgtEl>
+                                      </p:cBhvr>
+                                    </p:animEffect>
+                                  </p:childTnLst>
+                                </p:cTn>
+                              </p:par>
+                            </p:childTnLst>
+                          </p:cTn>
+                        </p:par>
+                      </p:childTnLst>
+                    </p:cTn>
+                  </p:par>
+                  <p:par>
+                    <p:cTn id="14" fill="hold">
+                      <p:stCondLst>
+                        <p:cond delay="indefinite"/>
+                      </p:stCondLst>
+                      <p:childTnLst>
+                        <p:par>
+                          <p:cTn id="15" fill="hold">
+                            <p:stCondLst>
+                              <p:cond delay="0"/>
+                            </p:stCondLst>
+                            <p:childTnLst>
+                              <p:par>
+                                <p:cTn id="16" presetID="10" presetClass="entr" presetSubtype="0" fill="hold" nodeType="clickEffect">
+                                  <p:stCondLst>
+                                    <p:cond delay="0"/>
+                                  </p:stCondLst>
+                                  <p:childTnLst>
+                                    <p:set>
+                                      <p:cBhvr>
+                                        <p:cTn id="17" dur="1" fill="hold">
+                                          <p:stCondLst>
+                                            <p:cond delay="0"/>
+                                          </p:stCondLst>
+                                        </p:cTn>
+                                        <p:tgtEl>
+                                          <p:spTgt spid="3">
+                                            <p:txEl>
+                                              <p:pRg st="6" end="6"/>
+                                            </p:txEl>
+                                          </p:spTgt>
+                                        </p:tgtEl>
+                                        <p:attrNameLst>
+                                          <p:attrName>style.visibility</p:attrName>
+                                        </p:attrNameLst>
+                                      </p:cBhvr>
+                                      <p:to>
+                                        <p:strVal val="visible"/>
+                                      </p:to>
+                                    </p:set>
+                                    <p:animEffect transition="in" filter="fade">
+                                      <p:cBhvr>
+                                        <p:cTn id="18" dur="500"/>
+                                        <p:tgtEl>
+                                          <p:spTgt spid="3">
+                                            <p:txEl>
+                                              <p:pRg st="6" end="6"/>
+                                            </p:txEl>
+                                          </p:spTgt>
+                                        </p:tgtEl>
+                                      </p:cBhvr>
+                                    </p:animEffect>
+                                  </p:childTnLst>
+                                </p:cTn>
+                              </p:par>
+                            </p:childTnLst>
+                          </p:cTn>
+                        </p:par>
+                      </p:childTnLst>
+                    </p:cTn>
+                  </p:par>
+                  <p:par>
+                    <p:cTn id="19" fill="hold">
+                      <p:stCondLst>
+                        <p:cond delay="indefinite"/>
+                      </p:stCondLst>
+                      <p:childTnLst>
+                        <p:par>
+                          <p:cTn id="20" fill="hold">
+                            <p:stCondLst>
+                              <p:cond delay="0"/>
+                            </p:stCondLst>
+                            <p:childTnLst>
+                              <p:par>
+                                <p:cTn id="21" presetID="10" presetClass="entr" presetSubtype="0" fill="hold" nodeType="clickEffect">
+                                  <p:stCondLst>
+                                    <p:cond delay="0"/>
+                                  </p:stCondLst>
+                                  <p:childTnLst>
+                                    <p:set>
+                                      <p:cBhvr>
+                                        <p:cTn id="22" dur="1" fill="hold">
+                                          <p:stCondLst>
+                                            <p:cond delay="0"/>
+                                          </p:stCondLst>
+                                        </p:cTn>
+                                        <p:tgtEl>
+                                          <p:spTgt spid="3">
+                                            <p:txEl>
+                                              <p:pRg st="8" end="8"/>
+                                            </p:txEl>
+                                          </p:spTgt>
+                                        </p:tgtEl>
+                                        <p:attrNameLst>
+                                          <p:attrName>style.visibility</p:attrName>
+                                        </p:attrNameLst>
+                                      </p:cBhvr>
+                                      <p:to>
+                                        <p:strVal val="visible"/>
+                                      </p:to>
+                                    </p:set>
+                                    <p:animEffect transition="in" filter="fade">
+                                      <p:cBhvr>
+                                        <p:cTn id="23" dur="500"/>
+                                        <p:tgtEl>
+                                          <p:spTgt spid="3">
+                                            <p:txEl>
+                                              <p:pRg st="8" end="8"/>
+                                            </p:txEl>
+                                          </p:spTgt>
+                                        </p:tgtEl>
+                                      </p:cBhvr>
+                                    </p:animEffect>
+                                  </p:childTnLst>
+                                </p:cTn>
+                              </p:par>
+                            </p:childTnLst>
+                          </p:cTn>
+                        </p:par>
+                      </p:childTnLst>
+                    </p:cTn>
+                  </p:par>
+                </p:childTnLst>
+              </p:cTn>
+              <p:prevCondLst>
+                <p:cond evt="onPrev" delay="0">
+                  <p:tgtEl>
+                    <p:sldTgt/>
+                  </p:tgtEl>
+                </p:cond>
+              </p:prevCondLst>
+              <p:nextCondLst>
+                <p:cond evt="onNext" delay="0">
+                  <p:tgtEl>
+                    <p:sldTgt/>
+                  </p:tgtEl>
+                </p:cond>
+              </p:nextCondLst>
+            </p:seq>
+          </p:childTnLst>
+        </p:cTn>
+      </p:par>
+    </p:tnLst>
+  </p:timing>
 </p:sld>
 </file>
 
@@ -20391,6 +24723,384 @@
   <p:clrMapOvr>
     <a:masterClrMapping/>
   </p:clrMapOvr>
+  <p:timing>
+    <p:tnLst>
+      <p:par>
+        <p:cTn id="1" dur="indefinite" restart="never" nodeType="tmRoot">
+          <p:childTnLst>
+            <p:seq concurrent="1" nextAc="seek">
+              <p:cTn id="2" dur="indefinite" nodeType="mainSeq">
+                <p:childTnLst>
+                  <p:par>
+                    <p:cTn id="3" fill="hold">
+                      <p:stCondLst>
+                        <p:cond delay="indefinite"/>
+                      </p:stCondLst>
+                      <p:childTnLst>
+                        <p:par>
+                          <p:cTn id="4" fill="hold">
+                            <p:stCondLst>
+                              <p:cond delay="0"/>
+                            </p:stCondLst>
+                            <p:childTnLst>
+                              <p:par>
+                                <p:cTn id="5" presetID="10" presetClass="entr" presetSubtype="0" fill="hold" nodeType="clickEffect">
+                                  <p:stCondLst>
+                                    <p:cond delay="0"/>
+                                  </p:stCondLst>
+                                  <p:childTnLst>
+                                    <p:set>
+                                      <p:cBhvr>
+                                        <p:cTn id="6" dur="1" fill="hold">
+                                          <p:stCondLst>
+                                            <p:cond delay="0"/>
+                                          </p:stCondLst>
+                                        </p:cTn>
+                                        <p:tgtEl>
+                                          <p:spTgt spid="3">
+                                            <p:txEl>
+                                              <p:pRg st="0" end="0"/>
+                                            </p:txEl>
+                                          </p:spTgt>
+                                        </p:tgtEl>
+                                        <p:attrNameLst>
+                                          <p:attrName>style.visibility</p:attrName>
+                                        </p:attrNameLst>
+                                      </p:cBhvr>
+                                      <p:to>
+                                        <p:strVal val="visible"/>
+                                      </p:to>
+                                    </p:set>
+                                    <p:animEffect transition="in" filter="fade">
+                                      <p:cBhvr>
+                                        <p:cTn id="7" dur="500"/>
+                                        <p:tgtEl>
+                                          <p:spTgt spid="3">
+                                            <p:txEl>
+                                              <p:pRg st="0" end="0"/>
+                                            </p:txEl>
+                                          </p:spTgt>
+                                        </p:tgtEl>
+                                      </p:cBhvr>
+                                    </p:animEffect>
+                                  </p:childTnLst>
+                                </p:cTn>
+                              </p:par>
+                              <p:par>
+                                <p:cTn id="8" presetID="10" presetClass="entr" presetSubtype="0" fill="hold" nodeType="withEffect">
+                                  <p:stCondLst>
+                                    <p:cond delay="0"/>
+                                  </p:stCondLst>
+                                  <p:childTnLst>
+                                    <p:set>
+                                      <p:cBhvr>
+                                        <p:cTn id="9" dur="1" fill="hold">
+                                          <p:stCondLst>
+                                            <p:cond delay="0"/>
+                                          </p:stCondLst>
+                                        </p:cTn>
+                                        <p:tgtEl>
+                                          <p:spTgt spid="3">
+                                            <p:txEl>
+                                              <p:pRg st="2" end="2"/>
+                                            </p:txEl>
+                                          </p:spTgt>
+                                        </p:tgtEl>
+                                        <p:attrNameLst>
+                                          <p:attrName>style.visibility</p:attrName>
+                                        </p:attrNameLst>
+                                      </p:cBhvr>
+                                      <p:to>
+                                        <p:strVal val="visible"/>
+                                      </p:to>
+                                    </p:set>
+                                    <p:animEffect transition="in" filter="fade">
+                                      <p:cBhvr>
+                                        <p:cTn id="10" dur="500"/>
+                                        <p:tgtEl>
+                                          <p:spTgt spid="3">
+                                            <p:txEl>
+                                              <p:pRg st="2" end="2"/>
+                                            </p:txEl>
+                                          </p:spTgt>
+                                        </p:tgtEl>
+                                      </p:cBhvr>
+                                    </p:animEffect>
+                                  </p:childTnLst>
+                                </p:cTn>
+                              </p:par>
+                            </p:childTnLst>
+                          </p:cTn>
+                        </p:par>
+                      </p:childTnLst>
+                    </p:cTn>
+                  </p:par>
+                  <p:par>
+                    <p:cTn id="11" fill="hold">
+                      <p:stCondLst>
+                        <p:cond delay="indefinite"/>
+                      </p:stCondLst>
+                      <p:childTnLst>
+                        <p:par>
+                          <p:cTn id="12" fill="hold">
+                            <p:stCondLst>
+                              <p:cond delay="0"/>
+                            </p:stCondLst>
+                            <p:childTnLst>
+                              <p:par>
+                                <p:cTn id="13" presetID="10" presetClass="entr" presetSubtype="0" fill="hold" nodeType="clickEffect">
+                                  <p:stCondLst>
+                                    <p:cond delay="0"/>
+                                  </p:stCondLst>
+                                  <p:childTnLst>
+                                    <p:set>
+                                      <p:cBhvr>
+                                        <p:cTn id="14" dur="1" fill="hold">
+                                          <p:stCondLst>
+                                            <p:cond delay="0"/>
+                                          </p:stCondLst>
+                                        </p:cTn>
+                                        <p:tgtEl>
+                                          <p:spTgt spid="3">
+                                            <p:txEl>
+                                              <p:pRg st="4" end="4"/>
+                                            </p:txEl>
+                                          </p:spTgt>
+                                        </p:tgtEl>
+                                        <p:attrNameLst>
+                                          <p:attrName>style.visibility</p:attrName>
+                                        </p:attrNameLst>
+                                      </p:cBhvr>
+                                      <p:to>
+                                        <p:strVal val="visible"/>
+                                      </p:to>
+                                    </p:set>
+                                    <p:animEffect transition="in" filter="fade">
+                                      <p:cBhvr>
+                                        <p:cTn id="15" dur="500"/>
+                                        <p:tgtEl>
+                                          <p:spTgt spid="3">
+                                            <p:txEl>
+                                              <p:pRg st="4" end="4"/>
+                                            </p:txEl>
+                                          </p:spTgt>
+                                        </p:tgtEl>
+                                      </p:cBhvr>
+                                    </p:animEffect>
+                                  </p:childTnLst>
+                                </p:cTn>
+                              </p:par>
+                            </p:childTnLst>
+                          </p:cTn>
+                        </p:par>
+                      </p:childTnLst>
+                    </p:cTn>
+                  </p:par>
+                  <p:par>
+                    <p:cTn id="16" fill="hold">
+                      <p:stCondLst>
+                        <p:cond delay="indefinite"/>
+                      </p:stCondLst>
+                      <p:childTnLst>
+                        <p:par>
+                          <p:cTn id="17" fill="hold">
+                            <p:stCondLst>
+                              <p:cond delay="0"/>
+                            </p:stCondLst>
+                            <p:childTnLst>
+                              <p:par>
+                                <p:cTn id="18" presetID="10" presetClass="entr" presetSubtype="0" fill="hold" nodeType="clickEffect">
+                                  <p:stCondLst>
+                                    <p:cond delay="0"/>
+                                  </p:stCondLst>
+                                  <p:childTnLst>
+                                    <p:set>
+                                      <p:cBhvr>
+                                        <p:cTn id="19" dur="1" fill="hold">
+                                          <p:stCondLst>
+                                            <p:cond delay="0"/>
+                                          </p:stCondLst>
+                                        </p:cTn>
+                                        <p:tgtEl>
+                                          <p:spTgt spid="3">
+                                            <p:txEl>
+                                              <p:pRg st="6" end="6"/>
+                                            </p:txEl>
+                                          </p:spTgt>
+                                        </p:tgtEl>
+                                        <p:attrNameLst>
+                                          <p:attrName>style.visibility</p:attrName>
+                                        </p:attrNameLst>
+                                      </p:cBhvr>
+                                      <p:to>
+                                        <p:strVal val="visible"/>
+                                      </p:to>
+                                    </p:set>
+                                    <p:animEffect transition="in" filter="fade">
+                                      <p:cBhvr>
+                                        <p:cTn id="20" dur="500"/>
+                                        <p:tgtEl>
+                                          <p:spTgt spid="3">
+                                            <p:txEl>
+                                              <p:pRg st="6" end="6"/>
+                                            </p:txEl>
+                                          </p:spTgt>
+                                        </p:tgtEl>
+                                      </p:cBhvr>
+                                    </p:animEffect>
+                                  </p:childTnLst>
+                                </p:cTn>
+                              </p:par>
+                            </p:childTnLst>
+                          </p:cTn>
+                        </p:par>
+                      </p:childTnLst>
+                    </p:cTn>
+                  </p:par>
+                  <p:par>
+                    <p:cTn id="21" fill="hold">
+                      <p:stCondLst>
+                        <p:cond delay="indefinite"/>
+                      </p:stCondLst>
+                      <p:childTnLst>
+                        <p:par>
+                          <p:cTn id="22" fill="hold">
+                            <p:stCondLst>
+                              <p:cond delay="0"/>
+                            </p:stCondLst>
+                            <p:childTnLst>
+                              <p:par>
+                                <p:cTn id="23" presetID="10" presetClass="entr" presetSubtype="0" fill="hold" nodeType="clickEffect">
+                                  <p:stCondLst>
+                                    <p:cond delay="0"/>
+                                  </p:stCondLst>
+                                  <p:childTnLst>
+                                    <p:set>
+                                      <p:cBhvr>
+                                        <p:cTn id="24" dur="1" fill="hold">
+                                          <p:stCondLst>
+                                            <p:cond delay="0"/>
+                                          </p:stCondLst>
+                                        </p:cTn>
+                                        <p:tgtEl>
+                                          <p:spTgt spid="3">
+                                            <p:txEl>
+                                              <p:pRg st="8" end="8"/>
+                                            </p:txEl>
+                                          </p:spTgt>
+                                        </p:tgtEl>
+                                        <p:attrNameLst>
+                                          <p:attrName>style.visibility</p:attrName>
+                                        </p:attrNameLst>
+                                      </p:cBhvr>
+                                      <p:to>
+                                        <p:strVal val="visible"/>
+                                      </p:to>
+                                    </p:set>
+                                    <p:animEffect transition="in" filter="fade">
+                                      <p:cBhvr>
+                                        <p:cTn id="25" dur="500"/>
+                                        <p:tgtEl>
+                                          <p:spTgt spid="3">
+                                            <p:txEl>
+                                              <p:pRg st="8" end="8"/>
+                                            </p:txEl>
+                                          </p:spTgt>
+                                        </p:tgtEl>
+                                      </p:cBhvr>
+                                    </p:animEffect>
+                                  </p:childTnLst>
+                                </p:cTn>
+                              </p:par>
+                            </p:childTnLst>
+                          </p:cTn>
+                        </p:par>
+                      </p:childTnLst>
+                    </p:cTn>
+                  </p:par>
+                  <p:par>
+                    <p:cTn id="26" fill="hold">
+                      <p:stCondLst>
+                        <p:cond delay="indefinite"/>
+                      </p:stCondLst>
+                      <p:childTnLst>
+                        <p:par>
+                          <p:cTn id="27" fill="hold">
+                            <p:stCondLst>
+                              <p:cond delay="0"/>
+                            </p:stCondLst>
+                            <p:childTnLst>
+                              <p:par>
+                                <p:cTn id="28" presetID="10" presetClass="entr" presetSubtype="0" fill="hold" nodeType="clickEffect">
+                                  <p:stCondLst>
+                                    <p:cond delay="0"/>
+                                  </p:stCondLst>
+                                  <p:childTnLst>
+                                    <p:set>
+                                      <p:cBhvr>
+                                        <p:cTn id="29" dur="1" fill="hold">
+                                          <p:stCondLst>
+                                            <p:cond delay="0"/>
+                                          </p:stCondLst>
+                                        </p:cTn>
+                                        <p:tgtEl>
+                                          <p:spTgt spid="3">
+                                            <p:txEl>
+                                              <p:pRg st="10" end="10"/>
+                                            </p:txEl>
+                                          </p:spTgt>
+                                        </p:tgtEl>
+                                        <p:attrNameLst>
+                                          <p:attrName>style.visibility</p:attrName>
+                                        </p:attrNameLst>
+                                      </p:cBhvr>
+                                      <p:to>
+                                        <p:strVal val="visible"/>
+                                      </p:to>
+                                    </p:set>
+                                    <p:animEffect transition="in" filter="fade">
+                                      <p:cBhvr>
+                                        <p:cTn id="30" dur="500"/>
+                                        <p:tgtEl>
+                                          <p:spTgt spid="3">
+                                            <p:txEl>
+                                              <p:pRg st="10" end="10"/>
+                                            </p:txEl>
+                                          </p:spTgt>
+                                        </p:tgtEl>
+                                      </p:cBhvr>
+                                    </p:animEffect>
+                                  </p:childTnLst>
+                                </p:cTn>
+                              </p:par>
+                            </p:childTnLst>
+                          </p:cTn>
+                        </p:par>
+                      </p:childTnLst>
+                    </p:cTn>
+                  </p:par>
+                </p:childTnLst>
+              </p:cTn>
+              <p:prevCondLst>
+                <p:cond evt="onPrev" delay="0">
+                  <p:tgtEl>
+                    <p:sldTgt/>
+                  </p:tgtEl>
+                </p:cond>
+              </p:prevCondLst>
+              <p:nextCondLst>
+                <p:cond evt="onNext" delay="0">
+                  <p:tgtEl>
+                    <p:sldTgt/>
+                  </p:tgtEl>
+                </p:cond>
+              </p:nextCondLst>
+            </p:seq>
+          </p:childTnLst>
+        </p:cTn>
+      </p:par>
+    </p:tnLst>
+  </p:timing>
 </p:sld>
 </file>
 
@@ -21409,6 +26119,244 @@
   <p:clrMapOvr>
     <a:masterClrMapping/>
   </p:clrMapOvr>
+  <p:timing>
+    <p:tnLst>
+      <p:par>
+        <p:cTn id="1" dur="indefinite" restart="never" nodeType="tmRoot">
+          <p:childTnLst>
+            <p:seq concurrent="1" nextAc="seek">
+              <p:cTn id="2" dur="indefinite" nodeType="mainSeq">
+                <p:childTnLst>
+                  <p:par>
+                    <p:cTn id="3" fill="hold">
+                      <p:stCondLst>
+                        <p:cond delay="indefinite"/>
+                      </p:stCondLst>
+                      <p:childTnLst>
+                        <p:par>
+                          <p:cTn id="4" fill="hold">
+                            <p:stCondLst>
+                              <p:cond delay="0"/>
+                            </p:stCondLst>
+                            <p:childTnLst>
+                              <p:par>
+                                <p:cTn id="5" presetID="10" presetClass="entr" presetSubtype="0" fill="hold" nodeType="clickEffect">
+                                  <p:stCondLst>
+                                    <p:cond delay="0"/>
+                                  </p:stCondLst>
+                                  <p:childTnLst>
+                                    <p:set>
+                                      <p:cBhvr>
+                                        <p:cTn id="6" dur="1" fill="hold">
+                                          <p:stCondLst>
+                                            <p:cond delay="0"/>
+                                          </p:stCondLst>
+                                        </p:cTn>
+                                        <p:tgtEl>
+                                          <p:spTgt spid="3">
+                                            <p:txEl>
+                                              <p:pRg st="0" end="0"/>
+                                            </p:txEl>
+                                          </p:spTgt>
+                                        </p:tgtEl>
+                                        <p:attrNameLst>
+                                          <p:attrName>style.visibility</p:attrName>
+                                        </p:attrNameLst>
+                                      </p:cBhvr>
+                                      <p:to>
+                                        <p:strVal val="visible"/>
+                                      </p:to>
+                                    </p:set>
+                                    <p:animEffect transition="in" filter="fade">
+                                      <p:cBhvr>
+                                        <p:cTn id="7" dur="500"/>
+                                        <p:tgtEl>
+                                          <p:spTgt spid="3">
+                                            <p:txEl>
+                                              <p:pRg st="0" end="0"/>
+                                            </p:txEl>
+                                          </p:spTgt>
+                                        </p:tgtEl>
+                                      </p:cBhvr>
+                                    </p:animEffect>
+                                  </p:childTnLst>
+                                </p:cTn>
+                              </p:par>
+                              <p:par>
+                                <p:cTn id="8" presetID="10" presetClass="entr" presetSubtype="0" fill="hold" nodeType="withEffect">
+                                  <p:stCondLst>
+                                    <p:cond delay="0"/>
+                                  </p:stCondLst>
+                                  <p:childTnLst>
+                                    <p:set>
+                                      <p:cBhvr>
+                                        <p:cTn id="9" dur="1" fill="hold">
+                                          <p:stCondLst>
+                                            <p:cond delay="0"/>
+                                          </p:stCondLst>
+                                        </p:cTn>
+                                        <p:tgtEl>
+                                          <p:spTgt spid="3">
+                                            <p:txEl>
+                                              <p:pRg st="2" end="2"/>
+                                            </p:txEl>
+                                          </p:spTgt>
+                                        </p:tgtEl>
+                                        <p:attrNameLst>
+                                          <p:attrName>style.visibility</p:attrName>
+                                        </p:attrNameLst>
+                                      </p:cBhvr>
+                                      <p:to>
+                                        <p:strVal val="visible"/>
+                                      </p:to>
+                                    </p:set>
+                                    <p:animEffect transition="in" filter="fade">
+                                      <p:cBhvr>
+                                        <p:cTn id="10" dur="500"/>
+                                        <p:tgtEl>
+                                          <p:spTgt spid="3">
+                                            <p:txEl>
+                                              <p:pRg st="2" end="2"/>
+                                            </p:txEl>
+                                          </p:spTgt>
+                                        </p:tgtEl>
+                                      </p:cBhvr>
+                                    </p:animEffect>
+                                  </p:childTnLst>
+                                </p:cTn>
+                              </p:par>
+                            </p:childTnLst>
+                          </p:cTn>
+                        </p:par>
+                      </p:childTnLst>
+                    </p:cTn>
+                  </p:par>
+                  <p:par>
+                    <p:cTn id="11" fill="hold">
+                      <p:stCondLst>
+                        <p:cond delay="indefinite"/>
+                      </p:stCondLst>
+                      <p:childTnLst>
+                        <p:par>
+                          <p:cTn id="12" fill="hold">
+                            <p:stCondLst>
+                              <p:cond delay="0"/>
+                            </p:stCondLst>
+                            <p:childTnLst>
+                              <p:par>
+                                <p:cTn id="13" presetID="10" presetClass="entr" presetSubtype="0" fill="hold" nodeType="clickEffect">
+                                  <p:stCondLst>
+                                    <p:cond delay="0"/>
+                                  </p:stCondLst>
+                                  <p:childTnLst>
+                                    <p:set>
+                                      <p:cBhvr>
+                                        <p:cTn id="14" dur="1" fill="hold">
+                                          <p:stCondLst>
+                                            <p:cond delay="0"/>
+                                          </p:stCondLst>
+                                        </p:cTn>
+                                        <p:tgtEl>
+                                          <p:spTgt spid="3">
+                                            <p:txEl>
+                                              <p:pRg st="4" end="4"/>
+                                            </p:txEl>
+                                          </p:spTgt>
+                                        </p:tgtEl>
+                                        <p:attrNameLst>
+                                          <p:attrName>style.visibility</p:attrName>
+                                        </p:attrNameLst>
+                                      </p:cBhvr>
+                                      <p:to>
+                                        <p:strVal val="visible"/>
+                                      </p:to>
+                                    </p:set>
+                                    <p:animEffect transition="in" filter="fade">
+                                      <p:cBhvr>
+                                        <p:cTn id="15" dur="500"/>
+                                        <p:tgtEl>
+                                          <p:spTgt spid="3">
+                                            <p:txEl>
+                                              <p:pRg st="4" end="4"/>
+                                            </p:txEl>
+                                          </p:spTgt>
+                                        </p:tgtEl>
+                                      </p:cBhvr>
+                                    </p:animEffect>
+                                  </p:childTnLst>
+                                </p:cTn>
+                              </p:par>
+                              <p:par>
+                                <p:cTn id="16" presetID="10" presetClass="entr" presetSubtype="0" fill="hold" nodeType="withEffect">
+                                  <p:stCondLst>
+                                    <p:cond delay="0"/>
+                                  </p:stCondLst>
+                                  <p:childTnLst>
+                                    <p:set>
+                                      <p:cBhvr>
+                                        <p:cTn id="17" dur="1" fill="hold">
+                                          <p:stCondLst>
+                                            <p:cond delay="0"/>
+                                          </p:stCondLst>
+                                        </p:cTn>
+                                        <p:tgtEl>
+                                          <p:spTgt spid="3">
+                                            <p:txEl>
+                                              <p:pRg st="6" end="6"/>
+                                            </p:txEl>
+                                          </p:spTgt>
+                                        </p:tgtEl>
+                                        <p:attrNameLst>
+                                          <p:attrName>style.visibility</p:attrName>
+                                        </p:attrNameLst>
+                                      </p:cBhvr>
+                                      <p:to>
+                                        <p:strVal val="visible"/>
+                                      </p:to>
+                                    </p:set>
+                                    <p:animEffect transition="in" filter="fade">
+                                      <p:cBhvr>
+                                        <p:cTn id="18" dur="500"/>
+                                        <p:tgtEl>
+                                          <p:spTgt spid="3">
+                                            <p:txEl>
+                                              <p:pRg st="6" end="6"/>
+                                            </p:txEl>
+                                          </p:spTgt>
+                                        </p:tgtEl>
+                                      </p:cBhvr>
+                                    </p:animEffect>
+                                  </p:childTnLst>
+                                </p:cTn>
+                              </p:par>
+                            </p:childTnLst>
+                          </p:cTn>
+                        </p:par>
+                      </p:childTnLst>
+                    </p:cTn>
+                  </p:par>
+                </p:childTnLst>
+              </p:cTn>
+              <p:prevCondLst>
+                <p:cond evt="onPrev" delay="0">
+                  <p:tgtEl>
+                    <p:sldTgt/>
+                  </p:tgtEl>
+                </p:cond>
+              </p:prevCondLst>
+              <p:nextCondLst>
+                <p:cond evt="onNext" delay="0">
+                  <p:tgtEl>
+                    <p:sldTgt/>
+                  </p:tgtEl>
+                </p:cond>
+              </p:nextCondLst>
+            </p:seq>
+          </p:childTnLst>
+        </p:cTn>
+      </p:par>
+    </p:tnLst>
+  </p:timing>
 </p:sld>
 </file>
 
@@ -23104,6 +28052,300 @@
   <p:clrMapOvr>
     <a:masterClrMapping/>
   </p:clrMapOvr>
+  <p:timing>
+    <p:tnLst>
+      <p:par>
+        <p:cTn id="1" dur="indefinite" restart="never" nodeType="tmRoot">
+          <p:childTnLst>
+            <p:seq concurrent="1" nextAc="seek">
+              <p:cTn id="2" dur="indefinite" nodeType="mainSeq">
+                <p:childTnLst>
+                  <p:par>
+                    <p:cTn id="3" fill="hold">
+                      <p:stCondLst>
+                        <p:cond delay="indefinite"/>
+                      </p:stCondLst>
+                      <p:childTnLst>
+                        <p:par>
+                          <p:cTn id="4" fill="hold">
+                            <p:stCondLst>
+                              <p:cond delay="0"/>
+                            </p:stCondLst>
+                            <p:childTnLst>
+                              <p:par>
+                                <p:cTn id="5" presetID="10" presetClass="entr" presetSubtype="0" fill="hold" nodeType="clickEffect">
+                                  <p:stCondLst>
+                                    <p:cond delay="0"/>
+                                  </p:stCondLst>
+                                  <p:childTnLst>
+                                    <p:set>
+                                      <p:cBhvr>
+                                        <p:cTn id="6" dur="1" fill="hold">
+                                          <p:stCondLst>
+                                            <p:cond delay="0"/>
+                                          </p:stCondLst>
+                                        </p:cTn>
+                                        <p:tgtEl>
+                                          <p:spTgt spid="3">
+                                            <p:txEl>
+                                              <p:pRg st="0" end="0"/>
+                                            </p:txEl>
+                                          </p:spTgt>
+                                        </p:tgtEl>
+                                        <p:attrNameLst>
+                                          <p:attrName>style.visibility</p:attrName>
+                                        </p:attrNameLst>
+                                      </p:cBhvr>
+                                      <p:to>
+                                        <p:strVal val="visible"/>
+                                      </p:to>
+                                    </p:set>
+                                    <p:animEffect transition="in" filter="fade">
+                                      <p:cBhvr>
+                                        <p:cTn id="7" dur="500"/>
+                                        <p:tgtEl>
+                                          <p:spTgt spid="3">
+                                            <p:txEl>
+                                              <p:pRg st="0" end="0"/>
+                                            </p:txEl>
+                                          </p:spTgt>
+                                        </p:tgtEl>
+                                      </p:cBhvr>
+                                    </p:animEffect>
+                                  </p:childTnLst>
+                                </p:cTn>
+                              </p:par>
+                              <p:par>
+                                <p:cTn id="8" presetID="10" presetClass="entr" presetSubtype="0" fill="hold" nodeType="withEffect">
+                                  <p:stCondLst>
+                                    <p:cond delay="0"/>
+                                  </p:stCondLst>
+                                  <p:childTnLst>
+                                    <p:set>
+                                      <p:cBhvr>
+                                        <p:cTn id="9" dur="1" fill="hold">
+                                          <p:stCondLst>
+                                            <p:cond delay="0"/>
+                                          </p:stCondLst>
+                                        </p:cTn>
+                                        <p:tgtEl>
+                                          <p:spTgt spid="3">
+                                            <p:txEl>
+                                              <p:pRg st="2" end="2"/>
+                                            </p:txEl>
+                                          </p:spTgt>
+                                        </p:tgtEl>
+                                        <p:attrNameLst>
+                                          <p:attrName>style.visibility</p:attrName>
+                                        </p:attrNameLst>
+                                      </p:cBhvr>
+                                      <p:to>
+                                        <p:strVal val="visible"/>
+                                      </p:to>
+                                    </p:set>
+                                    <p:animEffect transition="in" filter="fade">
+                                      <p:cBhvr>
+                                        <p:cTn id="10" dur="500"/>
+                                        <p:tgtEl>
+                                          <p:spTgt spid="3">
+                                            <p:txEl>
+                                              <p:pRg st="2" end="2"/>
+                                            </p:txEl>
+                                          </p:spTgt>
+                                        </p:tgtEl>
+                                      </p:cBhvr>
+                                    </p:animEffect>
+                                  </p:childTnLst>
+                                </p:cTn>
+                              </p:par>
+                              <p:par>
+                                <p:cTn id="11" presetID="10" presetClass="entr" presetSubtype="0" fill="hold" grpId="0" nodeType="withEffect">
+                                  <p:stCondLst>
+                                    <p:cond delay="0"/>
+                                  </p:stCondLst>
+                                  <p:childTnLst>
+                                    <p:set>
+                                      <p:cBhvr>
+                                        <p:cTn id="12" dur="1" fill="hold">
+                                          <p:stCondLst>
+                                            <p:cond delay="0"/>
+                                          </p:stCondLst>
+                                        </p:cTn>
+                                        <p:tgtEl>
+                                          <p:spTgt spid="7"/>
+                                        </p:tgtEl>
+                                        <p:attrNameLst>
+                                          <p:attrName>style.visibility</p:attrName>
+                                        </p:attrNameLst>
+                                      </p:cBhvr>
+                                      <p:to>
+                                        <p:strVal val="visible"/>
+                                      </p:to>
+                                    </p:set>
+                                    <p:animEffect transition="in" filter="fade">
+                                      <p:cBhvr>
+                                        <p:cTn id="13" dur="500"/>
+                                        <p:tgtEl>
+                                          <p:spTgt spid="7"/>
+                                        </p:tgtEl>
+                                      </p:cBhvr>
+                                    </p:animEffect>
+                                  </p:childTnLst>
+                                </p:cTn>
+                              </p:par>
+                            </p:childTnLst>
+                          </p:cTn>
+                        </p:par>
+                      </p:childTnLst>
+                    </p:cTn>
+                  </p:par>
+                  <p:par>
+                    <p:cTn id="14" fill="hold">
+                      <p:stCondLst>
+                        <p:cond delay="indefinite"/>
+                      </p:stCondLst>
+                      <p:childTnLst>
+                        <p:par>
+                          <p:cTn id="15" fill="hold">
+                            <p:stCondLst>
+                              <p:cond delay="0"/>
+                            </p:stCondLst>
+                            <p:childTnLst>
+                              <p:par>
+                                <p:cTn id="16" presetID="10" presetClass="entr" presetSubtype="0" fill="hold" nodeType="clickEffect">
+                                  <p:stCondLst>
+                                    <p:cond delay="0"/>
+                                  </p:stCondLst>
+                                  <p:childTnLst>
+                                    <p:set>
+                                      <p:cBhvr>
+                                        <p:cTn id="17" dur="1" fill="hold">
+                                          <p:stCondLst>
+                                            <p:cond delay="0"/>
+                                          </p:stCondLst>
+                                        </p:cTn>
+                                        <p:tgtEl>
+                                          <p:spTgt spid="3">
+                                            <p:txEl>
+                                              <p:pRg st="4" end="4"/>
+                                            </p:txEl>
+                                          </p:spTgt>
+                                        </p:tgtEl>
+                                        <p:attrNameLst>
+                                          <p:attrName>style.visibility</p:attrName>
+                                        </p:attrNameLst>
+                                      </p:cBhvr>
+                                      <p:to>
+                                        <p:strVal val="visible"/>
+                                      </p:to>
+                                    </p:set>
+                                    <p:animEffect transition="in" filter="fade">
+                                      <p:cBhvr>
+                                        <p:cTn id="18" dur="500"/>
+                                        <p:tgtEl>
+                                          <p:spTgt spid="3">
+                                            <p:txEl>
+                                              <p:pRg st="4" end="4"/>
+                                            </p:txEl>
+                                          </p:spTgt>
+                                        </p:tgtEl>
+                                      </p:cBhvr>
+                                    </p:animEffect>
+                                  </p:childTnLst>
+                                </p:cTn>
+                              </p:par>
+                            </p:childTnLst>
+                          </p:cTn>
+                        </p:par>
+                      </p:childTnLst>
+                    </p:cTn>
+                  </p:par>
+                  <p:par>
+                    <p:cTn id="19" fill="hold">
+                      <p:stCondLst>
+                        <p:cond delay="indefinite"/>
+                      </p:stCondLst>
+                      <p:childTnLst>
+                        <p:par>
+                          <p:cTn id="20" fill="hold">
+                            <p:stCondLst>
+                              <p:cond delay="0"/>
+                            </p:stCondLst>
+                            <p:childTnLst>
+                              <p:par>
+                                <p:cTn id="21" presetID="22" presetClass="entr" presetSubtype="8" fill="hold" nodeType="clickEffect">
+                                  <p:stCondLst>
+                                    <p:cond delay="0"/>
+                                  </p:stCondLst>
+                                  <p:childTnLst>
+                                    <p:set>
+                                      <p:cBhvr>
+                                        <p:cTn id="22" dur="1" fill="hold">
+                                          <p:stCondLst>
+                                            <p:cond delay="0"/>
+                                          </p:stCondLst>
+                                        </p:cTn>
+                                        <p:tgtEl>
+                                          <p:spTgt spid="3">
+                                            <p:txEl>
+                                              <p:pRg st="6" end="6"/>
+                                            </p:txEl>
+                                          </p:spTgt>
+                                        </p:tgtEl>
+                                        <p:attrNameLst>
+                                          <p:attrName>style.visibility</p:attrName>
+                                        </p:attrNameLst>
+                                      </p:cBhvr>
+                                      <p:to>
+                                        <p:strVal val="visible"/>
+                                      </p:to>
+                                    </p:set>
+                                    <p:animEffect transition="in" filter="wipe(left)">
+                                      <p:cBhvr>
+                                        <p:cTn id="23" dur="10000"/>
+                                        <p:tgtEl>
+                                          <p:spTgt spid="3">
+                                            <p:txEl>
+                                              <p:pRg st="6" end="6"/>
+                                            </p:txEl>
+                                          </p:spTgt>
+                                        </p:tgtEl>
+                                      </p:cBhvr>
+                                    </p:animEffect>
+                                  </p:childTnLst>
+                                </p:cTn>
+                              </p:par>
+                            </p:childTnLst>
+                          </p:cTn>
+                        </p:par>
+                      </p:childTnLst>
+                    </p:cTn>
+                  </p:par>
+                </p:childTnLst>
+              </p:cTn>
+              <p:prevCondLst>
+                <p:cond evt="onPrev" delay="0">
+                  <p:tgtEl>
+                    <p:sldTgt/>
+                  </p:tgtEl>
+                </p:cond>
+              </p:prevCondLst>
+              <p:nextCondLst>
+                <p:cond evt="onNext" delay="0">
+                  <p:tgtEl>
+                    <p:sldTgt/>
+                  </p:tgtEl>
+                </p:cond>
+              </p:nextCondLst>
+            </p:seq>
+          </p:childTnLst>
+        </p:cTn>
+      </p:par>
+    </p:tnLst>
+    <p:bldLst>
+      <p:bldP spid="7" grpId="0" animBg="1"/>
+    </p:bldLst>
+  </p:timing>
 </p:sld>
 </file>
 
@@ -23520,6 +28762,232 @@
   <p:clrMapOvr>
     <a:masterClrMapping/>
   </p:clrMapOvr>
+  <p:timing>
+    <p:tnLst>
+      <p:par>
+        <p:cTn id="1" dur="indefinite" restart="never" nodeType="tmRoot">
+          <p:childTnLst>
+            <p:seq concurrent="1" nextAc="seek">
+              <p:cTn id="2" dur="indefinite" nodeType="mainSeq">
+                <p:childTnLst>
+                  <p:par>
+                    <p:cTn id="3" fill="hold">
+                      <p:stCondLst>
+                        <p:cond delay="indefinite"/>
+                      </p:stCondLst>
+                      <p:childTnLst>
+                        <p:par>
+                          <p:cTn id="4" fill="hold">
+                            <p:stCondLst>
+                              <p:cond delay="0"/>
+                            </p:stCondLst>
+                            <p:childTnLst>
+                              <p:par>
+                                <p:cTn id="5" presetID="10" presetClass="entr" presetSubtype="0" fill="hold" grpId="0" nodeType="clickEffect">
+                                  <p:stCondLst>
+                                    <p:cond delay="0"/>
+                                  </p:stCondLst>
+                                  <p:childTnLst>
+                                    <p:set>
+                                      <p:cBhvr>
+                                        <p:cTn id="6" dur="1" fill="hold">
+                                          <p:stCondLst>
+                                            <p:cond delay="0"/>
+                                          </p:stCondLst>
+                                        </p:cTn>
+                                        <p:tgtEl>
+                                          <p:spTgt spid="3">
+                                            <p:txEl>
+                                              <p:pRg st="0" end="0"/>
+                                            </p:txEl>
+                                          </p:spTgt>
+                                        </p:tgtEl>
+                                        <p:attrNameLst>
+                                          <p:attrName>style.visibility</p:attrName>
+                                        </p:attrNameLst>
+                                      </p:cBhvr>
+                                      <p:to>
+                                        <p:strVal val="visible"/>
+                                      </p:to>
+                                    </p:set>
+                                    <p:animEffect transition="in" filter="fade">
+                                      <p:cBhvr>
+                                        <p:cTn id="7" dur="500"/>
+                                        <p:tgtEl>
+                                          <p:spTgt spid="3">
+                                            <p:txEl>
+                                              <p:pRg st="0" end="0"/>
+                                            </p:txEl>
+                                          </p:spTgt>
+                                        </p:tgtEl>
+                                      </p:cBhvr>
+                                    </p:animEffect>
+                                  </p:childTnLst>
+                                </p:cTn>
+                              </p:par>
+                              <p:par>
+                                <p:cTn id="8" presetID="10" presetClass="entr" presetSubtype="0" fill="hold" nodeType="withEffect">
+                                  <p:stCondLst>
+                                    <p:cond delay="0"/>
+                                  </p:stCondLst>
+                                  <p:childTnLst>
+                                    <p:set>
+                                      <p:cBhvr>
+                                        <p:cTn id="9" dur="1" fill="hold">
+                                          <p:stCondLst>
+                                            <p:cond delay="0"/>
+                                          </p:stCondLst>
+                                        </p:cTn>
+                                        <p:tgtEl>
+                                          <p:spTgt spid="11"/>
+                                        </p:tgtEl>
+                                        <p:attrNameLst>
+                                          <p:attrName>style.visibility</p:attrName>
+                                        </p:attrNameLst>
+                                      </p:cBhvr>
+                                      <p:to>
+                                        <p:strVal val="visible"/>
+                                      </p:to>
+                                    </p:set>
+                                    <p:animEffect transition="in" filter="fade">
+                                      <p:cBhvr>
+                                        <p:cTn id="10" dur="500"/>
+                                        <p:tgtEl>
+                                          <p:spTgt spid="11"/>
+                                        </p:tgtEl>
+                                      </p:cBhvr>
+                                    </p:animEffect>
+                                  </p:childTnLst>
+                                </p:cTn>
+                              </p:par>
+                            </p:childTnLst>
+                          </p:cTn>
+                        </p:par>
+                      </p:childTnLst>
+                    </p:cTn>
+                  </p:par>
+                  <p:par>
+                    <p:cTn id="11" fill="hold">
+                      <p:stCondLst>
+                        <p:cond delay="indefinite"/>
+                      </p:stCondLst>
+                      <p:childTnLst>
+                        <p:par>
+                          <p:cTn id="12" fill="hold">
+                            <p:stCondLst>
+                              <p:cond delay="0"/>
+                            </p:stCondLst>
+                            <p:childTnLst>
+                              <p:par>
+                                <p:cTn id="13" presetID="10" presetClass="entr" presetSubtype="0" fill="hold" grpId="0" nodeType="clickEffect">
+                                  <p:stCondLst>
+                                    <p:cond delay="0"/>
+                                  </p:stCondLst>
+                                  <p:childTnLst>
+                                    <p:set>
+                                      <p:cBhvr>
+                                        <p:cTn id="14" dur="1" fill="hold">
+                                          <p:stCondLst>
+                                            <p:cond delay="0"/>
+                                          </p:stCondLst>
+                                        </p:cTn>
+                                        <p:tgtEl>
+                                          <p:spTgt spid="5">
+                                            <p:txEl>
+                                              <p:pRg st="0" end="0"/>
+                                            </p:txEl>
+                                          </p:spTgt>
+                                        </p:tgtEl>
+                                        <p:attrNameLst>
+                                          <p:attrName>style.visibility</p:attrName>
+                                        </p:attrNameLst>
+                                      </p:cBhvr>
+                                      <p:to>
+                                        <p:strVal val="visible"/>
+                                      </p:to>
+                                    </p:set>
+                                    <p:animEffect transition="in" filter="fade">
+                                      <p:cBhvr>
+                                        <p:cTn id="15" dur="500"/>
+                                        <p:tgtEl>
+                                          <p:spTgt spid="5">
+                                            <p:txEl>
+                                              <p:pRg st="0" end="0"/>
+                                            </p:txEl>
+                                          </p:spTgt>
+                                        </p:tgtEl>
+                                      </p:cBhvr>
+                                    </p:animEffect>
+                                  </p:childTnLst>
+                                </p:cTn>
+                              </p:par>
+                              <p:par>
+                                <p:cTn id="16" presetID="10" presetClass="entr" presetSubtype="0" fill="hold" nodeType="withEffect">
+                                  <p:stCondLst>
+                                    <p:cond delay="0"/>
+                                  </p:stCondLst>
+                                  <p:childTnLst>
+                                    <p:set>
+                                      <p:cBhvr>
+                                        <p:cTn id="17" dur="1" fill="hold">
+                                          <p:stCondLst>
+                                            <p:cond delay="0"/>
+                                          </p:stCondLst>
+                                        </p:cTn>
+                                        <p:tgtEl>
+                                          <p:spTgt spid="13"/>
+                                        </p:tgtEl>
+                                        <p:attrNameLst>
+                                          <p:attrName>style.visibility</p:attrName>
+                                        </p:attrNameLst>
+                                      </p:cBhvr>
+                                      <p:to>
+                                        <p:strVal val="visible"/>
+                                      </p:to>
+                                    </p:set>
+                                    <p:animEffect transition="in" filter="fade">
+                                      <p:cBhvr>
+                                        <p:cTn id="18" dur="500"/>
+                                        <p:tgtEl>
+                                          <p:spTgt spid="13"/>
+                                        </p:tgtEl>
+                                      </p:cBhvr>
+                                    </p:animEffect>
+                                  </p:childTnLst>
+                                </p:cTn>
+                              </p:par>
+                            </p:childTnLst>
+                          </p:cTn>
+                        </p:par>
+                      </p:childTnLst>
+                    </p:cTn>
+                  </p:par>
+                </p:childTnLst>
+              </p:cTn>
+              <p:prevCondLst>
+                <p:cond evt="onPrev" delay="0">
+                  <p:tgtEl>
+                    <p:sldTgt/>
+                  </p:tgtEl>
+                </p:cond>
+              </p:prevCondLst>
+              <p:nextCondLst>
+                <p:cond evt="onNext" delay="0">
+                  <p:tgtEl>
+                    <p:sldTgt/>
+                  </p:tgtEl>
+                </p:cond>
+              </p:nextCondLst>
+            </p:seq>
+          </p:childTnLst>
+        </p:cTn>
+      </p:par>
+    </p:tnLst>
+    <p:bldLst>
+      <p:bldP spid="3" grpId="0" build="p"/>
+      <p:bldP spid="5" grpId="0" build="p"/>
+    </p:bldLst>
+  </p:timing>
 </p:sld>
 </file>
 

--- a/files/teaching-resources/monmouthcollege-econ-300/ECON300-LEC09.pptx
+++ b/files/teaching-resources/monmouthcollege-econ-300/ECON300-LEC09.pptx
@@ -5,7 +5,7 @@
     <p:sldMasterId id="2147483720" r:id="rId1"/>
   </p:sldMasterIdLst>
   <p:notesMasterIdLst>
-    <p:notesMasterId r:id="rId29"/>
+    <p:notesMasterId r:id="rId31"/>
   </p:notesMasterIdLst>
   <p:sldIdLst>
     <p:sldId id="256" r:id="rId2"/>
@@ -35,6 +35,8 @@
     <p:sldId id="396" r:id="rId26"/>
     <p:sldId id="397" r:id="rId27"/>
     <p:sldId id="400" r:id="rId28"/>
+    <p:sldId id="421" r:id="rId29"/>
+    <p:sldId id="422" r:id="rId30"/>
   </p:sldIdLst>
   <p:sldSz cx="9144000" cy="6858000" type="screen4x3"/>
   <p:notesSz cx="6858000" cy="9144000"/>
@@ -223,7 +225,7 @@
           <a:p>
             <a:fld id="{0E0A6441-4E79-42FF-805B-86C90BDFD38D}" type="datetimeFigureOut">
               <a:rPr lang="en-US" smtClean="0"/>
-              <a:t>9/17/2023</a:t>
+              <a:t>9/18/2023</a:t>
             </a:fld>
             <a:endParaRPr lang="en-US" dirty="0"/>
           </a:p>
@@ -12892,60 +12894,231 @@
           </a:p>
         </p:txBody>
       </p:sp>
-      <p:sp>
-        <p:nvSpPr>
-          <p:cNvPr id="3" name="Content Placeholder 2">
-            <a:extLst>
-              <a:ext uri="{FF2B5EF4-FFF2-40B4-BE49-F238E27FC236}">
-                <a16:creationId xmlns:a16="http://schemas.microsoft.com/office/drawing/2014/main" id="{5A717BAA-D4BA-C7EB-5696-203603829C7C}"/>
-              </a:ext>
-            </a:extLst>
-          </p:cNvPr>
-          <p:cNvSpPr>
-            <a:spLocks noGrp="1"/>
-          </p:cNvSpPr>
-          <p:nvPr>
-            <p:ph idx="1"/>
-          </p:nvPr>
-        </p:nvSpPr>
-        <p:spPr/>
-        <p:txBody>
-          <a:bodyPr/>
-          <a:lstStyle/>
-          <a:p>
-            <a:r>
-              <a:rPr lang="en-US" dirty="0"/>
-              <a:t>Short Recap of Partial Derivatives.</a:t>
-            </a:r>
-          </a:p>
-          <a:p>
-            <a:pPr lvl="3"/>
-            <a:endParaRPr lang="en-US" dirty="0"/>
-          </a:p>
-          <a:p>
-            <a:r>
-              <a:rPr lang="en-US" dirty="0"/>
-              <a:t>Graphical analysis of the consumer’s utility maximization.</a:t>
-            </a:r>
-          </a:p>
-          <a:p>
-            <a:pPr lvl="3"/>
-            <a:endParaRPr lang="en-US" dirty="0"/>
-          </a:p>
-          <a:p>
-            <a:r>
-              <a:rPr lang="en-US" dirty="0"/>
-              <a:t>What it means to “compare the slopes.”</a:t>
-            </a:r>
-          </a:p>
-          <a:p>
-            <a:endParaRPr lang="en-US" dirty="0"/>
-          </a:p>
-          <a:p>
-            <a:endParaRPr lang="en-US" dirty="0"/>
-          </a:p>
-        </p:txBody>
-      </p:sp>
+      <mc:AlternateContent xmlns:mc="http://schemas.openxmlformats.org/markup-compatibility/2006">
+        <mc:Choice xmlns:a14="http://schemas.microsoft.com/office/drawing/2010/main" Requires="a14">
+          <p:sp>
+            <p:nvSpPr>
+              <p:cNvPr id="3" name="Content Placeholder 2">
+                <a:extLst>
+                  <a:ext uri="{FF2B5EF4-FFF2-40B4-BE49-F238E27FC236}">
+                    <a16:creationId xmlns:a16="http://schemas.microsoft.com/office/drawing/2014/main" id="{5A717BAA-D4BA-C7EB-5696-203603829C7C}"/>
+                  </a:ext>
+                </a:extLst>
+              </p:cNvPr>
+              <p:cNvSpPr>
+                <a:spLocks noGrp="1"/>
+              </p:cNvSpPr>
+              <p:nvPr>
+                <p:ph idx="1"/>
+              </p:nvPr>
+            </p:nvSpPr>
+            <p:spPr/>
+            <p:txBody>
+              <a:bodyPr/>
+              <a:lstStyle/>
+              <a:p>
+                <a:r>
+                  <a:rPr lang="en-US" dirty="0"/>
+                  <a:t>Short Recap of Partial Derivatives.</a:t>
+                </a:r>
+              </a:p>
+              <a:p>
+                <a:pPr lvl="3"/>
+                <a:endParaRPr lang="en-US" dirty="0"/>
+              </a:p>
+              <a:p>
+                <a:r>
+                  <a:rPr lang="en-US" dirty="0"/>
+                  <a:t>Graphical analysis of the consumer’s utility maximization.</a:t>
+                </a:r>
+              </a:p>
+              <a:p>
+                <a:pPr lvl="3"/>
+                <a:endParaRPr lang="en-US" dirty="0"/>
+              </a:p>
+              <a:p>
+                <a:r>
+                  <a:rPr lang="en-US" dirty="0"/>
+                  <a:t>What it means to “compare the slopes.”</a:t>
+                </a:r>
+              </a:p>
+              <a:p>
+                <a:pPr lvl="3"/>
+                <a:endParaRPr lang="en-US" dirty="0"/>
+              </a:p>
+              <a:p>
+                <a:r>
+                  <a:rPr lang="en-US" dirty="0"/>
+                  <a:t>Why is </a:t>
+                </a:r>
+                <a14:m>
+                  <m:oMath xmlns:m="http://schemas.openxmlformats.org/officeDocument/2006/math">
+                    <m:r>
+                      <a:rPr lang="en-US" b="0" i="1" smtClean="0">
+                        <a:latin typeface="Cambria Math" panose="02040503050406030204" pitchFamily="18" charset="0"/>
+                      </a:rPr>
+                      <m:t>𝑀𝑅</m:t>
+                    </m:r>
+                    <m:sSub>
+                      <m:sSubPr>
+                        <m:ctrlPr>
+                          <a:rPr lang="en-US" b="0" i="1" smtClean="0">
+                            <a:latin typeface="Cambria Math" panose="02040503050406030204" pitchFamily="18" charset="0"/>
+                          </a:rPr>
+                        </m:ctrlPr>
+                      </m:sSubPr>
+                      <m:e>
+                        <m:r>
+                          <a:rPr lang="en-US" b="0" i="1" smtClean="0">
+                            <a:latin typeface="Cambria Math" panose="02040503050406030204" pitchFamily="18" charset="0"/>
+                          </a:rPr>
+                          <m:t>𝑆</m:t>
+                        </m:r>
+                      </m:e>
+                      <m:sub>
+                        <m:r>
+                          <a:rPr lang="en-US" b="0" i="1" smtClean="0">
+                            <a:latin typeface="Cambria Math" panose="02040503050406030204" pitchFamily="18" charset="0"/>
+                          </a:rPr>
+                          <m:t>𝑥𝑦</m:t>
+                        </m:r>
+                      </m:sub>
+                    </m:sSub>
+                    <m:r>
+                      <a:rPr lang="en-US" b="0" i="1" smtClean="0">
+                        <a:latin typeface="Cambria Math" panose="02040503050406030204" pitchFamily="18" charset="0"/>
+                      </a:rPr>
+                      <m:t>=</m:t>
+                    </m:r>
+                    <m:f>
+                      <m:fPr>
+                        <m:ctrlPr>
+                          <a:rPr lang="en-US" b="0" i="1" smtClean="0">
+                            <a:latin typeface="Cambria Math" panose="02040503050406030204" pitchFamily="18" charset="0"/>
+                          </a:rPr>
+                        </m:ctrlPr>
+                      </m:fPr>
+                      <m:num>
+                        <m:sSub>
+                          <m:sSubPr>
+                            <m:ctrlPr>
+                              <a:rPr lang="en-US" b="0" i="1" smtClean="0">
+                                <a:latin typeface="Cambria Math" panose="02040503050406030204" pitchFamily="18" charset="0"/>
+                              </a:rPr>
+                            </m:ctrlPr>
+                          </m:sSubPr>
+                          <m:e>
+                            <m:r>
+                              <a:rPr lang="en-US" b="0" i="1" smtClean="0">
+                                <a:latin typeface="Cambria Math" panose="02040503050406030204" pitchFamily="18" charset="0"/>
+                              </a:rPr>
+                              <m:t>𝑃</m:t>
+                            </m:r>
+                          </m:e>
+                          <m:sub>
+                            <m:r>
+                              <a:rPr lang="en-US" b="0" i="1" smtClean="0">
+                                <a:latin typeface="Cambria Math" panose="02040503050406030204" pitchFamily="18" charset="0"/>
+                              </a:rPr>
+                              <m:t>𝑥</m:t>
+                            </m:r>
+                          </m:sub>
+                        </m:sSub>
+                      </m:num>
+                      <m:den>
+                        <m:sSub>
+                          <m:sSubPr>
+                            <m:ctrlPr>
+                              <a:rPr lang="en-US" b="0" i="1" smtClean="0">
+                                <a:latin typeface="Cambria Math" panose="02040503050406030204" pitchFamily="18" charset="0"/>
+                              </a:rPr>
+                            </m:ctrlPr>
+                          </m:sSubPr>
+                          <m:e>
+                            <m:r>
+                              <a:rPr lang="en-US" b="0" i="1" smtClean="0">
+                                <a:latin typeface="Cambria Math" panose="02040503050406030204" pitchFamily="18" charset="0"/>
+                              </a:rPr>
+                              <m:t>𝑃</m:t>
+                            </m:r>
+                          </m:e>
+                          <m:sub>
+                            <m:r>
+                              <a:rPr lang="en-US" b="0" i="1" smtClean="0">
+                                <a:latin typeface="Cambria Math" panose="02040503050406030204" pitchFamily="18" charset="0"/>
+                              </a:rPr>
+                              <m:t>𝑦</m:t>
+                            </m:r>
+                          </m:sub>
+                        </m:sSub>
+                      </m:den>
+                    </m:f>
+                  </m:oMath>
+                </a14:m>
+                <a:r>
+                  <a:rPr lang="en-US" dirty="0"/>
+                  <a:t> necessary for utility to be maximized.</a:t>
+                </a:r>
+              </a:p>
+              <a:p>
+                <a:pPr lvl="3"/>
+                <a:endParaRPr lang="en-US" dirty="0"/>
+              </a:p>
+              <a:p>
+                <a:r>
+                  <a:rPr lang="en-US" dirty="0"/>
+                  <a:t>Quiz #2 on Wednesday (LEC04 ~ LEC08)</a:t>
+                </a:r>
+              </a:p>
+              <a:p>
+                <a:endParaRPr lang="en-US" dirty="0"/>
+              </a:p>
+              <a:p>
+                <a:endParaRPr lang="en-US" dirty="0"/>
+              </a:p>
+            </p:txBody>
+          </p:sp>
+        </mc:Choice>
+        <mc:Fallback>
+          <p:sp>
+            <p:nvSpPr>
+              <p:cNvPr id="3" name="Content Placeholder 2">
+                <a:extLst>
+                  <a:ext uri="{FF2B5EF4-FFF2-40B4-BE49-F238E27FC236}">
+                    <a16:creationId xmlns:a16="http://schemas.microsoft.com/office/drawing/2014/main" id="{5A717BAA-D4BA-C7EB-5696-203603829C7C}"/>
+                  </a:ext>
+                </a:extLst>
+              </p:cNvPr>
+              <p:cNvSpPr>
+                <a:spLocks noGrp="1" noRot="1" noChangeAspect="1" noMove="1" noResize="1" noEditPoints="1" noAdjustHandles="1" noChangeArrowheads="1" noChangeShapeType="1" noTextEdit="1"/>
+              </p:cNvSpPr>
+              <p:nvPr>
+                <p:ph idx="1"/>
+              </p:nvPr>
+            </p:nvSpPr>
+            <p:spPr>
+              <a:blipFill>
+                <a:blip r:embed="rId2"/>
+                <a:stretch>
+                  <a:fillRect l="-1005" t="-1821"/>
+                </a:stretch>
+              </a:blipFill>
+            </p:spPr>
+            <p:txBody>
+              <a:bodyPr/>
+              <a:lstStyle/>
+              <a:p>
+                <a:r>
+                  <a:rPr lang="en-US">
+                    <a:noFill/>
+                  </a:rPr>
+                  <a:t> </a:t>
+                </a:r>
+              </a:p>
+            </p:txBody>
+          </p:sp>
+        </mc:Fallback>
+      </mc:AlternateContent>
       <p:sp>
         <p:nvSpPr>
           <p:cNvPr id="4" name="Date Placeholder 3">
@@ -13041,6 +13214,97 @@
   <p:clrMapOvr>
     <a:masterClrMapping/>
   </p:clrMapOvr>
+  <p:timing>
+    <p:tnLst>
+      <p:par>
+        <p:cTn id="1" dur="indefinite" restart="never" nodeType="tmRoot">
+          <p:childTnLst>
+            <p:seq concurrent="1" nextAc="seek">
+              <p:cTn id="2" dur="indefinite" nodeType="mainSeq">
+                <p:childTnLst>
+                  <p:par>
+                    <p:cTn id="3" fill="hold">
+                      <p:stCondLst>
+                        <p:cond delay="indefinite"/>
+                      </p:stCondLst>
+                      <p:childTnLst>
+                        <p:par>
+                          <p:cTn id="4" fill="hold">
+                            <p:stCondLst>
+                              <p:cond delay="0"/>
+                            </p:stCondLst>
+                            <p:childTnLst>
+                              <p:par>
+                                <p:cTn id="5" presetID="10" presetClass="entr" presetSubtype="0" fill="hold" nodeType="clickEffect">
+                                  <p:stCondLst>
+                                    <p:cond delay="0"/>
+                                  </p:stCondLst>
+                                  <p:childTnLst>
+                                    <p:set>
+                                      <p:cBhvr>
+                                        <p:cTn id="6" dur="1" fill="hold">
+                                          <p:stCondLst>
+                                            <p:cond delay="0"/>
+                                          </p:stCondLst>
+                                        </p:cTn>
+                                        <p:tgtEl>
+                                          <p:spTgt spid="3">
+                                            <p:txEl>
+                                              <p:pRg st="8" end="8"/>
+                                            </p:txEl>
+                                          </p:spTgt>
+                                        </p:tgtEl>
+                                        <p:attrNameLst>
+                                          <p:attrName>style.visibility</p:attrName>
+                                        </p:attrNameLst>
+                                      </p:cBhvr>
+                                      <p:to>
+                                        <p:strVal val="visible"/>
+                                      </p:to>
+                                    </p:set>
+                                    <p:animEffect transition="in" filter="fade">
+                                      <p:cBhvr>
+                                        <p:cTn id="7" dur="500"/>
+                                        <p:tgtEl>
+                                          <p:spTgt spid="3">
+                                            <p:txEl>
+                                              <p:pRg st="8" end="8"/>
+                                            </p:txEl>
+                                          </p:spTgt>
+                                        </p:tgtEl>
+                                      </p:cBhvr>
+                                    </p:animEffect>
+                                  </p:childTnLst>
+                                </p:cTn>
+                              </p:par>
+                            </p:childTnLst>
+                          </p:cTn>
+                        </p:par>
+                      </p:childTnLst>
+                    </p:cTn>
+                  </p:par>
+                </p:childTnLst>
+              </p:cTn>
+              <p:prevCondLst>
+                <p:cond evt="onPrev" delay="0">
+                  <p:tgtEl>
+                    <p:sldTgt/>
+                  </p:tgtEl>
+                </p:cond>
+              </p:prevCondLst>
+              <p:nextCondLst>
+                <p:cond evt="onNext" delay="0">
+                  <p:tgtEl>
+                    <p:sldTgt/>
+                  </p:tgtEl>
+                </p:cond>
+              </p:nextCondLst>
+            </p:seq>
+          </p:childTnLst>
+        </p:cTn>
+      </p:par>
+    </p:tnLst>
+  </p:timing>
 </p:sld>
 </file>
 
@@ -15168,8 +15432,8 @@
           </a:xfrm>
         </p:spPr>
       </p:pic>
-      <mc:AlternateContent xmlns:mc="http://schemas.openxmlformats.org/markup-compatibility/2006">
-        <mc:Choice xmlns:a14="http://schemas.microsoft.com/office/drawing/2010/main" Requires="a14">
+      <mc:AlternateContent xmlns:mc="http://schemas.openxmlformats.org/markup-compatibility/2006" xmlns:a14="http://schemas.microsoft.com/office/drawing/2010/main">
+        <mc:Choice Requires="a14">
           <p:sp>
             <p:nvSpPr>
               <p:cNvPr id="4" name="Content Placeholder 3">
@@ -15275,7 +15539,7 @@
             </p:txBody>
           </p:sp>
         </mc:Choice>
-        <mc:Fallback>
+        <mc:Fallback xmlns="">
           <p:sp>
             <p:nvSpPr>
               <p:cNvPr id="4" name="Content Placeholder 3">
@@ -21349,6 +21613,2239 @@
 </p:sld>
 </file>
 
+<file path=ppt/slides/slide28.xml><?xml version="1.0" encoding="utf-8"?>
+<p:sld xmlns:a="http://schemas.openxmlformats.org/drawingml/2006/main" xmlns:r="http://schemas.openxmlformats.org/officeDocument/2006/relationships" xmlns:p="http://schemas.openxmlformats.org/presentationml/2006/main">
+  <p:cSld>
+    <p:spTree>
+      <p:nvGrpSpPr>
+        <p:cNvPr id="1" name=""/>
+        <p:cNvGrpSpPr/>
+        <p:nvPr/>
+      </p:nvGrpSpPr>
+      <p:grpSpPr>
+        <a:xfrm>
+          <a:off x="0" y="0"/>
+          <a:ext cx="0" cy="0"/>
+          <a:chOff x="0" y="0"/>
+          <a:chExt cx="0" cy="0"/>
+        </a:xfrm>
+      </p:grpSpPr>
+      <p:sp>
+        <p:nvSpPr>
+          <p:cNvPr id="2" name="Title 1">
+            <a:extLst>
+              <a:ext uri="{FF2B5EF4-FFF2-40B4-BE49-F238E27FC236}">
+                <a16:creationId xmlns:a16="http://schemas.microsoft.com/office/drawing/2014/main" id="{0D8E3986-575B-B929-0562-1561C73A78DE}"/>
+              </a:ext>
+            </a:extLst>
+          </p:cNvPr>
+          <p:cNvSpPr>
+            <a:spLocks noGrp="1"/>
+          </p:cNvSpPr>
+          <p:nvPr>
+            <p:ph type="title"/>
+          </p:nvPr>
+        </p:nvSpPr>
+        <p:spPr/>
+        <p:txBody>
+          <a:bodyPr/>
+          <a:lstStyle/>
+          <a:p>
+            <a:r>
+              <a:rPr lang="en-US" dirty="0"/>
+              <a:t>Recap of Standard UMP</a:t>
+            </a:r>
+          </a:p>
+        </p:txBody>
+      </p:sp>
+      <mc:AlternateContent xmlns:mc="http://schemas.openxmlformats.org/markup-compatibility/2006">
+        <mc:Choice xmlns:a14="http://schemas.microsoft.com/office/drawing/2010/main" Requires="a14">
+          <p:sp>
+            <p:nvSpPr>
+              <p:cNvPr id="3" name="Content Placeholder 2">
+                <a:extLst>
+                  <a:ext uri="{FF2B5EF4-FFF2-40B4-BE49-F238E27FC236}">
+                    <a16:creationId xmlns:a16="http://schemas.microsoft.com/office/drawing/2014/main" id="{5A717BAA-D4BA-C7EB-5696-203603829C7C}"/>
+                  </a:ext>
+                </a:extLst>
+              </p:cNvPr>
+              <p:cNvSpPr>
+                <a:spLocks noGrp="1"/>
+              </p:cNvSpPr>
+              <p:nvPr>
+                <p:ph idx="1"/>
+              </p:nvPr>
+            </p:nvSpPr>
+            <p:spPr/>
+            <p:txBody>
+              <a:bodyPr>
+                <a:normAutofit/>
+              </a:bodyPr>
+              <a:lstStyle/>
+              <a:p>
+                <a:pPr marL="457200" indent="-457200">
+                  <a:buFont typeface="+mj-lt"/>
+                  <a:buAutoNum type="arabicPeriod"/>
+                </a:pPr>
+                <a:r>
+                  <a:rPr lang="en-US" dirty="0"/>
+                  <a:t>Calculate </a:t>
+                </a:r>
+                <a14:m>
+                  <m:oMath xmlns:m="http://schemas.openxmlformats.org/officeDocument/2006/math">
+                    <m:r>
+                      <a:rPr lang="en-US" b="0" i="1" smtClean="0">
+                        <a:latin typeface="Cambria Math" panose="02040503050406030204" pitchFamily="18" charset="0"/>
+                        <a:ea typeface="Cambria Math" panose="02040503050406030204" pitchFamily="18" charset="0"/>
+                      </a:rPr>
+                      <m:t>𝑀</m:t>
+                    </m:r>
+                    <m:sSub>
+                      <m:sSubPr>
+                        <m:ctrlPr>
+                          <a:rPr lang="en-US" b="0" i="1" smtClean="0">
+                            <a:latin typeface="Cambria Math" panose="02040503050406030204" pitchFamily="18" charset="0"/>
+                            <a:ea typeface="Cambria Math" panose="02040503050406030204" pitchFamily="18" charset="0"/>
+                          </a:rPr>
+                        </m:ctrlPr>
+                      </m:sSubPr>
+                      <m:e>
+                        <m:r>
+                          <a:rPr lang="en-US" b="0" i="1" smtClean="0">
+                            <a:latin typeface="Cambria Math" panose="02040503050406030204" pitchFamily="18" charset="0"/>
+                            <a:ea typeface="Cambria Math" panose="02040503050406030204" pitchFamily="18" charset="0"/>
+                          </a:rPr>
+                          <m:t>𝑈</m:t>
+                        </m:r>
+                      </m:e>
+                      <m:sub>
+                        <m:r>
+                          <a:rPr lang="en-US" b="0" i="1" smtClean="0">
+                            <a:latin typeface="Cambria Math" panose="02040503050406030204" pitchFamily="18" charset="0"/>
+                            <a:ea typeface="Cambria Math" panose="02040503050406030204" pitchFamily="18" charset="0"/>
+                          </a:rPr>
+                          <m:t>𝑥</m:t>
+                        </m:r>
+                      </m:sub>
+                    </m:sSub>
+                    <m:r>
+                      <a:rPr lang="en-US" b="0" i="1" smtClean="0">
+                        <a:latin typeface="Cambria Math" panose="02040503050406030204" pitchFamily="18" charset="0"/>
+                        <a:ea typeface="Cambria Math" panose="02040503050406030204" pitchFamily="18" charset="0"/>
+                      </a:rPr>
+                      <m:t>=</m:t>
+                    </m:r>
+                    <m:f>
+                      <m:fPr>
+                        <m:ctrlPr>
+                          <a:rPr lang="en-US" b="0" i="1" smtClean="0">
+                            <a:latin typeface="Cambria Math" panose="02040503050406030204" pitchFamily="18" charset="0"/>
+                            <a:ea typeface="Cambria Math" panose="02040503050406030204" pitchFamily="18" charset="0"/>
+                          </a:rPr>
+                        </m:ctrlPr>
+                      </m:fPr>
+                      <m:num>
+                        <m:r>
+                          <a:rPr lang="en-US" b="0" i="1" smtClean="0">
+                            <a:latin typeface="Cambria Math" panose="02040503050406030204" pitchFamily="18" charset="0"/>
+                            <a:ea typeface="Cambria Math" panose="02040503050406030204" pitchFamily="18" charset="0"/>
+                          </a:rPr>
+                          <m:t>𝜕</m:t>
+                        </m:r>
+                      </m:num>
+                      <m:den>
+                        <m:r>
+                          <a:rPr lang="en-US" b="0" i="1" smtClean="0">
+                            <a:latin typeface="Cambria Math" panose="02040503050406030204" pitchFamily="18" charset="0"/>
+                            <a:ea typeface="Cambria Math" panose="02040503050406030204" pitchFamily="18" charset="0"/>
+                          </a:rPr>
+                          <m:t>𝜕</m:t>
+                        </m:r>
+                        <m:r>
+                          <a:rPr lang="en-US" b="0" i="1" smtClean="0">
+                            <a:latin typeface="Cambria Math" panose="02040503050406030204" pitchFamily="18" charset="0"/>
+                            <a:ea typeface="Cambria Math" panose="02040503050406030204" pitchFamily="18" charset="0"/>
+                          </a:rPr>
+                          <m:t>𝑥</m:t>
+                        </m:r>
+                      </m:den>
+                    </m:f>
+                    <m:r>
+                      <a:rPr lang="en-US" b="0" i="1" smtClean="0">
+                        <a:latin typeface="Cambria Math" panose="02040503050406030204" pitchFamily="18" charset="0"/>
+                        <a:ea typeface="Cambria Math" panose="02040503050406030204" pitchFamily="18" charset="0"/>
+                      </a:rPr>
+                      <m:t>𝑢</m:t>
+                    </m:r>
+                    <m:d>
+                      <m:dPr>
+                        <m:ctrlPr>
+                          <a:rPr lang="en-US" b="0" i="1" smtClean="0">
+                            <a:latin typeface="Cambria Math" panose="02040503050406030204" pitchFamily="18" charset="0"/>
+                            <a:ea typeface="Cambria Math" panose="02040503050406030204" pitchFamily="18" charset="0"/>
+                          </a:rPr>
+                        </m:ctrlPr>
+                      </m:dPr>
+                      <m:e>
+                        <m:r>
+                          <a:rPr lang="en-US" b="0" i="1" smtClean="0">
+                            <a:latin typeface="Cambria Math" panose="02040503050406030204" pitchFamily="18" charset="0"/>
+                            <a:ea typeface="Cambria Math" panose="02040503050406030204" pitchFamily="18" charset="0"/>
+                          </a:rPr>
+                          <m:t>𝑥</m:t>
+                        </m:r>
+                        <m:r>
+                          <a:rPr lang="en-US" b="0" i="1" smtClean="0">
+                            <a:latin typeface="Cambria Math" panose="02040503050406030204" pitchFamily="18" charset="0"/>
+                            <a:ea typeface="Cambria Math" panose="02040503050406030204" pitchFamily="18" charset="0"/>
+                          </a:rPr>
+                          <m:t>,</m:t>
+                        </m:r>
+                        <m:r>
+                          <a:rPr lang="en-US" b="0" i="1" smtClean="0">
+                            <a:latin typeface="Cambria Math" panose="02040503050406030204" pitchFamily="18" charset="0"/>
+                            <a:ea typeface="Cambria Math" panose="02040503050406030204" pitchFamily="18" charset="0"/>
+                          </a:rPr>
+                          <m:t>𝑦</m:t>
+                        </m:r>
+                      </m:e>
+                    </m:d>
+                  </m:oMath>
+                </a14:m>
+                <a:endParaRPr lang="en-US" sz="1400" dirty="0"/>
+              </a:p>
+              <a:p>
+                <a:pPr>
+                  <a:buFont typeface="+mj-lt"/>
+                  <a:buAutoNum type="arabicPeriod"/>
+                </a:pPr>
+                <a:endParaRPr lang="en-US" sz="500" dirty="0"/>
+              </a:p>
+              <a:p>
+                <a:pPr marL="457200" indent="-457200">
+                  <a:buFont typeface="+mj-lt"/>
+                  <a:buAutoNum type="arabicPeriod"/>
+                </a:pPr>
+                <a:r>
+                  <a:rPr lang="en-US" dirty="0"/>
+                  <a:t>Calculate </a:t>
+                </a:r>
+                <a14:m>
+                  <m:oMath xmlns:m="http://schemas.openxmlformats.org/officeDocument/2006/math">
+                    <m:r>
+                      <a:rPr lang="en-US" b="0" i="1" smtClean="0">
+                        <a:latin typeface="Cambria Math" panose="02040503050406030204" pitchFamily="18" charset="0"/>
+                        <a:ea typeface="Cambria Math" panose="02040503050406030204" pitchFamily="18" charset="0"/>
+                      </a:rPr>
+                      <m:t>𝑀</m:t>
+                    </m:r>
+                    <m:sSub>
+                      <m:sSubPr>
+                        <m:ctrlPr>
+                          <a:rPr lang="en-US" b="0" i="1" smtClean="0">
+                            <a:latin typeface="Cambria Math" panose="02040503050406030204" pitchFamily="18" charset="0"/>
+                            <a:ea typeface="Cambria Math" panose="02040503050406030204" pitchFamily="18" charset="0"/>
+                          </a:rPr>
+                        </m:ctrlPr>
+                      </m:sSubPr>
+                      <m:e>
+                        <m:r>
+                          <a:rPr lang="en-US" b="0" i="1" smtClean="0">
+                            <a:latin typeface="Cambria Math" panose="02040503050406030204" pitchFamily="18" charset="0"/>
+                            <a:ea typeface="Cambria Math" panose="02040503050406030204" pitchFamily="18" charset="0"/>
+                          </a:rPr>
+                          <m:t>𝑈</m:t>
+                        </m:r>
+                      </m:e>
+                      <m:sub>
+                        <m:r>
+                          <a:rPr lang="en-US" b="0" i="1" smtClean="0">
+                            <a:latin typeface="Cambria Math" panose="02040503050406030204" pitchFamily="18" charset="0"/>
+                            <a:ea typeface="Cambria Math" panose="02040503050406030204" pitchFamily="18" charset="0"/>
+                          </a:rPr>
+                          <m:t>𝑦</m:t>
+                        </m:r>
+                      </m:sub>
+                    </m:sSub>
+                    <m:r>
+                      <a:rPr lang="en-US" b="0" i="1" smtClean="0">
+                        <a:latin typeface="Cambria Math" panose="02040503050406030204" pitchFamily="18" charset="0"/>
+                        <a:ea typeface="Cambria Math" panose="02040503050406030204" pitchFamily="18" charset="0"/>
+                      </a:rPr>
+                      <m:t>=</m:t>
+                    </m:r>
+                    <m:f>
+                      <m:fPr>
+                        <m:ctrlPr>
+                          <a:rPr lang="en-US" b="0" i="1" smtClean="0">
+                            <a:latin typeface="Cambria Math" panose="02040503050406030204" pitchFamily="18" charset="0"/>
+                            <a:ea typeface="Cambria Math" panose="02040503050406030204" pitchFamily="18" charset="0"/>
+                          </a:rPr>
+                        </m:ctrlPr>
+                      </m:fPr>
+                      <m:num>
+                        <m:r>
+                          <a:rPr lang="en-US" b="0" i="1" smtClean="0">
+                            <a:latin typeface="Cambria Math" panose="02040503050406030204" pitchFamily="18" charset="0"/>
+                            <a:ea typeface="Cambria Math" panose="02040503050406030204" pitchFamily="18" charset="0"/>
+                          </a:rPr>
+                          <m:t>𝜕</m:t>
+                        </m:r>
+                      </m:num>
+                      <m:den>
+                        <m:r>
+                          <a:rPr lang="en-US" b="0" i="1" smtClean="0">
+                            <a:latin typeface="Cambria Math" panose="02040503050406030204" pitchFamily="18" charset="0"/>
+                            <a:ea typeface="Cambria Math" panose="02040503050406030204" pitchFamily="18" charset="0"/>
+                          </a:rPr>
+                          <m:t>𝜕</m:t>
+                        </m:r>
+                        <m:r>
+                          <a:rPr lang="en-US" b="0" i="1" smtClean="0">
+                            <a:latin typeface="Cambria Math" panose="02040503050406030204" pitchFamily="18" charset="0"/>
+                            <a:ea typeface="Cambria Math" panose="02040503050406030204" pitchFamily="18" charset="0"/>
+                          </a:rPr>
+                          <m:t>𝑦</m:t>
+                        </m:r>
+                      </m:den>
+                    </m:f>
+                    <m:r>
+                      <a:rPr lang="en-US" b="0" i="1" smtClean="0">
+                        <a:latin typeface="Cambria Math" panose="02040503050406030204" pitchFamily="18" charset="0"/>
+                        <a:ea typeface="Cambria Math" panose="02040503050406030204" pitchFamily="18" charset="0"/>
+                      </a:rPr>
+                      <m:t>𝑢</m:t>
+                    </m:r>
+                    <m:d>
+                      <m:dPr>
+                        <m:ctrlPr>
+                          <a:rPr lang="en-US" b="0" i="1" smtClean="0">
+                            <a:latin typeface="Cambria Math" panose="02040503050406030204" pitchFamily="18" charset="0"/>
+                            <a:ea typeface="Cambria Math" panose="02040503050406030204" pitchFamily="18" charset="0"/>
+                          </a:rPr>
+                        </m:ctrlPr>
+                      </m:dPr>
+                      <m:e>
+                        <m:r>
+                          <a:rPr lang="en-US" b="0" i="1" smtClean="0">
+                            <a:latin typeface="Cambria Math" panose="02040503050406030204" pitchFamily="18" charset="0"/>
+                            <a:ea typeface="Cambria Math" panose="02040503050406030204" pitchFamily="18" charset="0"/>
+                          </a:rPr>
+                          <m:t>𝑥</m:t>
+                        </m:r>
+                        <m:r>
+                          <a:rPr lang="en-US" b="0" i="1" smtClean="0">
+                            <a:latin typeface="Cambria Math" panose="02040503050406030204" pitchFamily="18" charset="0"/>
+                            <a:ea typeface="Cambria Math" panose="02040503050406030204" pitchFamily="18" charset="0"/>
+                          </a:rPr>
+                          <m:t>,</m:t>
+                        </m:r>
+                        <m:r>
+                          <a:rPr lang="en-US" b="0" i="1" smtClean="0">
+                            <a:latin typeface="Cambria Math" panose="02040503050406030204" pitchFamily="18" charset="0"/>
+                            <a:ea typeface="Cambria Math" panose="02040503050406030204" pitchFamily="18" charset="0"/>
+                          </a:rPr>
+                          <m:t>𝑦</m:t>
+                        </m:r>
+                      </m:e>
+                    </m:d>
+                  </m:oMath>
+                </a14:m>
+                <a:endParaRPr lang="en-US" dirty="0"/>
+              </a:p>
+              <a:p>
+                <a:pPr>
+                  <a:buFont typeface="+mj-lt"/>
+                  <a:buAutoNum type="arabicPeriod"/>
+                </a:pPr>
+                <a:endParaRPr lang="en-US" sz="500" dirty="0"/>
+              </a:p>
+              <a:p>
+                <a:pPr marL="457200" indent="-457200">
+                  <a:buFont typeface="+mj-lt"/>
+                  <a:buAutoNum type="arabicPeriod"/>
+                </a:pPr>
+                <a:r>
+                  <a:rPr lang="en-US" dirty="0">
+                    <a:ea typeface="Cambria Math" panose="02040503050406030204" pitchFamily="18" charset="0"/>
+                  </a:rPr>
+                  <a:t>Find the marginal rate of substitution </a:t>
+                </a:r>
+                <a14:m>
+                  <m:oMath xmlns:m="http://schemas.openxmlformats.org/officeDocument/2006/math">
+                    <m:r>
+                      <a:rPr lang="en-US" b="0" i="1" smtClean="0">
+                        <a:latin typeface="Cambria Math" panose="02040503050406030204" pitchFamily="18" charset="0"/>
+                        <a:ea typeface="Cambria Math" panose="02040503050406030204" pitchFamily="18" charset="0"/>
+                      </a:rPr>
+                      <m:t>𝑀𝑅</m:t>
+                    </m:r>
+                    <m:sSub>
+                      <m:sSubPr>
+                        <m:ctrlPr>
+                          <a:rPr lang="en-US" b="0" i="1" smtClean="0">
+                            <a:latin typeface="Cambria Math" panose="02040503050406030204" pitchFamily="18" charset="0"/>
+                            <a:ea typeface="Cambria Math" panose="02040503050406030204" pitchFamily="18" charset="0"/>
+                          </a:rPr>
+                        </m:ctrlPr>
+                      </m:sSubPr>
+                      <m:e>
+                        <m:r>
+                          <a:rPr lang="en-US" b="0" i="1" smtClean="0">
+                            <a:latin typeface="Cambria Math" panose="02040503050406030204" pitchFamily="18" charset="0"/>
+                            <a:ea typeface="Cambria Math" panose="02040503050406030204" pitchFamily="18" charset="0"/>
+                          </a:rPr>
+                          <m:t>𝑆</m:t>
+                        </m:r>
+                      </m:e>
+                      <m:sub>
+                        <m:r>
+                          <a:rPr lang="en-US" b="0" i="1" smtClean="0">
+                            <a:latin typeface="Cambria Math" panose="02040503050406030204" pitchFamily="18" charset="0"/>
+                            <a:ea typeface="Cambria Math" panose="02040503050406030204" pitchFamily="18" charset="0"/>
+                          </a:rPr>
+                          <m:t>𝑥𝑦</m:t>
+                        </m:r>
+                      </m:sub>
+                    </m:sSub>
+                    <m:r>
+                      <a:rPr lang="en-US" b="0" i="1" smtClean="0">
+                        <a:latin typeface="Cambria Math" panose="02040503050406030204" pitchFamily="18" charset="0"/>
+                        <a:ea typeface="Cambria Math" panose="02040503050406030204" pitchFamily="18" charset="0"/>
+                      </a:rPr>
+                      <m:t>=</m:t>
+                    </m:r>
+                    <m:f>
+                      <m:fPr>
+                        <m:ctrlPr>
+                          <a:rPr lang="en-US" b="0" i="1" smtClean="0">
+                            <a:latin typeface="Cambria Math" panose="02040503050406030204" pitchFamily="18" charset="0"/>
+                            <a:ea typeface="Cambria Math" panose="02040503050406030204" pitchFamily="18" charset="0"/>
+                          </a:rPr>
+                        </m:ctrlPr>
+                      </m:fPr>
+                      <m:num>
+                        <m:r>
+                          <a:rPr lang="en-US" i="1">
+                            <a:latin typeface="Cambria Math" panose="02040503050406030204" pitchFamily="18" charset="0"/>
+                            <a:ea typeface="Cambria Math" panose="02040503050406030204" pitchFamily="18" charset="0"/>
+                          </a:rPr>
+                          <m:t>𝑀</m:t>
+                        </m:r>
+                        <m:sSub>
+                          <m:sSubPr>
+                            <m:ctrlPr>
+                              <a:rPr lang="en-US" i="1">
+                                <a:latin typeface="Cambria Math" panose="02040503050406030204" pitchFamily="18" charset="0"/>
+                                <a:ea typeface="Cambria Math" panose="02040503050406030204" pitchFamily="18" charset="0"/>
+                              </a:rPr>
+                            </m:ctrlPr>
+                          </m:sSubPr>
+                          <m:e>
+                            <m:r>
+                              <a:rPr lang="en-US" i="1">
+                                <a:latin typeface="Cambria Math" panose="02040503050406030204" pitchFamily="18" charset="0"/>
+                                <a:ea typeface="Cambria Math" panose="02040503050406030204" pitchFamily="18" charset="0"/>
+                              </a:rPr>
+                              <m:t>𝑈</m:t>
+                            </m:r>
+                          </m:e>
+                          <m:sub>
+                            <m:r>
+                              <a:rPr lang="en-US" i="1">
+                                <a:latin typeface="Cambria Math" panose="02040503050406030204" pitchFamily="18" charset="0"/>
+                                <a:ea typeface="Cambria Math" panose="02040503050406030204" pitchFamily="18" charset="0"/>
+                              </a:rPr>
+                              <m:t>𝑥</m:t>
+                            </m:r>
+                          </m:sub>
+                        </m:sSub>
+                      </m:num>
+                      <m:den>
+                        <m:r>
+                          <a:rPr lang="en-US" i="1">
+                            <a:latin typeface="Cambria Math" panose="02040503050406030204" pitchFamily="18" charset="0"/>
+                            <a:ea typeface="Cambria Math" panose="02040503050406030204" pitchFamily="18" charset="0"/>
+                          </a:rPr>
+                          <m:t>𝑀</m:t>
+                        </m:r>
+                        <m:sSub>
+                          <m:sSubPr>
+                            <m:ctrlPr>
+                              <a:rPr lang="en-US" i="1">
+                                <a:latin typeface="Cambria Math" panose="02040503050406030204" pitchFamily="18" charset="0"/>
+                                <a:ea typeface="Cambria Math" panose="02040503050406030204" pitchFamily="18" charset="0"/>
+                              </a:rPr>
+                            </m:ctrlPr>
+                          </m:sSubPr>
+                          <m:e>
+                            <m:r>
+                              <a:rPr lang="en-US" i="1">
+                                <a:latin typeface="Cambria Math" panose="02040503050406030204" pitchFamily="18" charset="0"/>
+                                <a:ea typeface="Cambria Math" panose="02040503050406030204" pitchFamily="18" charset="0"/>
+                              </a:rPr>
+                              <m:t>𝑈</m:t>
+                            </m:r>
+                          </m:e>
+                          <m:sub>
+                            <m:r>
+                              <a:rPr lang="en-US" i="1">
+                                <a:latin typeface="Cambria Math" panose="02040503050406030204" pitchFamily="18" charset="0"/>
+                                <a:ea typeface="Cambria Math" panose="02040503050406030204" pitchFamily="18" charset="0"/>
+                              </a:rPr>
+                              <m:t>𝑦</m:t>
+                            </m:r>
+                          </m:sub>
+                        </m:sSub>
+                      </m:den>
+                    </m:f>
+                  </m:oMath>
+                </a14:m>
+                <a:endParaRPr lang="en-US" dirty="0"/>
+              </a:p>
+              <a:p>
+                <a:pPr>
+                  <a:buFont typeface="+mj-lt"/>
+                  <a:buAutoNum type="arabicPeriod"/>
+                </a:pPr>
+                <a:endParaRPr lang="en-US" sz="500" dirty="0"/>
+              </a:p>
+              <a:p>
+                <a:pPr marL="457200" indent="-457200">
+                  <a:buFont typeface="+mj-lt"/>
+                  <a:buAutoNum type="arabicPeriod"/>
+                </a:pPr>
+                <a:r>
+                  <a:rPr lang="en-US" dirty="0"/>
+                  <a:t>Set up </a:t>
+                </a:r>
+                <a14:m>
+                  <m:oMath xmlns:m="http://schemas.openxmlformats.org/officeDocument/2006/math">
+                    <m:r>
+                      <a:rPr lang="en-US" i="1">
+                        <a:latin typeface="Cambria Math" panose="02040503050406030204" pitchFamily="18" charset="0"/>
+                        <a:ea typeface="Cambria Math" panose="02040503050406030204" pitchFamily="18" charset="0"/>
+                      </a:rPr>
+                      <m:t>𝑀𝑅</m:t>
+                    </m:r>
+                    <m:sSub>
+                      <m:sSubPr>
+                        <m:ctrlPr>
+                          <a:rPr lang="en-US" i="1">
+                            <a:latin typeface="Cambria Math" panose="02040503050406030204" pitchFamily="18" charset="0"/>
+                            <a:ea typeface="Cambria Math" panose="02040503050406030204" pitchFamily="18" charset="0"/>
+                          </a:rPr>
+                        </m:ctrlPr>
+                      </m:sSubPr>
+                      <m:e>
+                        <m:r>
+                          <a:rPr lang="en-US" i="1">
+                            <a:latin typeface="Cambria Math" panose="02040503050406030204" pitchFamily="18" charset="0"/>
+                            <a:ea typeface="Cambria Math" panose="02040503050406030204" pitchFamily="18" charset="0"/>
+                          </a:rPr>
+                          <m:t>𝑆</m:t>
+                        </m:r>
+                      </m:e>
+                      <m:sub>
+                        <m:r>
+                          <a:rPr lang="en-US" i="1">
+                            <a:latin typeface="Cambria Math" panose="02040503050406030204" pitchFamily="18" charset="0"/>
+                            <a:ea typeface="Cambria Math" panose="02040503050406030204" pitchFamily="18" charset="0"/>
+                          </a:rPr>
+                          <m:t>𝑥𝑦</m:t>
+                        </m:r>
+                      </m:sub>
+                    </m:sSub>
+                    <m:r>
+                      <a:rPr lang="en-US" b="0" i="1" smtClean="0">
+                        <a:latin typeface="Cambria Math" panose="02040503050406030204" pitchFamily="18" charset="0"/>
+                        <a:ea typeface="Cambria Math" panose="02040503050406030204" pitchFamily="18" charset="0"/>
+                      </a:rPr>
+                      <m:t>=</m:t>
+                    </m:r>
+                    <m:f>
+                      <m:fPr>
+                        <m:ctrlPr>
+                          <a:rPr lang="en-US" i="1" smtClean="0">
+                            <a:latin typeface="Cambria Math" panose="02040503050406030204" pitchFamily="18" charset="0"/>
+                          </a:rPr>
+                        </m:ctrlPr>
+                      </m:fPr>
+                      <m:num>
+                        <m:sSub>
+                          <m:sSubPr>
+                            <m:ctrlPr>
+                              <a:rPr lang="en-US" b="0" i="1" smtClean="0">
+                                <a:latin typeface="Cambria Math" panose="02040503050406030204" pitchFamily="18" charset="0"/>
+                              </a:rPr>
+                            </m:ctrlPr>
+                          </m:sSubPr>
+                          <m:e>
+                            <m:r>
+                              <a:rPr lang="en-US" b="0" i="1" smtClean="0">
+                                <a:latin typeface="Cambria Math" panose="02040503050406030204" pitchFamily="18" charset="0"/>
+                              </a:rPr>
+                              <m:t>𝑃</m:t>
+                            </m:r>
+                          </m:e>
+                          <m:sub>
+                            <m:r>
+                              <a:rPr lang="en-US" b="0" i="1" smtClean="0">
+                                <a:latin typeface="Cambria Math" panose="02040503050406030204" pitchFamily="18" charset="0"/>
+                              </a:rPr>
+                              <m:t>𝑥</m:t>
+                            </m:r>
+                          </m:sub>
+                        </m:sSub>
+                      </m:num>
+                      <m:den>
+                        <m:sSub>
+                          <m:sSubPr>
+                            <m:ctrlPr>
+                              <a:rPr lang="en-US" b="0" i="1" smtClean="0">
+                                <a:latin typeface="Cambria Math" panose="02040503050406030204" pitchFamily="18" charset="0"/>
+                              </a:rPr>
+                            </m:ctrlPr>
+                          </m:sSubPr>
+                          <m:e>
+                            <m:r>
+                              <a:rPr lang="en-US" b="0" i="1" smtClean="0">
+                                <a:latin typeface="Cambria Math" panose="02040503050406030204" pitchFamily="18" charset="0"/>
+                              </a:rPr>
+                              <m:t>𝑃</m:t>
+                            </m:r>
+                          </m:e>
+                          <m:sub>
+                            <m:r>
+                              <a:rPr lang="en-US" b="0" i="1" smtClean="0">
+                                <a:latin typeface="Cambria Math" panose="02040503050406030204" pitchFamily="18" charset="0"/>
+                              </a:rPr>
+                              <m:t>𝑦</m:t>
+                            </m:r>
+                          </m:sub>
+                        </m:sSub>
+                      </m:den>
+                    </m:f>
+                  </m:oMath>
+                </a14:m>
+                <a:r>
+                  <a:rPr lang="en-US" dirty="0"/>
+                  <a:t>  to find the optimal ratio.</a:t>
+                </a:r>
+              </a:p>
+              <a:p>
+                <a:pPr>
+                  <a:buFont typeface="+mj-lt"/>
+                  <a:buAutoNum type="arabicPeriod"/>
+                </a:pPr>
+                <a:endParaRPr lang="en-US" sz="500" dirty="0"/>
+              </a:p>
+              <a:p>
+                <a:pPr marL="457200" indent="-457200">
+                  <a:buFont typeface="+mj-lt"/>
+                  <a:buAutoNum type="arabicPeriod"/>
+                </a:pPr>
+                <a:r>
+                  <a:rPr lang="en-US" dirty="0"/>
+                  <a:t>Use the optimal ratio and budget line to find </a:t>
+                </a:r>
+                <a14:m>
+                  <m:oMath xmlns:m="http://schemas.openxmlformats.org/officeDocument/2006/math">
+                    <m:r>
+                      <a:rPr lang="en-US" b="0" i="0" dirty="0" smtClean="0">
+                        <a:latin typeface="Cambria Math" panose="02040503050406030204" pitchFamily="18" charset="0"/>
+                      </a:rPr>
+                      <m:t>(</m:t>
+                    </m:r>
+                    <m:sSup>
+                      <m:sSupPr>
+                        <m:ctrlPr>
+                          <a:rPr lang="en-US" b="0" i="1" dirty="0" smtClean="0">
+                            <a:latin typeface="Cambria Math" panose="02040503050406030204" pitchFamily="18" charset="0"/>
+                          </a:rPr>
+                        </m:ctrlPr>
+                      </m:sSupPr>
+                      <m:e>
+                        <m:r>
+                          <a:rPr lang="en-US" i="1" dirty="0" smtClean="0">
+                            <a:latin typeface="Cambria Math" panose="02040503050406030204" pitchFamily="18" charset="0"/>
+                          </a:rPr>
+                          <m:t>𝑥</m:t>
+                        </m:r>
+                      </m:e>
+                      <m:sup>
+                        <m:r>
+                          <a:rPr lang="en-US" b="0" i="1" dirty="0" smtClean="0">
+                            <a:latin typeface="Cambria Math" panose="02040503050406030204" pitchFamily="18" charset="0"/>
+                          </a:rPr>
+                          <m:t>∗</m:t>
+                        </m:r>
+                      </m:sup>
+                    </m:sSup>
+                    <m:r>
+                      <a:rPr lang="en-US" b="0" i="1" dirty="0" smtClean="0">
+                        <a:latin typeface="Cambria Math" panose="02040503050406030204" pitchFamily="18" charset="0"/>
+                      </a:rPr>
+                      <m:t>,</m:t>
+                    </m:r>
+                    <m:sSup>
+                      <m:sSupPr>
+                        <m:ctrlPr>
+                          <a:rPr lang="en-US" b="0" i="1" dirty="0" smtClean="0">
+                            <a:latin typeface="Cambria Math" panose="02040503050406030204" pitchFamily="18" charset="0"/>
+                          </a:rPr>
+                        </m:ctrlPr>
+                      </m:sSupPr>
+                      <m:e>
+                        <m:r>
+                          <a:rPr lang="en-US" b="0" i="1" dirty="0" smtClean="0">
+                            <a:latin typeface="Cambria Math" panose="02040503050406030204" pitchFamily="18" charset="0"/>
+                          </a:rPr>
+                          <m:t>𝑦</m:t>
+                        </m:r>
+                      </m:e>
+                      <m:sup>
+                        <m:r>
+                          <a:rPr lang="en-US" b="0" i="1" dirty="0" smtClean="0">
+                            <a:latin typeface="Cambria Math" panose="02040503050406030204" pitchFamily="18" charset="0"/>
+                          </a:rPr>
+                          <m:t>∗</m:t>
+                        </m:r>
+                      </m:sup>
+                    </m:sSup>
+                    <m:r>
+                      <a:rPr lang="en-US" b="0" i="1" dirty="0" smtClean="0">
+                        <a:latin typeface="Cambria Math" panose="02040503050406030204" pitchFamily="18" charset="0"/>
+                      </a:rPr>
+                      <m:t>)</m:t>
+                    </m:r>
+                  </m:oMath>
+                </a14:m>
+                <a:r>
+                  <a:rPr lang="en-US" dirty="0"/>
+                  <a:t>.</a:t>
+                </a:r>
+              </a:p>
+              <a:p>
+                <a:pPr lvl="1"/>
+                <a:endParaRPr lang="en-US" dirty="0"/>
+              </a:p>
+            </p:txBody>
+          </p:sp>
+        </mc:Choice>
+        <mc:Fallback>
+          <p:sp>
+            <p:nvSpPr>
+              <p:cNvPr id="3" name="Content Placeholder 2">
+                <a:extLst>
+                  <a:ext uri="{FF2B5EF4-FFF2-40B4-BE49-F238E27FC236}">
+                    <a16:creationId xmlns:a16="http://schemas.microsoft.com/office/drawing/2014/main" id="{5A717BAA-D4BA-C7EB-5696-203603829C7C}"/>
+                  </a:ext>
+                </a:extLst>
+              </p:cNvPr>
+              <p:cNvSpPr>
+                <a:spLocks noGrp="1" noRot="1" noChangeAspect="1" noMove="1" noResize="1" noEditPoints="1" noAdjustHandles="1" noChangeArrowheads="1" noChangeShapeType="1" noTextEdit="1"/>
+              </p:cNvSpPr>
+              <p:nvPr>
+                <p:ph idx="1"/>
+              </p:nvPr>
+            </p:nvSpPr>
+            <p:spPr>
+              <a:blipFill>
+                <a:blip r:embed="rId2"/>
+                <a:stretch>
+                  <a:fillRect l="-1082"/>
+                </a:stretch>
+              </a:blipFill>
+            </p:spPr>
+            <p:txBody>
+              <a:bodyPr/>
+              <a:lstStyle/>
+              <a:p>
+                <a:r>
+                  <a:rPr lang="en-US">
+                    <a:noFill/>
+                  </a:rPr>
+                  <a:t> </a:t>
+                </a:r>
+              </a:p>
+            </p:txBody>
+          </p:sp>
+        </mc:Fallback>
+      </mc:AlternateContent>
+      <p:sp>
+        <p:nvSpPr>
+          <p:cNvPr id="4" name="Date Placeholder 3">
+            <a:extLst>
+              <a:ext uri="{FF2B5EF4-FFF2-40B4-BE49-F238E27FC236}">
+                <a16:creationId xmlns:a16="http://schemas.microsoft.com/office/drawing/2014/main" id="{B09CFCAE-B4E3-649B-FDB7-488E4E51258C}"/>
+              </a:ext>
+            </a:extLst>
+          </p:cNvPr>
+          <p:cNvSpPr>
+            <a:spLocks noGrp="1"/>
+          </p:cNvSpPr>
+          <p:nvPr>
+            <p:ph type="dt" sz="half" idx="10"/>
+          </p:nvPr>
+        </p:nvSpPr>
+        <p:spPr/>
+        <p:txBody>
+          <a:bodyPr/>
+          <a:lstStyle/>
+          <a:p>
+            <a:r>
+              <a:rPr lang="en-US" dirty="0"/>
+              <a:t>Fall 2023</a:t>
+            </a:r>
+          </a:p>
+        </p:txBody>
+      </p:sp>
+      <p:sp>
+        <p:nvSpPr>
+          <p:cNvPr id="5" name="Footer Placeholder 4">
+            <a:extLst>
+              <a:ext uri="{FF2B5EF4-FFF2-40B4-BE49-F238E27FC236}">
+                <a16:creationId xmlns:a16="http://schemas.microsoft.com/office/drawing/2014/main" id="{52AC4525-C5C8-8596-B2EA-0E2C5344302C}"/>
+              </a:ext>
+            </a:extLst>
+          </p:cNvPr>
+          <p:cNvSpPr>
+            <a:spLocks noGrp="1"/>
+          </p:cNvSpPr>
+          <p:nvPr>
+            <p:ph type="ftr" sz="quarter" idx="11"/>
+          </p:nvPr>
+        </p:nvSpPr>
+        <p:spPr/>
+        <p:txBody>
+          <a:bodyPr/>
+          <a:lstStyle/>
+          <a:p>
+            <a:r>
+              <a:rPr lang="en-US" dirty="0"/>
+              <a:t>DEPARTMENT OF BUSINESS &amp; ECONOMICS</a:t>
+            </a:r>
+          </a:p>
+        </p:txBody>
+      </p:sp>
+      <p:sp>
+        <p:nvSpPr>
+          <p:cNvPr id="6" name="Slide Number Placeholder 5">
+            <a:extLst>
+              <a:ext uri="{FF2B5EF4-FFF2-40B4-BE49-F238E27FC236}">
+                <a16:creationId xmlns:a16="http://schemas.microsoft.com/office/drawing/2014/main" id="{1E261E69-6082-7B91-F48A-C4702A4B503E}"/>
+              </a:ext>
+            </a:extLst>
+          </p:cNvPr>
+          <p:cNvSpPr>
+            <a:spLocks noGrp="1"/>
+          </p:cNvSpPr>
+          <p:nvPr>
+            <p:ph type="sldNum" sz="quarter" idx="12"/>
+          </p:nvPr>
+        </p:nvSpPr>
+        <p:spPr/>
+        <p:txBody>
+          <a:bodyPr/>
+          <a:lstStyle/>
+          <a:p>
+            <a:fld id="{1A980C56-831A-4EAB-9EDE-57C090F4F877}" type="slidenum">
+              <a:rPr lang="en-US" smtClean="0"/>
+              <a:t>28</a:t>
+            </a:fld>
+            <a:endParaRPr lang="en-US" dirty="0"/>
+          </a:p>
+        </p:txBody>
+      </p:sp>
+    </p:spTree>
+    <p:extLst>
+      <p:ext uri="{BB962C8B-B14F-4D97-AF65-F5344CB8AC3E}">
+        <p14:creationId xmlns:p14="http://schemas.microsoft.com/office/powerpoint/2010/main" val="3478158122"/>
+      </p:ext>
+    </p:extLst>
+  </p:cSld>
+  <p:clrMapOvr>
+    <a:masterClrMapping/>
+  </p:clrMapOvr>
+  <p:timing>
+    <p:tnLst>
+      <p:par>
+        <p:cTn id="1" dur="indefinite" restart="never" nodeType="tmRoot">
+          <p:childTnLst>
+            <p:seq concurrent="1" nextAc="seek">
+              <p:cTn id="2" dur="indefinite" nodeType="mainSeq">
+                <p:childTnLst>
+                  <p:par>
+                    <p:cTn id="3" fill="hold">
+                      <p:stCondLst>
+                        <p:cond delay="indefinite"/>
+                      </p:stCondLst>
+                      <p:childTnLst>
+                        <p:par>
+                          <p:cTn id="4" fill="hold">
+                            <p:stCondLst>
+                              <p:cond delay="0"/>
+                            </p:stCondLst>
+                            <p:childTnLst>
+                              <p:par>
+                                <p:cTn id="5" presetID="10" presetClass="entr" presetSubtype="0" fill="hold" nodeType="clickEffect">
+                                  <p:stCondLst>
+                                    <p:cond delay="0"/>
+                                  </p:stCondLst>
+                                  <p:childTnLst>
+                                    <p:set>
+                                      <p:cBhvr>
+                                        <p:cTn id="6" dur="1" fill="hold">
+                                          <p:stCondLst>
+                                            <p:cond delay="0"/>
+                                          </p:stCondLst>
+                                        </p:cTn>
+                                        <p:tgtEl>
+                                          <p:spTgt spid="3">
+                                            <p:txEl>
+                                              <p:pRg st="0" end="0"/>
+                                            </p:txEl>
+                                          </p:spTgt>
+                                        </p:tgtEl>
+                                        <p:attrNameLst>
+                                          <p:attrName>style.visibility</p:attrName>
+                                        </p:attrNameLst>
+                                      </p:cBhvr>
+                                      <p:to>
+                                        <p:strVal val="visible"/>
+                                      </p:to>
+                                    </p:set>
+                                    <p:animEffect transition="in" filter="fade">
+                                      <p:cBhvr>
+                                        <p:cTn id="7" dur="500"/>
+                                        <p:tgtEl>
+                                          <p:spTgt spid="3">
+                                            <p:txEl>
+                                              <p:pRg st="0" end="0"/>
+                                            </p:txEl>
+                                          </p:spTgt>
+                                        </p:tgtEl>
+                                      </p:cBhvr>
+                                    </p:animEffect>
+                                  </p:childTnLst>
+                                </p:cTn>
+                              </p:par>
+                            </p:childTnLst>
+                          </p:cTn>
+                        </p:par>
+                      </p:childTnLst>
+                    </p:cTn>
+                  </p:par>
+                  <p:par>
+                    <p:cTn id="8" fill="hold">
+                      <p:stCondLst>
+                        <p:cond delay="indefinite"/>
+                      </p:stCondLst>
+                      <p:childTnLst>
+                        <p:par>
+                          <p:cTn id="9" fill="hold">
+                            <p:stCondLst>
+                              <p:cond delay="0"/>
+                            </p:stCondLst>
+                            <p:childTnLst>
+                              <p:par>
+                                <p:cTn id="10" presetID="10" presetClass="entr" presetSubtype="0" fill="hold" nodeType="clickEffect">
+                                  <p:stCondLst>
+                                    <p:cond delay="0"/>
+                                  </p:stCondLst>
+                                  <p:childTnLst>
+                                    <p:set>
+                                      <p:cBhvr>
+                                        <p:cTn id="11" dur="1" fill="hold">
+                                          <p:stCondLst>
+                                            <p:cond delay="0"/>
+                                          </p:stCondLst>
+                                        </p:cTn>
+                                        <p:tgtEl>
+                                          <p:spTgt spid="3">
+                                            <p:txEl>
+                                              <p:pRg st="2" end="2"/>
+                                            </p:txEl>
+                                          </p:spTgt>
+                                        </p:tgtEl>
+                                        <p:attrNameLst>
+                                          <p:attrName>style.visibility</p:attrName>
+                                        </p:attrNameLst>
+                                      </p:cBhvr>
+                                      <p:to>
+                                        <p:strVal val="visible"/>
+                                      </p:to>
+                                    </p:set>
+                                    <p:animEffect transition="in" filter="fade">
+                                      <p:cBhvr>
+                                        <p:cTn id="12" dur="500"/>
+                                        <p:tgtEl>
+                                          <p:spTgt spid="3">
+                                            <p:txEl>
+                                              <p:pRg st="2" end="2"/>
+                                            </p:txEl>
+                                          </p:spTgt>
+                                        </p:tgtEl>
+                                      </p:cBhvr>
+                                    </p:animEffect>
+                                  </p:childTnLst>
+                                </p:cTn>
+                              </p:par>
+                            </p:childTnLst>
+                          </p:cTn>
+                        </p:par>
+                      </p:childTnLst>
+                    </p:cTn>
+                  </p:par>
+                  <p:par>
+                    <p:cTn id="13" fill="hold">
+                      <p:stCondLst>
+                        <p:cond delay="indefinite"/>
+                      </p:stCondLst>
+                      <p:childTnLst>
+                        <p:par>
+                          <p:cTn id="14" fill="hold">
+                            <p:stCondLst>
+                              <p:cond delay="0"/>
+                            </p:stCondLst>
+                            <p:childTnLst>
+                              <p:par>
+                                <p:cTn id="15" presetID="10" presetClass="entr" presetSubtype="0" fill="hold" nodeType="clickEffect">
+                                  <p:stCondLst>
+                                    <p:cond delay="0"/>
+                                  </p:stCondLst>
+                                  <p:childTnLst>
+                                    <p:set>
+                                      <p:cBhvr>
+                                        <p:cTn id="16" dur="1" fill="hold">
+                                          <p:stCondLst>
+                                            <p:cond delay="0"/>
+                                          </p:stCondLst>
+                                        </p:cTn>
+                                        <p:tgtEl>
+                                          <p:spTgt spid="3">
+                                            <p:txEl>
+                                              <p:pRg st="4" end="4"/>
+                                            </p:txEl>
+                                          </p:spTgt>
+                                        </p:tgtEl>
+                                        <p:attrNameLst>
+                                          <p:attrName>style.visibility</p:attrName>
+                                        </p:attrNameLst>
+                                      </p:cBhvr>
+                                      <p:to>
+                                        <p:strVal val="visible"/>
+                                      </p:to>
+                                    </p:set>
+                                    <p:animEffect transition="in" filter="fade">
+                                      <p:cBhvr>
+                                        <p:cTn id="17" dur="500"/>
+                                        <p:tgtEl>
+                                          <p:spTgt spid="3">
+                                            <p:txEl>
+                                              <p:pRg st="4" end="4"/>
+                                            </p:txEl>
+                                          </p:spTgt>
+                                        </p:tgtEl>
+                                      </p:cBhvr>
+                                    </p:animEffect>
+                                  </p:childTnLst>
+                                </p:cTn>
+                              </p:par>
+                            </p:childTnLst>
+                          </p:cTn>
+                        </p:par>
+                      </p:childTnLst>
+                    </p:cTn>
+                  </p:par>
+                  <p:par>
+                    <p:cTn id="18" fill="hold">
+                      <p:stCondLst>
+                        <p:cond delay="indefinite"/>
+                      </p:stCondLst>
+                      <p:childTnLst>
+                        <p:par>
+                          <p:cTn id="19" fill="hold">
+                            <p:stCondLst>
+                              <p:cond delay="0"/>
+                            </p:stCondLst>
+                            <p:childTnLst>
+                              <p:par>
+                                <p:cTn id="20" presetID="10" presetClass="entr" presetSubtype="0" fill="hold" nodeType="clickEffect">
+                                  <p:stCondLst>
+                                    <p:cond delay="0"/>
+                                  </p:stCondLst>
+                                  <p:childTnLst>
+                                    <p:set>
+                                      <p:cBhvr>
+                                        <p:cTn id="21" dur="1" fill="hold">
+                                          <p:stCondLst>
+                                            <p:cond delay="0"/>
+                                          </p:stCondLst>
+                                        </p:cTn>
+                                        <p:tgtEl>
+                                          <p:spTgt spid="3">
+                                            <p:txEl>
+                                              <p:pRg st="6" end="6"/>
+                                            </p:txEl>
+                                          </p:spTgt>
+                                        </p:tgtEl>
+                                        <p:attrNameLst>
+                                          <p:attrName>style.visibility</p:attrName>
+                                        </p:attrNameLst>
+                                      </p:cBhvr>
+                                      <p:to>
+                                        <p:strVal val="visible"/>
+                                      </p:to>
+                                    </p:set>
+                                    <p:animEffect transition="in" filter="fade">
+                                      <p:cBhvr>
+                                        <p:cTn id="22" dur="500"/>
+                                        <p:tgtEl>
+                                          <p:spTgt spid="3">
+                                            <p:txEl>
+                                              <p:pRg st="6" end="6"/>
+                                            </p:txEl>
+                                          </p:spTgt>
+                                        </p:tgtEl>
+                                      </p:cBhvr>
+                                    </p:animEffect>
+                                  </p:childTnLst>
+                                </p:cTn>
+                              </p:par>
+                            </p:childTnLst>
+                          </p:cTn>
+                        </p:par>
+                      </p:childTnLst>
+                    </p:cTn>
+                  </p:par>
+                  <p:par>
+                    <p:cTn id="23" fill="hold">
+                      <p:stCondLst>
+                        <p:cond delay="indefinite"/>
+                      </p:stCondLst>
+                      <p:childTnLst>
+                        <p:par>
+                          <p:cTn id="24" fill="hold">
+                            <p:stCondLst>
+                              <p:cond delay="0"/>
+                            </p:stCondLst>
+                            <p:childTnLst>
+                              <p:par>
+                                <p:cTn id="25" presetID="10" presetClass="entr" presetSubtype="0" fill="hold" nodeType="clickEffect">
+                                  <p:stCondLst>
+                                    <p:cond delay="0"/>
+                                  </p:stCondLst>
+                                  <p:childTnLst>
+                                    <p:set>
+                                      <p:cBhvr>
+                                        <p:cTn id="26" dur="1" fill="hold">
+                                          <p:stCondLst>
+                                            <p:cond delay="0"/>
+                                          </p:stCondLst>
+                                        </p:cTn>
+                                        <p:tgtEl>
+                                          <p:spTgt spid="3">
+                                            <p:txEl>
+                                              <p:pRg st="8" end="8"/>
+                                            </p:txEl>
+                                          </p:spTgt>
+                                        </p:tgtEl>
+                                        <p:attrNameLst>
+                                          <p:attrName>style.visibility</p:attrName>
+                                        </p:attrNameLst>
+                                      </p:cBhvr>
+                                      <p:to>
+                                        <p:strVal val="visible"/>
+                                      </p:to>
+                                    </p:set>
+                                    <p:animEffect transition="in" filter="fade">
+                                      <p:cBhvr>
+                                        <p:cTn id="27" dur="500"/>
+                                        <p:tgtEl>
+                                          <p:spTgt spid="3">
+                                            <p:txEl>
+                                              <p:pRg st="8" end="8"/>
+                                            </p:txEl>
+                                          </p:spTgt>
+                                        </p:tgtEl>
+                                      </p:cBhvr>
+                                    </p:animEffect>
+                                  </p:childTnLst>
+                                </p:cTn>
+                              </p:par>
+                            </p:childTnLst>
+                          </p:cTn>
+                        </p:par>
+                      </p:childTnLst>
+                    </p:cTn>
+                  </p:par>
+                </p:childTnLst>
+              </p:cTn>
+              <p:prevCondLst>
+                <p:cond evt="onPrev" delay="0">
+                  <p:tgtEl>
+                    <p:sldTgt/>
+                  </p:tgtEl>
+                </p:cond>
+              </p:prevCondLst>
+              <p:nextCondLst>
+                <p:cond evt="onNext" delay="0">
+                  <p:tgtEl>
+                    <p:sldTgt/>
+                  </p:tgtEl>
+                </p:cond>
+              </p:nextCondLst>
+            </p:seq>
+          </p:childTnLst>
+        </p:cTn>
+      </p:par>
+    </p:tnLst>
+  </p:timing>
+</p:sld>
+</file>
+
+<file path=ppt/slides/slide29.xml><?xml version="1.0" encoding="utf-8"?>
+<p:sld xmlns:a="http://schemas.openxmlformats.org/drawingml/2006/main" xmlns:r="http://schemas.openxmlformats.org/officeDocument/2006/relationships" xmlns:p="http://schemas.openxmlformats.org/presentationml/2006/main">
+  <p:cSld>
+    <p:spTree>
+      <p:nvGrpSpPr>
+        <p:cNvPr id="1" name=""/>
+        <p:cNvGrpSpPr/>
+        <p:nvPr/>
+      </p:nvGrpSpPr>
+      <p:grpSpPr>
+        <a:xfrm>
+          <a:off x="0" y="0"/>
+          <a:ext cx="0" cy="0"/>
+          <a:chOff x="0" y="0"/>
+          <a:chExt cx="0" cy="0"/>
+        </a:xfrm>
+      </p:grpSpPr>
+      <p:sp>
+        <p:nvSpPr>
+          <p:cNvPr id="2" name="Title 1">
+            <a:extLst>
+              <a:ext uri="{FF2B5EF4-FFF2-40B4-BE49-F238E27FC236}">
+                <a16:creationId xmlns:a16="http://schemas.microsoft.com/office/drawing/2014/main" id="{0D8E3986-575B-B929-0562-1561C73A78DE}"/>
+              </a:ext>
+            </a:extLst>
+          </p:cNvPr>
+          <p:cNvSpPr>
+            <a:spLocks noGrp="1"/>
+          </p:cNvSpPr>
+          <p:nvPr>
+            <p:ph type="title"/>
+          </p:nvPr>
+        </p:nvSpPr>
+        <p:spPr/>
+        <p:txBody>
+          <a:bodyPr/>
+          <a:lstStyle/>
+          <a:p>
+            <a:r>
+              <a:rPr lang="en-US" dirty="0"/>
+              <a:t>Alternative Recap of Standard UMP</a:t>
+            </a:r>
+          </a:p>
+        </p:txBody>
+      </p:sp>
+      <mc:AlternateContent xmlns:mc="http://schemas.openxmlformats.org/markup-compatibility/2006">
+        <mc:Choice xmlns:a14="http://schemas.microsoft.com/office/drawing/2010/main" Requires="a14">
+          <p:sp>
+            <p:nvSpPr>
+              <p:cNvPr id="3" name="Content Placeholder 2">
+                <a:extLst>
+                  <a:ext uri="{FF2B5EF4-FFF2-40B4-BE49-F238E27FC236}">
+                    <a16:creationId xmlns:a16="http://schemas.microsoft.com/office/drawing/2014/main" id="{5A717BAA-D4BA-C7EB-5696-203603829C7C}"/>
+                  </a:ext>
+                </a:extLst>
+              </p:cNvPr>
+              <p:cNvSpPr>
+                <a:spLocks noGrp="1"/>
+              </p:cNvSpPr>
+              <p:nvPr>
+                <p:ph idx="1"/>
+              </p:nvPr>
+            </p:nvSpPr>
+            <p:spPr/>
+            <p:txBody>
+              <a:bodyPr>
+                <a:normAutofit/>
+              </a:bodyPr>
+              <a:lstStyle/>
+              <a:p>
+                <a:pPr marL="457200" indent="-457200">
+                  <a:buFont typeface="+mj-lt"/>
+                  <a:buAutoNum type="arabicPeriod"/>
+                </a:pPr>
+                <a:r>
+                  <a:rPr lang="en-US" dirty="0"/>
+                  <a:t>Calculate </a:t>
+                </a:r>
+                <a14:m>
+                  <m:oMath xmlns:m="http://schemas.openxmlformats.org/officeDocument/2006/math">
+                    <m:r>
+                      <a:rPr lang="en-US" b="0" i="1" smtClean="0">
+                        <a:latin typeface="Cambria Math" panose="02040503050406030204" pitchFamily="18" charset="0"/>
+                        <a:ea typeface="Cambria Math" panose="02040503050406030204" pitchFamily="18" charset="0"/>
+                      </a:rPr>
+                      <m:t>𝑀</m:t>
+                    </m:r>
+                    <m:sSub>
+                      <m:sSubPr>
+                        <m:ctrlPr>
+                          <a:rPr lang="en-US" b="0" i="1" smtClean="0">
+                            <a:latin typeface="Cambria Math" panose="02040503050406030204" pitchFamily="18" charset="0"/>
+                            <a:ea typeface="Cambria Math" panose="02040503050406030204" pitchFamily="18" charset="0"/>
+                          </a:rPr>
+                        </m:ctrlPr>
+                      </m:sSubPr>
+                      <m:e>
+                        <m:r>
+                          <a:rPr lang="en-US" b="0" i="1" smtClean="0">
+                            <a:latin typeface="Cambria Math" panose="02040503050406030204" pitchFamily="18" charset="0"/>
+                            <a:ea typeface="Cambria Math" panose="02040503050406030204" pitchFamily="18" charset="0"/>
+                          </a:rPr>
+                          <m:t>𝑈</m:t>
+                        </m:r>
+                      </m:e>
+                      <m:sub>
+                        <m:r>
+                          <a:rPr lang="en-US" b="0" i="1" smtClean="0">
+                            <a:latin typeface="Cambria Math" panose="02040503050406030204" pitchFamily="18" charset="0"/>
+                            <a:ea typeface="Cambria Math" panose="02040503050406030204" pitchFamily="18" charset="0"/>
+                          </a:rPr>
+                          <m:t>𝑥</m:t>
+                        </m:r>
+                      </m:sub>
+                    </m:sSub>
+                    <m:r>
+                      <a:rPr lang="en-US" b="0" i="1" smtClean="0">
+                        <a:latin typeface="Cambria Math" panose="02040503050406030204" pitchFamily="18" charset="0"/>
+                        <a:ea typeface="Cambria Math" panose="02040503050406030204" pitchFamily="18" charset="0"/>
+                      </a:rPr>
+                      <m:t>=</m:t>
+                    </m:r>
+                    <m:f>
+                      <m:fPr>
+                        <m:ctrlPr>
+                          <a:rPr lang="en-US" b="0" i="1" smtClean="0">
+                            <a:latin typeface="Cambria Math" panose="02040503050406030204" pitchFamily="18" charset="0"/>
+                            <a:ea typeface="Cambria Math" panose="02040503050406030204" pitchFamily="18" charset="0"/>
+                          </a:rPr>
+                        </m:ctrlPr>
+                      </m:fPr>
+                      <m:num>
+                        <m:r>
+                          <a:rPr lang="en-US" b="0" i="1" smtClean="0">
+                            <a:latin typeface="Cambria Math" panose="02040503050406030204" pitchFamily="18" charset="0"/>
+                            <a:ea typeface="Cambria Math" panose="02040503050406030204" pitchFamily="18" charset="0"/>
+                          </a:rPr>
+                          <m:t>𝜕</m:t>
+                        </m:r>
+                      </m:num>
+                      <m:den>
+                        <m:r>
+                          <a:rPr lang="en-US" b="0" i="1" smtClean="0">
+                            <a:latin typeface="Cambria Math" panose="02040503050406030204" pitchFamily="18" charset="0"/>
+                            <a:ea typeface="Cambria Math" panose="02040503050406030204" pitchFamily="18" charset="0"/>
+                          </a:rPr>
+                          <m:t>𝜕</m:t>
+                        </m:r>
+                        <m:r>
+                          <a:rPr lang="en-US" b="0" i="1" smtClean="0">
+                            <a:latin typeface="Cambria Math" panose="02040503050406030204" pitchFamily="18" charset="0"/>
+                            <a:ea typeface="Cambria Math" panose="02040503050406030204" pitchFamily="18" charset="0"/>
+                          </a:rPr>
+                          <m:t>𝑥</m:t>
+                        </m:r>
+                      </m:den>
+                    </m:f>
+                    <m:r>
+                      <a:rPr lang="en-US" b="0" i="1" smtClean="0">
+                        <a:latin typeface="Cambria Math" panose="02040503050406030204" pitchFamily="18" charset="0"/>
+                        <a:ea typeface="Cambria Math" panose="02040503050406030204" pitchFamily="18" charset="0"/>
+                      </a:rPr>
+                      <m:t>𝑢</m:t>
+                    </m:r>
+                    <m:d>
+                      <m:dPr>
+                        <m:ctrlPr>
+                          <a:rPr lang="en-US" b="0" i="1" smtClean="0">
+                            <a:latin typeface="Cambria Math" panose="02040503050406030204" pitchFamily="18" charset="0"/>
+                            <a:ea typeface="Cambria Math" panose="02040503050406030204" pitchFamily="18" charset="0"/>
+                          </a:rPr>
+                        </m:ctrlPr>
+                      </m:dPr>
+                      <m:e>
+                        <m:r>
+                          <a:rPr lang="en-US" b="0" i="1" smtClean="0">
+                            <a:latin typeface="Cambria Math" panose="02040503050406030204" pitchFamily="18" charset="0"/>
+                            <a:ea typeface="Cambria Math" panose="02040503050406030204" pitchFamily="18" charset="0"/>
+                          </a:rPr>
+                          <m:t>𝑥</m:t>
+                        </m:r>
+                        <m:r>
+                          <a:rPr lang="en-US" b="0" i="1" smtClean="0">
+                            <a:latin typeface="Cambria Math" panose="02040503050406030204" pitchFamily="18" charset="0"/>
+                            <a:ea typeface="Cambria Math" panose="02040503050406030204" pitchFamily="18" charset="0"/>
+                          </a:rPr>
+                          <m:t>,</m:t>
+                        </m:r>
+                        <m:r>
+                          <a:rPr lang="en-US" b="0" i="1" smtClean="0">
+                            <a:latin typeface="Cambria Math" panose="02040503050406030204" pitchFamily="18" charset="0"/>
+                            <a:ea typeface="Cambria Math" panose="02040503050406030204" pitchFamily="18" charset="0"/>
+                          </a:rPr>
+                          <m:t>𝑦</m:t>
+                        </m:r>
+                      </m:e>
+                    </m:d>
+                  </m:oMath>
+                </a14:m>
+                <a:endParaRPr lang="en-US" sz="1400" dirty="0"/>
+              </a:p>
+              <a:p>
+                <a:pPr>
+                  <a:buFont typeface="+mj-lt"/>
+                  <a:buAutoNum type="arabicPeriod"/>
+                </a:pPr>
+                <a:endParaRPr lang="en-US" sz="500" dirty="0"/>
+              </a:p>
+              <a:p>
+                <a:pPr marL="457200" indent="-457200">
+                  <a:buFont typeface="+mj-lt"/>
+                  <a:buAutoNum type="arabicPeriod"/>
+                </a:pPr>
+                <a:r>
+                  <a:rPr lang="en-US" dirty="0"/>
+                  <a:t>Calculate </a:t>
+                </a:r>
+                <a14:m>
+                  <m:oMath xmlns:m="http://schemas.openxmlformats.org/officeDocument/2006/math">
+                    <m:r>
+                      <a:rPr lang="en-US" b="0" i="1" smtClean="0">
+                        <a:latin typeface="Cambria Math" panose="02040503050406030204" pitchFamily="18" charset="0"/>
+                        <a:ea typeface="Cambria Math" panose="02040503050406030204" pitchFamily="18" charset="0"/>
+                      </a:rPr>
+                      <m:t>𝑀</m:t>
+                    </m:r>
+                    <m:sSub>
+                      <m:sSubPr>
+                        <m:ctrlPr>
+                          <a:rPr lang="en-US" b="0" i="1" smtClean="0">
+                            <a:latin typeface="Cambria Math" panose="02040503050406030204" pitchFamily="18" charset="0"/>
+                            <a:ea typeface="Cambria Math" panose="02040503050406030204" pitchFamily="18" charset="0"/>
+                          </a:rPr>
+                        </m:ctrlPr>
+                      </m:sSubPr>
+                      <m:e>
+                        <m:r>
+                          <a:rPr lang="en-US" b="0" i="1" smtClean="0">
+                            <a:latin typeface="Cambria Math" panose="02040503050406030204" pitchFamily="18" charset="0"/>
+                            <a:ea typeface="Cambria Math" panose="02040503050406030204" pitchFamily="18" charset="0"/>
+                          </a:rPr>
+                          <m:t>𝑈</m:t>
+                        </m:r>
+                      </m:e>
+                      <m:sub>
+                        <m:r>
+                          <a:rPr lang="en-US" b="0" i="1" smtClean="0">
+                            <a:latin typeface="Cambria Math" panose="02040503050406030204" pitchFamily="18" charset="0"/>
+                            <a:ea typeface="Cambria Math" panose="02040503050406030204" pitchFamily="18" charset="0"/>
+                          </a:rPr>
+                          <m:t>𝑦</m:t>
+                        </m:r>
+                      </m:sub>
+                    </m:sSub>
+                    <m:r>
+                      <a:rPr lang="en-US" b="0" i="1" smtClean="0">
+                        <a:latin typeface="Cambria Math" panose="02040503050406030204" pitchFamily="18" charset="0"/>
+                        <a:ea typeface="Cambria Math" panose="02040503050406030204" pitchFamily="18" charset="0"/>
+                      </a:rPr>
+                      <m:t>=</m:t>
+                    </m:r>
+                    <m:f>
+                      <m:fPr>
+                        <m:ctrlPr>
+                          <a:rPr lang="en-US" b="0" i="1" smtClean="0">
+                            <a:latin typeface="Cambria Math" panose="02040503050406030204" pitchFamily="18" charset="0"/>
+                            <a:ea typeface="Cambria Math" panose="02040503050406030204" pitchFamily="18" charset="0"/>
+                          </a:rPr>
+                        </m:ctrlPr>
+                      </m:fPr>
+                      <m:num>
+                        <m:r>
+                          <a:rPr lang="en-US" b="0" i="1" smtClean="0">
+                            <a:latin typeface="Cambria Math" panose="02040503050406030204" pitchFamily="18" charset="0"/>
+                            <a:ea typeface="Cambria Math" panose="02040503050406030204" pitchFamily="18" charset="0"/>
+                          </a:rPr>
+                          <m:t>𝜕</m:t>
+                        </m:r>
+                      </m:num>
+                      <m:den>
+                        <m:r>
+                          <a:rPr lang="en-US" b="0" i="1" smtClean="0">
+                            <a:latin typeface="Cambria Math" panose="02040503050406030204" pitchFamily="18" charset="0"/>
+                            <a:ea typeface="Cambria Math" panose="02040503050406030204" pitchFamily="18" charset="0"/>
+                          </a:rPr>
+                          <m:t>𝜕</m:t>
+                        </m:r>
+                        <m:r>
+                          <a:rPr lang="en-US" b="0" i="1" smtClean="0">
+                            <a:latin typeface="Cambria Math" panose="02040503050406030204" pitchFamily="18" charset="0"/>
+                            <a:ea typeface="Cambria Math" panose="02040503050406030204" pitchFamily="18" charset="0"/>
+                          </a:rPr>
+                          <m:t>𝑦</m:t>
+                        </m:r>
+                      </m:den>
+                    </m:f>
+                    <m:r>
+                      <a:rPr lang="en-US" b="0" i="1" smtClean="0">
+                        <a:latin typeface="Cambria Math" panose="02040503050406030204" pitchFamily="18" charset="0"/>
+                        <a:ea typeface="Cambria Math" panose="02040503050406030204" pitchFamily="18" charset="0"/>
+                      </a:rPr>
+                      <m:t>𝑢</m:t>
+                    </m:r>
+                    <m:d>
+                      <m:dPr>
+                        <m:ctrlPr>
+                          <a:rPr lang="en-US" b="0" i="1" smtClean="0">
+                            <a:latin typeface="Cambria Math" panose="02040503050406030204" pitchFamily="18" charset="0"/>
+                            <a:ea typeface="Cambria Math" panose="02040503050406030204" pitchFamily="18" charset="0"/>
+                          </a:rPr>
+                        </m:ctrlPr>
+                      </m:dPr>
+                      <m:e>
+                        <m:r>
+                          <a:rPr lang="en-US" b="0" i="1" smtClean="0">
+                            <a:latin typeface="Cambria Math" panose="02040503050406030204" pitchFamily="18" charset="0"/>
+                            <a:ea typeface="Cambria Math" panose="02040503050406030204" pitchFamily="18" charset="0"/>
+                          </a:rPr>
+                          <m:t>𝑥</m:t>
+                        </m:r>
+                        <m:r>
+                          <a:rPr lang="en-US" b="0" i="1" smtClean="0">
+                            <a:latin typeface="Cambria Math" panose="02040503050406030204" pitchFamily="18" charset="0"/>
+                            <a:ea typeface="Cambria Math" panose="02040503050406030204" pitchFamily="18" charset="0"/>
+                          </a:rPr>
+                          <m:t>,</m:t>
+                        </m:r>
+                        <m:r>
+                          <a:rPr lang="en-US" b="0" i="1" smtClean="0">
+                            <a:latin typeface="Cambria Math" panose="02040503050406030204" pitchFamily="18" charset="0"/>
+                            <a:ea typeface="Cambria Math" panose="02040503050406030204" pitchFamily="18" charset="0"/>
+                          </a:rPr>
+                          <m:t>𝑦</m:t>
+                        </m:r>
+                      </m:e>
+                    </m:d>
+                  </m:oMath>
+                </a14:m>
+                <a:endParaRPr lang="en-US" dirty="0"/>
+              </a:p>
+              <a:p>
+                <a:pPr>
+                  <a:buFont typeface="+mj-lt"/>
+                  <a:buAutoNum type="arabicPeriod"/>
+                </a:pPr>
+                <a:endParaRPr lang="en-US" sz="500" dirty="0"/>
+              </a:p>
+              <a:p>
+                <a:pPr marL="457200" indent="-457200">
+                  <a:buFont typeface="+mj-lt"/>
+                  <a:buAutoNum type="arabicPeriod"/>
+                </a:pPr>
+                <a:r>
+                  <a:rPr lang="en-US" dirty="0">
+                    <a:ea typeface="Cambria Math" panose="02040503050406030204" pitchFamily="18" charset="0"/>
+                  </a:rPr>
+                  <a:t>Set up  </a:t>
+                </a:r>
+                <a14:m>
+                  <m:oMath xmlns:m="http://schemas.openxmlformats.org/officeDocument/2006/math">
+                    <m:f>
+                      <m:fPr>
+                        <m:ctrlPr>
+                          <a:rPr lang="en-US" i="1" smtClean="0">
+                            <a:latin typeface="Cambria Math" panose="02040503050406030204" pitchFamily="18" charset="0"/>
+                            <a:ea typeface="Cambria Math" panose="02040503050406030204" pitchFamily="18" charset="0"/>
+                          </a:rPr>
+                        </m:ctrlPr>
+                      </m:fPr>
+                      <m:num>
+                        <m:r>
+                          <a:rPr lang="en-US" b="0" i="1" smtClean="0">
+                            <a:latin typeface="Cambria Math" panose="02040503050406030204" pitchFamily="18" charset="0"/>
+                            <a:ea typeface="Cambria Math" panose="02040503050406030204" pitchFamily="18" charset="0"/>
+                          </a:rPr>
+                          <m:t>𝑀</m:t>
+                        </m:r>
+                        <m:sSub>
+                          <m:sSubPr>
+                            <m:ctrlPr>
+                              <a:rPr lang="en-US" b="0" i="1" smtClean="0">
+                                <a:latin typeface="Cambria Math" panose="02040503050406030204" pitchFamily="18" charset="0"/>
+                                <a:ea typeface="Cambria Math" panose="02040503050406030204" pitchFamily="18" charset="0"/>
+                              </a:rPr>
+                            </m:ctrlPr>
+                          </m:sSubPr>
+                          <m:e>
+                            <m:r>
+                              <a:rPr lang="en-US" b="0" i="1" smtClean="0">
+                                <a:latin typeface="Cambria Math" panose="02040503050406030204" pitchFamily="18" charset="0"/>
+                                <a:ea typeface="Cambria Math" panose="02040503050406030204" pitchFamily="18" charset="0"/>
+                              </a:rPr>
+                              <m:t>𝑈</m:t>
+                            </m:r>
+                          </m:e>
+                          <m:sub>
+                            <m:r>
+                              <a:rPr lang="en-US" b="0" i="1" smtClean="0">
+                                <a:latin typeface="Cambria Math" panose="02040503050406030204" pitchFamily="18" charset="0"/>
+                                <a:ea typeface="Cambria Math" panose="02040503050406030204" pitchFamily="18" charset="0"/>
+                              </a:rPr>
+                              <m:t>𝑥</m:t>
+                            </m:r>
+                          </m:sub>
+                        </m:sSub>
+                      </m:num>
+                      <m:den>
+                        <m:sSub>
+                          <m:sSubPr>
+                            <m:ctrlPr>
+                              <a:rPr lang="en-US" b="0" i="1" smtClean="0">
+                                <a:latin typeface="Cambria Math" panose="02040503050406030204" pitchFamily="18" charset="0"/>
+                                <a:ea typeface="Cambria Math" panose="02040503050406030204" pitchFamily="18" charset="0"/>
+                              </a:rPr>
+                            </m:ctrlPr>
+                          </m:sSubPr>
+                          <m:e>
+                            <m:r>
+                              <a:rPr lang="en-US" b="0" i="1" smtClean="0">
+                                <a:latin typeface="Cambria Math" panose="02040503050406030204" pitchFamily="18" charset="0"/>
+                                <a:ea typeface="Cambria Math" panose="02040503050406030204" pitchFamily="18" charset="0"/>
+                              </a:rPr>
+                              <m:t>𝑃</m:t>
+                            </m:r>
+                          </m:e>
+                          <m:sub>
+                            <m:r>
+                              <a:rPr lang="en-US" b="0" i="1" smtClean="0">
+                                <a:latin typeface="Cambria Math" panose="02040503050406030204" pitchFamily="18" charset="0"/>
+                                <a:ea typeface="Cambria Math" panose="02040503050406030204" pitchFamily="18" charset="0"/>
+                              </a:rPr>
+                              <m:t>𝑥</m:t>
+                            </m:r>
+                          </m:sub>
+                        </m:sSub>
+                      </m:den>
+                    </m:f>
+                    <m:r>
+                      <a:rPr lang="en-US" b="0" i="1" smtClean="0">
+                        <a:latin typeface="Cambria Math" panose="02040503050406030204" pitchFamily="18" charset="0"/>
+                        <a:ea typeface="Cambria Math" panose="02040503050406030204" pitchFamily="18" charset="0"/>
+                      </a:rPr>
+                      <m:t>=</m:t>
+                    </m:r>
+                    <m:f>
+                      <m:fPr>
+                        <m:ctrlPr>
+                          <a:rPr lang="en-US" b="0" i="1" smtClean="0">
+                            <a:latin typeface="Cambria Math" panose="02040503050406030204" pitchFamily="18" charset="0"/>
+                            <a:ea typeface="Cambria Math" panose="02040503050406030204" pitchFamily="18" charset="0"/>
+                          </a:rPr>
+                        </m:ctrlPr>
+                      </m:fPr>
+                      <m:num>
+                        <m:r>
+                          <a:rPr lang="en-US" b="0" i="1" smtClean="0">
+                            <a:latin typeface="Cambria Math" panose="02040503050406030204" pitchFamily="18" charset="0"/>
+                            <a:ea typeface="Cambria Math" panose="02040503050406030204" pitchFamily="18" charset="0"/>
+                          </a:rPr>
+                          <m:t>𝑀</m:t>
+                        </m:r>
+                        <m:sSub>
+                          <m:sSubPr>
+                            <m:ctrlPr>
+                              <a:rPr lang="en-US" b="0" i="1" smtClean="0">
+                                <a:latin typeface="Cambria Math" panose="02040503050406030204" pitchFamily="18" charset="0"/>
+                                <a:ea typeface="Cambria Math" panose="02040503050406030204" pitchFamily="18" charset="0"/>
+                              </a:rPr>
+                            </m:ctrlPr>
+                          </m:sSubPr>
+                          <m:e>
+                            <m:r>
+                              <a:rPr lang="en-US" b="0" i="1" smtClean="0">
+                                <a:latin typeface="Cambria Math" panose="02040503050406030204" pitchFamily="18" charset="0"/>
+                                <a:ea typeface="Cambria Math" panose="02040503050406030204" pitchFamily="18" charset="0"/>
+                              </a:rPr>
+                              <m:t>𝑈</m:t>
+                            </m:r>
+                          </m:e>
+                          <m:sub>
+                            <m:r>
+                              <a:rPr lang="en-US" b="0" i="1" smtClean="0">
+                                <a:latin typeface="Cambria Math" panose="02040503050406030204" pitchFamily="18" charset="0"/>
+                                <a:ea typeface="Cambria Math" panose="02040503050406030204" pitchFamily="18" charset="0"/>
+                              </a:rPr>
+                              <m:t>𝑦</m:t>
+                            </m:r>
+                          </m:sub>
+                        </m:sSub>
+                      </m:num>
+                      <m:den>
+                        <m:sSub>
+                          <m:sSubPr>
+                            <m:ctrlPr>
+                              <a:rPr lang="en-US" b="0" i="1" smtClean="0">
+                                <a:latin typeface="Cambria Math" panose="02040503050406030204" pitchFamily="18" charset="0"/>
+                                <a:ea typeface="Cambria Math" panose="02040503050406030204" pitchFamily="18" charset="0"/>
+                              </a:rPr>
+                            </m:ctrlPr>
+                          </m:sSubPr>
+                          <m:e>
+                            <m:r>
+                              <a:rPr lang="en-US" b="0" i="1" smtClean="0">
+                                <a:latin typeface="Cambria Math" panose="02040503050406030204" pitchFamily="18" charset="0"/>
+                                <a:ea typeface="Cambria Math" panose="02040503050406030204" pitchFamily="18" charset="0"/>
+                              </a:rPr>
+                              <m:t>𝑃</m:t>
+                            </m:r>
+                          </m:e>
+                          <m:sub>
+                            <m:r>
+                              <a:rPr lang="en-US" b="0" i="1" smtClean="0">
+                                <a:latin typeface="Cambria Math" panose="02040503050406030204" pitchFamily="18" charset="0"/>
+                                <a:ea typeface="Cambria Math" panose="02040503050406030204" pitchFamily="18" charset="0"/>
+                              </a:rPr>
+                              <m:t>𝑦</m:t>
+                            </m:r>
+                          </m:sub>
+                        </m:sSub>
+                      </m:den>
+                    </m:f>
+                  </m:oMath>
+                </a14:m>
+                <a:r>
+                  <a:rPr lang="en-US" dirty="0"/>
+                  <a:t>  to find the optimal ratio.</a:t>
+                </a:r>
+              </a:p>
+              <a:p>
+                <a:pPr>
+                  <a:buFont typeface="+mj-lt"/>
+                  <a:buAutoNum type="arabicPeriod"/>
+                </a:pPr>
+                <a:endParaRPr lang="en-US" sz="500" dirty="0"/>
+              </a:p>
+              <a:p>
+                <a:pPr marL="457200" indent="-457200">
+                  <a:buFont typeface="+mj-lt"/>
+                  <a:buAutoNum type="arabicPeriod"/>
+                </a:pPr>
+                <a:r>
+                  <a:rPr lang="en-US" dirty="0"/>
+                  <a:t>Use the optimal ratio and budget line to find </a:t>
+                </a:r>
+                <a14:m>
+                  <m:oMath xmlns:m="http://schemas.openxmlformats.org/officeDocument/2006/math">
+                    <m:r>
+                      <a:rPr lang="en-US" b="0" i="0" dirty="0" smtClean="0">
+                        <a:latin typeface="Cambria Math" panose="02040503050406030204" pitchFamily="18" charset="0"/>
+                      </a:rPr>
+                      <m:t>(</m:t>
+                    </m:r>
+                    <m:sSup>
+                      <m:sSupPr>
+                        <m:ctrlPr>
+                          <a:rPr lang="en-US" b="0" i="1" dirty="0" smtClean="0">
+                            <a:latin typeface="Cambria Math" panose="02040503050406030204" pitchFamily="18" charset="0"/>
+                          </a:rPr>
+                        </m:ctrlPr>
+                      </m:sSupPr>
+                      <m:e>
+                        <m:r>
+                          <a:rPr lang="en-US" i="1" dirty="0" smtClean="0">
+                            <a:latin typeface="Cambria Math" panose="02040503050406030204" pitchFamily="18" charset="0"/>
+                          </a:rPr>
+                          <m:t>𝑥</m:t>
+                        </m:r>
+                      </m:e>
+                      <m:sup>
+                        <m:r>
+                          <a:rPr lang="en-US" b="0" i="1" dirty="0" smtClean="0">
+                            <a:latin typeface="Cambria Math" panose="02040503050406030204" pitchFamily="18" charset="0"/>
+                          </a:rPr>
+                          <m:t>∗</m:t>
+                        </m:r>
+                      </m:sup>
+                    </m:sSup>
+                    <m:r>
+                      <a:rPr lang="en-US" b="0" i="1" dirty="0" smtClean="0">
+                        <a:latin typeface="Cambria Math" panose="02040503050406030204" pitchFamily="18" charset="0"/>
+                      </a:rPr>
+                      <m:t>,</m:t>
+                    </m:r>
+                    <m:sSup>
+                      <m:sSupPr>
+                        <m:ctrlPr>
+                          <a:rPr lang="en-US" b="0" i="1" dirty="0" smtClean="0">
+                            <a:latin typeface="Cambria Math" panose="02040503050406030204" pitchFamily="18" charset="0"/>
+                          </a:rPr>
+                        </m:ctrlPr>
+                      </m:sSupPr>
+                      <m:e>
+                        <m:r>
+                          <a:rPr lang="en-US" b="0" i="1" dirty="0" smtClean="0">
+                            <a:latin typeface="Cambria Math" panose="02040503050406030204" pitchFamily="18" charset="0"/>
+                          </a:rPr>
+                          <m:t>𝑦</m:t>
+                        </m:r>
+                      </m:e>
+                      <m:sup>
+                        <m:r>
+                          <a:rPr lang="en-US" b="0" i="1" dirty="0" smtClean="0">
+                            <a:latin typeface="Cambria Math" panose="02040503050406030204" pitchFamily="18" charset="0"/>
+                          </a:rPr>
+                          <m:t>∗</m:t>
+                        </m:r>
+                      </m:sup>
+                    </m:sSup>
+                    <m:r>
+                      <a:rPr lang="en-US" b="0" i="1" dirty="0" smtClean="0">
+                        <a:latin typeface="Cambria Math" panose="02040503050406030204" pitchFamily="18" charset="0"/>
+                      </a:rPr>
+                      <m:t>)</m:t>
+                    </m:r>
+                  </m:oMath>
+                </a14:m>
+                <a:r>
+                  <a:rPr lang="en-US" dirty="0"/>
+                  <a:t>.</a:t>
+                </a:r>
+              </a:p>
+              <a:p>
+                <a:pPr lvl="1"/>
+                <a:endParaRPr lang="en-US" dirty="0"/>
+              </a:p>
+            </p:txBody>
+          </p:sp>
+        </mc:Choice>
+        <mc:Fallback>
+          <p:sp>
+            <p:nvSpPr>
+              <p:cNvPr id="3" name="Content Placeholder 2">
+                <a:extLst>
+                  <a:ext uri="{FF2B5EF4-FFF2-40B4-BE49-F238E27FC236}">
+                    <a16:creationId xmlns:a16="http://schemas.microsoft.com/office/drawing/2014/main" id="{5A717BAA-D4BA-C7EB-5696-203603829C7C}"/>
+                  </a:ext>
+                </a:extLst>
+              </p:cNvPr>
+              <p:cNvSpPr>
+                <a:spLocks noGrp="1" noRot="1" noChangeAspect="1" noMove="1" noResize="1" noEditPoints="1" noAdjustHandles="1" noChangeArrowheads="1" noChangeShapeType="1" noTextEdit="1"/>
+              </p:cNvSpPr>
+              <p:nvPr>
+                <p:ph idx="1"/>
+              </p:nvPr>
+            </p:nvSpPr>
+            <p:spPr>
+              <a:blipFill>
+                <a:blip r:embed="rId2"/>
+                <a:stretch>
+                  <a:fillRect l="-1082"/>
+                </a:stretch>
+              </a:blipFill>
+            </p:spPr>
+            <p:txBody>
+              <a:bodyPr/>
+              <a:lstStyle/>
+              <a:p>
+                <a:r>
+                  <a:rPr lang="en-US">
+                    <a:noFill/>
+                  </a:rPr>
+                  <a:t> </a:t>
+                </a:r>
+              </a:p>
+            </p:txBody>
+          </p:sp>
+        </mc:Fallback>
+      </mc:AlternateContent>
+      <p:sp>
+        <p:nvSpPr>
+          <p:cNvPr id="4" name="Date Placeholder 3">
+            <a:extLst>
+              <a:ext uri="{FF2B5EF4-FFF2-40B4-BE49-F238E27FC236}">
+                <a16:creationId xmlns:a16="http://schemas.microsoft.com/office/drawing/2014/main" id="{B09CFCAE-B4E3-649B-FDB7-488E4E51258C}"/>
+              </a:ext>
+            </a:extLst>
+          </p:cNvPr>
+          <p:cNvSpPr>
+            <a:spLocks noGrp="1"/>
+          </p:cNvSpPr>
+          <p:nvPr>
+            <p:ph type="dt" sz="half" idx="10"/>
+          </p:nvPr>
+        </p:nvSpPr>
+        <p:spPr/>
+        <p:txBody>
+          <a:bodyPr/>
+          <a:lstStyle/>
+          <a:p>
+            <a:r>
+              <a:rPr lang="en-US" dirty="0"/>
+              <a:t>Fall 2023</a:t>
+            </a:r>
+          </a:p>
+        </p:txBody>
+      </p:sp>
+      <p:sp>
+        <p:nvSpPr>
+          <p:cNvPr id="5" name="Footer Placeholder 4">
+            <a:extLst>
+              <a:ext uri="{FF2B5EF4-FFF2-40B4-BE49-F238E27FC236}">
+                <a16:creationId xmlns:a16="http://schemas.microsoft.com/office/drawing/2014/main" id="{52AC4525-C5C8-8596-B2EA-0E2C5344302C}"/>
+              </a:ext>
+            </a:extLst>
+          </p:cNvPr>
+          <p:cNvSpPr>
+            <a:spLocks noGrp="1"/>
+          </p:cNvSpPr>
+          <p:nvPr>
+            <p:ph type="ftr" sz="quarter" idx="11"/>
+          </p:nvPr>
+        </p:nvSpPr>
+        <p:spPr/>
+        <p:txBody>
+          <a:bodyPr/>
+          <a:lstStyle/>
+          <a:p>
+            <a:r>
+              <a:rPr lang="en-US" dirty="0"/>
+              <a:t>DEPARTMENT OF BUSINESS &amp; ECONOMICS</a:t>
+            </a:r>
+          </a:p>
+        </p:txBody>
+      </p:sp>
+      <p:sp>
+        <p:nvSpPr>
+          <p:cNvPr id="6" name="Slide Number Placeholder 5">
+            <a:extLst>
+              <a:ext uri="{FF2B5EF4-FFF2-40B4-BE49-F238E27FC236}">
+                <a16:creationId xmlns:a16="http://schemas.microsoft.com/office/drawing/2014/main" id="{1E261E69-6082-7B91-F48A-C4702A4B503E}"/>
+              </a:ext>
+            </a:extLst>
+          </p:cNvPr>
+          <p:cNvSpPr>
+            <a:spLocks noGrp="1"/>
+          </p:cNvSpPr>
+          <p:nvPr>
+            <p:ph type="sldNum" sz="quarter" idx="12"/>
+          </p:nvPr>
+        </p:nvSpPr>
+        <p:spPr/>
+        <p:txBody>
+          <a:bodyPr/>
+          <a:lstStyle/>
+          <a:p>
+            <a:fld id="{1A980C56-831A-4EAB-9EDE-57C090F4F877}" type="slidenum">
+              <a:rPr lang="en-US" smtClean="0"/>
+              <a:t>29</a:t>
+            </a:fld>
+            <a:endParaRPr lang="en-US" dirty="0"/>
+          </a:p>
+        </p:txBody>
+      </p:sp>
+    </p:spTree>
+    <p:extLst>
+      <p:ext uri="{BB962C8B-B14F-4D97-AF65-F5344CB8AC3E}">
+        <p14:creationId xmlns:p14="http://schemas.microsoft.com/office/powerpoint/2010/main" val="2157241734"/>
+      </p:ext>
+    </p:extLst>
+  </p:cSld>
+  <p:clrMapOvr>
+    <a:masterClrMapping/>
+  </p:clrMapOvr>
+  <p:timing>
+    <p:tnLst>
+      <p:par>
+        <p:cTn id="1" dur="indefinite" restart="never" nodeType="tmRoot">
+          <p:childTnLst>
+            <p:seq concurrent="1" nextAc="seek">
+              <p:cTn id="2" dur="indefinite" nodeType="mainSeq">
+                <p:childTnLst>
+                  <p:par>
+                    <p:cTn id="3" fill="hold">
+                      <p:stCondLst>
+                        <p:cond delay="indefinite"/>
+                      </p:stCondLst>
+                      <p:childTnLst>
+                        <p:par>
+                          <p:cTn id="4" fill="hold">
+                            <p:stCondLst>
+                              <p:cond delay="0"/>
+                            </p:stCondLst>
+                            <p:childTnLst>
+                              <p:par>
+                                <p:cTn id="5" presetID="10" presetClass="entr" presetSubtype="0" fill="hold" nodeType="clickEffect">
+                                  <p:stCondLst>
+                                    <p:cond delay="0"/>
+                                  </p:stCondLst>
+                                  <p:childTnLst>
+                                    <p:set>
+                                      <p:cBhvr>
+                                        <p:cTn id="6" dur="1" fill="hold">
+                                          <p:stCondLst>
+                                            <p:cond delay="0"/>
+                                          </p:stCondLst>
+                                        </p:cTn>
+                                        <p:tgtEl>
+                                          <p:spTgt spid="3">
+                                            <p:txEl>
+                                              <p:pRg st="0" end="0"/>
+                                            </p:txEl>
+                                          </p:spTgt>
+                                        </p:tgtEl>
+                                        <p:attrNameLst>
+                                          <p:attrName>style.visibility</p:attrName>
+                                        </p:attrNameLst>
+                                      </p:cBhvr>
+                                      <p:to>
+                                        <p:strVal val="visible"/>
+                                      </p:to>
+                                    </p:set>
+                                    <p:animEffect transition="in" filter="fade">
+                                      <p:cBhvr>
+                                        <p:cTn id="7" dur="500"/>
+                                        <p:tgtEl>
+                                          <p:spTgt spid="3">
+                                            <p:txEl>
+                                              <p:pRg st="0" end="0"/>
+                                            </p:txEl>
+                                          </p:spTgt>
+                                        </p:tgtEl>
+                                      </p:cBhvr>
+                                    </p:animEffect>
+                                  </p:childTnLst>
+                                </p:cTn>
+                              </p:par>
+                            </p:childTnLst>
+                          </p:cTn>
+                        </p:par>
+                      </p:childTnLst>
+                    </p:cTn>
+                  </p:par>
+                  <p:par>
+                    <p:cTn id="8" fill="hold">
+                      <p:stCondLst>
+                        <p:cond delay="indefinite"/>
+                      </p:stCondLst>
+                      <p:childTnLst>
+                        <p:par>
+                          <p:cTn id="9" fill="hold">
+                            <p:stCondLst>
+                              <p:cond delay="0"/>
+                            </p:stCondLst>
+                            <p:childTnLst>
+                              <p:par>
+                                <p:cTn id="10" presetID="10" presetClass="entr" presetSubtype="0" fill="hold" nodeType="clickEffect">
+                                  <p:stCondLst>
+                                    <p:cond delay="0"/>
+                                  </p:stCondLst>
+                                  <p:childTnLst>
+                                    <p:set>
+                                      <p:cBhvr>
+                                        <p:cTn id="11" dur="1" fill="hold">
+                                          <p:stCondLst>
+                                            <p:cond delay="0"/>
+                                          </p:stCondLst>
+                                        </p:cTn>
+                                        <p:tgtEl>
+                                          <p:spTgt spid="3">
+                                            <p:txEl>
+                                              <p:pRg st="2" end="2"/>
+                                            </p:txEl>
+                                          </p:spTgt>
+                                        </p:tgtEl>
+                                        <p:attrNameLst>
+                                          <p:attrName>style.visibility</p:attrName>
+                                        </p:attrNameLst>
+                                      </p:cBhvr>
+                                      <p:to>
+                                        <p:strVal val="visible"/>
+                                      </p:to>
+                                    </p:set>
+                                    <p:animEffect transition="in" filter="fade">
+                                      <p:cBhvr>
+                                        <p:cTn id="12" dur="500"/>
+                                        <p:tgtEl>
+                                          <p:spTgt spid="3">
+                                            <p:txEl>
+                                              <p:pRg st="2" end="2"/>
+                                            </p:txEl>
+                                          </p:spTgt>
+                                        </p:tgtEl>
+                                      </p:cBhvr>
+                                    </p:animEffect>
+                                  </p:childTnLst>
+                                </p:cTn>
+                              </p:par>
+                            </p:childTnLst>
+                          </p:cTn>
+                        </p:par>
+                      </p:childTnLst>
+                    </p:cTn>
+                  </p:par>
+                  <p:par>
+                    <p:cTn id="13" fill="hold">
+                      <p:stCondLst>
+                        <p:cond delay="indefinite"/>
+                      </p:stCondLst>
+                      <p:childTnLst>
+                        <p:par>
+                          <p:cTn id="14" fill="hold">
+                            <p:stCondLst>
+                              <p:cond delay="0"/>
+                            </p:stCondLst>
+                            <p:childTnLst>
+                              <p:par>
+                                <p:cTn id="15" presetID="10" presetClass="entr" presetSubtype="0" fill="hold" nodeType="clickEffect">
+                                  <p:stCondLst>
+                                    <p:cond delay="0"/>
+                                  </p:stCondLst>
+                                  <p:childTnLst>
+                                    <p:set>
+                                      <p:cBhvr>
+                                        <p:cTn id="16" dur="1" fill="hold">
+                                          <p:stCondLst>
+                                            <p:cond delay="0"/>
+                                          </p:stCondLst>
+                                        </p:cTn>
+                                        <p:tgtEl>
+                                          <p:spTgt spid="3">
+                                            <p:txEl>
+                                              <p:pRg st="4" end="4"/>
+                                            </p:txEl>
+                                          </p:spTgt>
+                                        </p:tgtEl>
+                                        <p:attrNameLst>
+                                          <p:attrName>style.visibility</p:attrName>
+                                        </p:attrNameLst>
+                                      </p:cBhvr>
+                                      <p:to>
+                                        <p:strVal val="visible"/>
+                                      </p:to>
+                                    </p:set>
+                                    <p:animEffect transition="in" filter="fade">
+                                      <p:cBhvr>
+                                        <p:cTn id="17" dur="500"/>
+                                        <p:tgtEl>
+                                          <p:spTgt spid="3">
+                                            <p:txEl>
+                                              <p:pRg st="4" end="4"/>
+                                            </p:txEl>
+                                          </p:spTgt>
+                                        </p:tgtEl>
+                                      </p:cBhvr>
+                                    </p:animEffect>
+                                  </p:childTnLst>
+                                </p:cTn>
+                              </p:par>
+                            </p:childTnLst>
+                          </p:cTn>
+                        </p:par>
+                      </p:childTnLst>
+                    </p:cTn>
+                  </p:par>
+                  <p:par>
+                    <p:cTn id="18" fill="hold">
+                      <p:stCondLst>
+                        <p:cond delay="indefinite"/>
+                      </p:stCondLst>
+                      <p:childTnLst>
+                        <p:par>
+                          <p:cTn id="19" fill="hold">
+                            <p:stCondLst>
+                              <p:cond delay="0"/>
+                            </p:stCondLst>
+                            <p:childTnLst>
+                              <p:par>
+                                <p:cTn id="20" presetID="10" presetClass="entr" presetSubtype="0" fill="hold" nodeType="clickEffect">
+                                  <p:stCondLst>
+                                    <p:cond delay="0"/>
+                                  </p:stCondLst>
+                                  <p:childTnLst>
+                                    <p:set>
+                                      <p:cBhvr>
+                                        <p:cTn id="21" dur="1" fill="hold">
+                                          <p:stCondLst>
+                                            <p:cond delay="0"/>
+                                          </p:stCondLst>
+                                        </p:cTn>
+                                        <p:tgtEl>
+                                          <p:spTgt spid="3">
+                                            <p:txEl>
+                                              <p:pRg st="6" end="6"/>
+                                            </p:txEl>
+                                          </p:spTgt>
+                                        </p:tgtEl>
+                                        <p:attrNameLst>
+                                          <p:attrName>style.visibility</p:attrName>
+                                        </p:attrNameLst>
+                                      </p:cBhvr>
+                                      <p:to>
+                                        <p:strVal val="visible"/>
+                                      </p:to>
+                                    </p:set>
+                                    <p:animEffect transition="in" filter="fade">
+                                      <p:cBhvr>
+                                        <p:cTn id="22" dur="500"/>
+                                        <p:tgtEl>
+                                          <p:spTgt spid="3">
+                                            <p:txEl>
+                                              <p:pRg st="6" end="6"/>
+                                            </p:txEl>
+                                          </p:spTgt>
+                                        </p:tgtEl>
+                                      </p:cBhvr>
+                                    </p:animEffect>
+                                  </p:childTnLst>
+                                </p:cTn>
+                              </p:par>
+                            </p:childTnLst>
+                          </p:cTn>
+                        </p:par>
+                      </p:childTnLst>
+                    </p:cTn>
+                  </p:par>
+                </p:childTnLst>
+              </p:cTn>
+              <p:prevCondLst>
+                <p:cond evt="onPrev" delay="0">
+                  <p:tgtEl>
+                    <p:sldTgt/>
+                  </p:tgtEl>
+                </p:cond>
+              </p:prevCondLst>
+              <p:nextCondLst>
+                <p:cond evt="onNext" delay="0">
+                  <p:tgtEl>
+                    <p:sldTgt/>
+                  </p:tgtEl>
+                </p:cond>
+              </p:nextCondLst>
+            </p:seq>
+          </p:childTnLst>
+        </p:cTn>
+      </p:par>
+    </p:tnLst>
+  </p:timing>
+</p:sld>
+</file>
+
 <file path=ppt/slides/slide3.xml><?xml version="1.0" encoding="utf-8"?>
 <p:sld xmlns:a="http://schemas.openxmlformats.org/drawingml/2006/main" xmlns:r="http://schemas.openxmlformats.org/officeDocument/2006/relationships" xmlns:p="http://schemas.openxmlformats.org/presentationml/2006/main">
   <p:cSld>
@@ -22083,8 +24580,8 @@
           </a:p>
         </p:txBody>
       </p:sp>
-      <mc:AlternateContent xmlns:mc="http://schemas.openxmlformats.org/markup-compatibility/2006">
-        <mc:Choice xmlns:a14="http://schemas.microsoft.com/office/drawing/2010/main" Requires="a14">
+      <mc:AlternateContent xmlns:mc="http://schemas.openxmlformats.org/markup-compatibility/2006" xmlns:a14="http://schemas.microsoft.com/office/drawing/2010/main">
+        <mc:Choice Requires="a14">
           <p:sp>
             <p:nvSpPr>
               <p:cNvPr id="3" name="Content Placeholder 2">
@@ -22398,7 +24895,7 @@
             </p:txBody>
           </p:sp>
         </mc:Choice>
-        <mc:Fallback>
+        <mc:Fallback xmlns="">
           <p:sp>
             <p:nvSpPr>
               <p:cNvPr id="3" name="Content Placeholder 2">
@@ -27311,6 +29808,49 @@
                                   </p:childTnLst>
                                 </p:cTn>
                               </p:par>
+                              <p:par>
+                                <p:cTn id="14" presetID="10" presetClass="exit" presetSubtype="0" fill="hold" nodeType="withEffect">
+                                  <p:stCondLst>
+                                    <p:cond delay="0"/>
+                                  </p:stCondLst>
+                                  <p:childTnLst>
+                                    <p:animEffect transition="out" filter="fade">
+                                      <p:cBhvr>
+                                        <p:cTn id="15" dur="500"/>
+                                        <p:tgtEl>
+                                          <p:spTgt spid="3">
+                                            <p:txEl>
+                                              <p:pRg st="4" end="4"/>
+                                            </p:txEl>
+                                          </p:spTgt>
+                                        </p:tgtEl>
+                                      </p:cBhvr>
+                                    </p:animEffect>
+                                    <p:set>
+                                      <p:cBhvr>
+                                        <p:cTn id="16" dur="1" fill="hold">
+                                          <p:stCondLst>
+                                            <p:cond delay="499"/>
+                                          </p:stCondLst>
+                                        </p:cTn>
+                                        <p:tgtEl>
+                                          <p:spTgt spid="3">
+                                            <p:txEl>
+                                              <p:pRg st="4" end="4"/>
+                                            </p:txEl>
+                                          </p:spTgt>
+                                        </p:tgtEl>
+                                        <p:attrNameLst>
+                                          <p:attrName>style.visibility</p:attrName>
+                                        </p:attrNameLst>
+                                      </p:cBhvr>
+                                      <p:to>
+                                        <p:strVal val="hidden"/>
+                                      </p:to>
+                                    </p:set>
+                                  </p:childTnLst>
+                                </p:cTn>
+                              </p:par>
                             </p:childTnLst>
                           </p:cTn>
                         </p:par>
@@ -28302,7 +30842,7 @@
                                     </p:set>
                                     <p:animEffect transition="in" filter="wipe(left)">
                                       <p:cBhvr>
-                                        <p:cTn id="23" dur="10000"/>
+                                        <p:cTn id="23" dur="5000"/>
                                         <p:tgtEl>
                                           <p:spTgt spid="3">
                                             <p:txEl>
